--- a/docs/inference_based_method_slides.pptx
+++ b/docs/inference_based_method_slides.pptx
@@ -9,6 +9,9 @@
     <p:sldId id="257" r:id="rId3"/>
     <p:sldId id="258" r:id="rId4"/>
     <p:sldId id="259" r:id="rId5"/>
+    <p:sldId id="260" r:id="rId6"/>
+    <p:sldId id="261" r:id="rId7"/>
+    <p:sldId id="262" r:id="rId8"/>
   </p:sldIdLst>
   <p:sldSz cx="12192000" cy="6858000"/>
   <p:notesSz cx="6858000" cy="9144000"/>
@@ -107,6 +110,11 @@
       </a:defRPr>
     </a:lvl9pPr>
   </p:defaultTextStyle>
+  <p:extLst>
+    <p:ext uri="{EFAFB233-063F-42B5-8137-9DF3F51BA10A}">
+      <p15:sldGuideLst xmlns:p15="http://schemas.microsoft.com/office/powerpoint/2012/main"/>
+    </p:ext>
+  </p:extLst>
 </p:presentation>
 </file>
 
@@ -1132,7 +1140,7 @@
           <a:p>
             <a:fld id="{19C033E0-6099-4D6E-9C24-DDF1966CD57D}" type="datetimeFigureOut">
               <a:rPr kumimoji="1" lang="ja-JP" altLang="en-US" smtClean="0"/>
-              <a:t>2024/4/6</a:t>
+              <a:t>2024/5/10</a:t>
             </a:fld>
             <a:endParaRPr kumimoji="1" lang="ja-JP" altLang="en-US"/>
           </a:p>
@@ -1362,7 +1370,7 @@
           <a:p>
             <a:fld id="{19C033E0-6099-4D6E-9C24-DDF1966CD57D}" type="datetimeFigureOut">
               <a:rPr kumimoji="1" lang="ja-JP" altLang="en-US" smtClean="0"/>
-              <a:t>2024/4/6</a:t>
+              <a:t>2024/5/10</a:t>
             </a:fld>
             <a:endParaRPr kumimoji="1" lang="ja-JP" altLang="en-US"/>
           </a:p>
@@ -1602,7 +1610,7 @@
           <a:p>
             <a:fld id="{19C033E0-6099-4D6E-9C24-DDF1966CD57D}" type="datetimeFigureOut">
               <a:rPr kumimoji="1" lang="ja-JP" altLang="en-US" smtClean="0"/>
-              <a:t>2024/4/6</a:t>
+              <a:t>2024/5/10</a:t>
             </a:fld>
             <a:endParaRPr kumimoji="1" lang="ja-JP" altLang="en-US"/>
           </a:p>
@@ -1832,7 +1840,7 @@
           <a:p>
             <a:fld id="{19C033E0-6099-4D6E-9C24-DDF1966CD57D}" type="datetimeFigureOut">
               <a:rPr kumimoji="1" lang="ja-JP" altLang="en-US" smtClean="0"/>
-              <a:t>2024/4/6</a:t>
+              <a:t>2024/5/10</a:t>
             </a:fld>
             <a:endParaRPr kumimoji="1" lang="ja-JP" altLang="en-US"/>
           </a:p>
@@ -2107,7 +2115,7 @@
           <a:p>
             <a:fld id="{19C033E0-6099-4D6E-9C24-DDF1966CD57D}" type="datetimeFigureOut">
               <a:rPr kumimoji="1" lang="ja-JP" altLang="en-US" smtClean="0"/>
-              <a:t>2024/4/6</a:t>
+              <a:t>2024/5/10</a:t>
             </a:fld>
             <a:endParaRPr kumimoji="1" lang="ja-JP" altLang="en-US"/>
           </a:p>
@@ -2436,7 +2444,7 @@
           <a:p>
             <a:fld id="{19C033E0-6099-4D6E-9C24-DDF1966CD57D}" type="datetimeFigureOut">
               <a:rPr kumimoji="1" lang="ja-JP" altLang="en-US" smtClean="0"/>
-              <a:t>2024/4/6</a:t>
+              <a:t>2024/5/10</a:t>
             </a:fld>
             <a:endParaRPr kumimoji="1" lang="ja-JP" altLang="en-US"/>
           </a:p>
@@ -2912,7 +2920,7 @@
           <a:p>
             <a:fld id="{19C033E0-6099-4D6E-9C24-DDF1966CD57D}" type="datetimeFigureOut">
               <a:rPr kumimoji="1" lang="ja-JP" altLang="en-US" smtClean="0"/>
-              <a:t>2024/4/6</a:t>
+              <a:t>2024/5/10</a:t>
             </a:fld>
             <a:endParaRPr kumimoji="1" lang="ja-JP" altLang="en-US"/>
           </a:p>
@@ -3053,7 +3061,7 @@
           <a:p>
             <a:fld id="{19C033E0-6099-4D6E-9C24-DDF1966CD57D}" type="datetimeFigureOut">
               <a:rPr kumimoji="1" lang="ja-JP" altLang="en-US" smtClean="0"/>
-              <a:t>2024/4/6</a:t>
+              <a:t>2024/5/10</a:t>
             </a:fld>
             <a:endParaRPr kumimoji="1" lang="ja-JP" altLang="en-US"/>
           </a:p>
@@ -3166,7 +3174,7 @@
           <a:p>
             <a:fld id="{19C033E0-6099-4D6E-9C24-DDF1966CD57D}" type="datetimeFigureOut">
               <a:rPr kumimoji="1" lang="ja-JP" altLang="en-US" smtClean="0"/>
-              <a:t>2024/4/6</a:t>
+              <a:t>2024/5/10</a:t>
             </a:fld>
             <a:endParaRPr kumimoji="1" lang="ja-JP" altLang="en-US"/>
           </a:p>
@@ -3509,7 +3517,7 @@
           <a:p>
             <a:fld id="{19C033E0-6099-4D6E-9C24-DDF1966CD57D}" type="datetimeFigureOut">
               <a:rPr kumimoji="1" lang="ja-JP" altLang="en-US" smtClean="0"/>
-              <a:t>2024/4/6</a:t>
+              <a:t>2024/5/10</a:t>
             </a:fld>
             <a:endParaRPr kumimoji="1" lang="ja-JP" altLang="en-US"/>
           </a:p>
@@ -3797,7 +3805,7 @@
           <a:p>
             <a:fld id="{19C033E0-6099-4D6E-9C24-DDF1966CD57D}" type="datetimeFigureOut">
               <a:rPr kumimoji="1" lang="ja-JP" altLang="en-US" smtClean="0"/>
-              <a:t>2024/4/6</a:t>
+              <a:t>2024/5/10</a:t>
             </a:fld>
             <a:endParaRPr kumimoji="1" lang="ja-JP" altLang="en-US"/>
           </a:p>
@@ -4070,7 +4078,7 @@
           <a:p>
             <a:fld id="{19C033E0-6099-4D6E-9C24-DDF1966CD57D}" type="datetimeFigureOut">
               <a:rPr kumimoji="1" lang="ja-JP" altLang="en-US" smtClean="0"/>
-              <a:t>2024/4/6</a:t>
+              <a:t>2024/5/10</a:t>
             </a:fld>
             <a:endParaRPr kumimoji="1" lang="ja-JP" altLang="en-US"/>
           </a:p>
@@ -8616,6 +8624,4793 @@
 </p:sld>
 </file>
 
+<file path=ppt/slides/slide5.xml><?xml version="1.0" encoding="utf-8"?>
+<p:sld xmlns:a="http://schemas.openxmlformats.org/drawingml/2006/main" xmlns:r="http://schemas.openxmlformats.org/officeDocument/2006/relationships" xmlns:p="http://schemas.openxmlformats.org/presentationml/2006/main">
+  <p:cSld>
+    <p:spTree>
+      <p:nvGrpSpPr>
+        <p:cNvPr id="1" name=""/>
+        <p:cNvGrpSpPr/>
+        <p:nvPr/>
+      </p:nvGrpSpPr>
+      <p:grpSpPr>
+        <a:xfrm>
+          <a:off x="0" y="0"/>
+          <a:ext cx="0" cy="0"/>
+          <a:chOff x="0" y="0"/>
+          <a:chExt cx="0" cy="0"/>
+        </a:xfrm>
+      </p:grpSpPr>
+      <p:sp>
+        <p:nvSpPr>
+          <p:cNvPr id="2" name="楕円 1">
+            <a:extLst>
+              <a:ext uri="{FF2B5EF4-FFF2-40B4-BE49-F238E27FC236}">
+                <a16:creationId xmlns:a16="http://schemas.microsoft.com/office/drawing/2014/main" id="{801C833A-F1AB-85AD-8A7F-8D0E85DB40D7}"/>
+              </a:ext>
+            </a:extLst>
+          </p:cNvPr>
+          <p:cNvSpPr/>
+          <p:nvPr/>
+        </p:nvSpPr>
+        <p:spPr>
+          <a:xfrm>
+            <a:off x="3823855" y="775854"/>
+            <a:ext cx="517236" cy="508000"/>
+          </a:xfrm>
+          <a:prstGeom prst="ellipse">
+            <a:avLst/>
+          </a:prstGeom>
+        </p:spPr>
+        <p:style>
+          <a:lnRef idx="2">
+            <a:schemeClr val="accent1">
+              <a:shade val="15000"/>
+            </a:schemeClr>
+          </a:lnRef>
+          <a:fillRef idx="1">
+            <a:schemeClr val="accent1"/>
+          </a:fillRef>
+          <a:effectRef idx="0">
+            <a:schemeClr val="accent1"/>
+          </a:effectRef>
+          <a:fontRef idx="minor">
+            <a:schemeClr val="lt1"/>
+          </a:fontRef>
+        </p:style>
+        <p:txBody>
+          <a:bodyPr rtlCol="0" anchor="ctr"/>
+          <a:lstStyle/>
+          <a:p>
+            <a:pPr algn="ctr"/>
+            <a:endParaRPr kumimoji="1" lang="ja-JP" altLang="en-US"/>
+          </a:p>
+        </p:txBody>
+      </p:sp>
+      <p:sp>
+        <p:nvSpPr>
+          <p:cNvPr id="3" name="楕円 2">
+            <a:extLst>
+              <a:ext uri="{FF2B5EF4-FFF2-40B4-BE49-F238E27FC236}">
+                <a16:creationId xmlns:a16="http://schemas.microsoft.com/office/drawing/2014/main" id="{30D654CC-E5BA-CCDE-555D-5A09877A2440}"/>
+              </a:ext>
+            </a:extLst>
+          </p:cNvPr>
+          <p:cNvSpPr/>
+          <p:nvPr/>
+        </p:nvSpPr>
+        <p:spPr>
+          <a:xfrm>
+            <a:off x="3823855" y="1450108"/>
+            <a:ext cx="517236" cy="508000"/>
+          </a:xfrm>
+          <a:prstGeom prst="ellipse">
+            <a:avLst/>
+          </a:prstGeom>
+          <a:solidFill>
+            <a:schemeClr val="bg1"/>
+          </a:solidFill>
+        </p:spPr>
+        <p:style>
+          <a:lnRef idx="2">
+            <a:schemeClr val="accent1">
+              <a:shade val="15000"/>
+            </a:schemeClr>
+          </a:lnRef>
+          <a:fillRef idx="1">
+            <a:schemeClr val="accent1"/>
+          </a:fillRef>
+          <a:effectRef idx="0">
+            <a:schemeClr val="accent1"/>
+          </a:effectRef>
+          <a:fontRef idx="minor">
+            <a:schemeClr val="lt1"/>
+          </a:fontRef>
+        </p:style>
+        <p:txBody>
+          <a:bodyPr rtlCol="0" anchor="ctr"/>
+          <a:lstStyle/>
+          <a:p>
+            <a:pPr algn="ctr"/>
+            <a:endParaRPr kumimoji="1" lang="ja-JP" altLang="en-US" dirty="0"/>
+          </a:p>
+        </p:txBody>
+      </p:sp>
+      <p:sp>
+        <p:nvSpPr>
+          <p:cNvPr id="4" name="楕円 3">
+            <a:extLst>
+              <a:ext uri="{FF2B5EF4-FFF2-40B4-BE49-F238E27FC236}">
+                <a16:creationId xmlns:a16="http://schemas.microsoft.com/office/drawing/2014/main" id="{0D959751-376B-57C9-3434-6A585D5C61AC}"/>
+              </a:ext>
+            </a:extLst>
+          </p:cNvPr>
+          <p:cNvSpPr/>
+          <p:nvPr/>
+        </p:nvSpPr>
+        <p:spPr>
+          <a:xfrm>
+            <a:off x="3823855" y="2018144"/>
+            <a:ext cx="517236" cy="508000"/>
+          </a:xfrm>
+          <a:prstGeom prst="ellipse">
+            <a:avLst/>
+          </a:prstGeom>
+          <a:solidFill>
+            <a:schemeClr val="bg1"/>
+          </a:solidFill>
+        </p:spPr>
+        <p:style>
+          <a:lnRef idx="2">
+            <a:schemeClr val="accent1">
+              <a:shade val="15000"/>
+            </a:schemeClr>
+          </a:lnRef>
+          <a:fillRef idx="1">
+            <a:schemeClr val="accent1"/>
+          </a:fillRef>
+          <a:effectRef idx="0">
+            <a:schemeClr val="accent1"/>
+          </a:effectRef>
+          <a:fontRef idx="minor">
+            <a:schemeClr val="lt1"/>
+          </a:fontRef>
+        </p:style>
+        <p:txBody>
+          <a:bodyPr rtlCol="0" anchor="ctr"/>
+          <a:lstStyle/>
+          <a:p>
+            <a:pPr algn="ctr"/>
+            <a:endParaRPr kumimoji="1" lang="ja-JP" altLang="en-US"/>
+          </a:p>
+        </p:txBody>
+      </p:sp>
+      <p:sp>
+        <p:nvSpPr>
+          <p:cNvPr id="5" name="楕円 4">
+            <a:extLst>
+              <a:ext uri="{FF2B5EF4-FFF2-40B4-BE49-F238E27FC236}">
+                <a16:creationId xmlns:a16="http://schemas.microsoft.com/office/drawing/2014/main" id="{E6901D72-BE49-B9B2-23A3-0AA46D2FA48E}"/>
+              </a:ext>
+            </a:extLst>
+          </p:cNvPr>
+          <p:cNvSpPr/>
+          <p:nvPr/>
+        </p:nvSpPr>
+        <p:spPr>
+          <a:xfrm>
+            <a:off x="3823855" y="2586180"/>
+            <a:ext cx="517236" cy="508000"/>
+          </a:xfrm>
+          <a:prstGeom prst="ellipse">
+            <a:avLst/>
+          </a:prstGeom>
+          <a:solidFill>
+            <a:schemeClr val="bg1"/>
+          </a:solidFill>
+        </p:spPr>
+        <p:style>
+          <a:lnRef idx="2">
+            <a:schemeClr val="accent1">
+              <a:shade val="15000"/>
+            </a:schemeClr>
+          </a:lnRef>
+          <a:fillRef idx="1">
+            <a:schemeClr val="accent1"/>
+          </a:fillRef>
+          <a:effectRef idx="0">
+            <a:schemeClr val="accent1"/>
+          </a:effectRef>
+          <a:fontRef idx="minor">
+            <a:schemeClr val="lt1"/>
+          </a:fontRef>
+        </p:style>
+        <p:txBody>
+          <a:bodyPr rtlCol="0" anchor="ctr"/>
+          <a:lstStyle/>
+          <a:p>
+            <a:pPr algn="ctr"/>
+            <a:endParaRPr kumimoji="1" lang="ja-JP" altLang="en-US"/>
+          </a:p>
+        </p:txBody>
+      </p:sp>
+      <p:sp>
+        <p:nvSpPr>
+          <p:cNvPr id="6" name="楕円 5">
+            <a:extLst>
+              <a:ext uri="{FF2B5EF4-FFF2-40B4-BE49-F238E27FC236}">
+                <a16:creationId xmlns:a16="http://schemas.microsoft.com/office/drawing/2014/main" id="{06DA6232-AB22-BB77-FBCD-4F1DD54ADACC}"/>
+              </a:ext>
+            </a:extLst>
+          </p:cNvPr>
+          <p:cNvSpPr/>
+          <p:nvPr/>
+        </p:nvSpPr>
+        <p:spPr>
+          <a:xfrm>
+            <a:off x="3823855" y="3260434"/>
+            <a:ext cx="517236" cy="508000"/>
+          </a:xfrm>
+          <a:prstGeom prst="ellipse">
+            <a:avLst/>
+          </a:prstGeom>
+          <a:solidFill>
+            <a:schemeClr val="bg1"/>
+          </a:solidFill>
+        </p:spPr>
+        <p:style>
+          <a:lnRef idx="2">
+            <a:schemeClr val="accent1">
+              <a:shade val="15000"/>
+            </a:schemeClr>
+          </a:lnRef>
+          <a:fillRef idx="1">
+            <a:schemeClr val="accent1"/>
+          </a:fillRef>
+          <a:effectRef idx="0">
+            <a:schemeClr val="accent1"/>
+          </a:effectRef>
+          <a:fontRef idx="minor">
+            <a:schemeClr val="lt1"/>
+          </a:fontRef>
+        </p:style>
+        <p:txBody>
+          <a:bodyPr rtlCol="0" anchor="ctr"/>
+          <a:lstStyle/>
+          <a:p>
+            <a:pPr algn="ctr"/>
+            <a:endParaRPr kumimoji="1" lang="ja-JP" altLang="en-US"/>
+          </a:p>
+        </p:txBody>
+      </p:sp>
+      <p:sp>
+        <p:nvSpPr>
+          <p:cNvPr id="7" name="楕円 6">
+            <a:extLst>
+              <a:ext uri="{FF2B5EF4-FFF2-40B4-BE49-F238E27FC236}">
+                <a16:creationId xmlns:a16="http://schemas.microsoft.com/office/drawing/2014/main" id="{0747FF4C-1914-6BB4-D10F-A0B5679F0F48}"/>
+              </a:ext>
+            </a:extLst>
+          </p:cNvPr>
+          <p:cNvSpPr/>
+          <p:nvPr/>
+        </p:nvSpPr>
+        <p:spPr>
+          <a:xfrm>
+            <a:off x="3823855" y="3828470"/>
+            <a:ext cx="517236" cy="508000"/>
+          </a:xfrm>
+          <a:prstGeom prst="ellipse">
+            <a:avLst/>
+          </a:prstGeom>
+          <a:solidFill>
+            <a:schemeClr val="bg1"/>
+          </a:solidFill>
+        </p:spPr>
+        <p:style>
+          <a:lnRef idx="2">
+            <a:schemeClr val="accent1">
+              <a:shade val="15000"/>
+            </a:schemeClr>
+          </a:lnRef>
+          <a:fillRef idx="1">
+            <a:schemeClr val="accent1"/>
+          </a:fillRef>
+          <a:effectRef idx="0">
+            <a:schemeClr val="accent1"/>
+          </a:effectRef>
+          <a:fontRef idx="minor">
+            <a:schemeClr val="lt1"/>
+          </a:fontRef>
+        </p:style>
+        <p:txBody>
+          <a:bodyPr rtlCol="0" anchor="ctr"/>
+          <a:lstStyle/>
+          <a:p>
+            <a:pPr algn="ctr"/>
+            <a:endParaRPr kumimoji="1" lang="ja-JP" altLang="en-US"/>
+          </a:p>
+        </p:txBody>
+      </p:sp>
+      <p:sp>
+        <p:nvSpPr>
+          <p:cNvPr id="8" name="楕円 7">
+            <a:extLst>
+              <a:ext uri="{FF2B5EF4-FFF2-40B4-BE49-F238E27FC236}">
+                <a16:creationId xmlns:a16="http://schemas.microsoft.com/office/drawing/2014/main" id="{2799DECC-5F14-CD4C-9CAB-B6BD821FAD7A}"/>
+              </a:ext>
+            </a:extLst>
+          </p:cNvPr>
+          <p:cNvSpPr/>
+          <p:nvPr/>
+        </p:nvSpPr>
+        <p:spPr>
+          <a:xfrm>
+            <a:off x="3823855" y="4396506"/>
+            <a:ext cx="517236" cy="508000"/>
+          </a:xfrm>
+          <a:prstGeom prst="ellipse">
+            <a:avLst/>
+          </a:prstGeom>
+          <a:solidFill>
+            <a:schemeClr val="bg1"/>
+          </a:solidFill>
+        </p:spPr>
+        <p:style>
+          <a:lnRef idx="2">
+            <a:schemeClr val="accent1">
+              <a:shade val="15000"/>
+            </a:schemeClr>
+          </a:lnRef>
+          <a:fillRef idx="1">
+            <a:schemeClr val="accent1"/>
+          </a:fillRef>
+          <a:effectRef idx="0">
+            <a:schemeClr val="accent1"/>
+          </a:effectRef>
+          <a:fontRef idx="minor">
+            <a:schemeClr val="lt1"/>
+          </a:fontRef>
+        </p:style>
+        <p:txBody>
+          <a:bodyPr rtlCol="0" anchor="ctr"/>
+          <a:lstStyle/>
+          <a:p>
+            <a:pPr algn="ctr"/>
+            <a:endParaRPr kumimoji="1" lang="ja-JP" altLang="en-US"/>
+          </a:p>
+        </p:txBody>
+      </p:sp>
+      <p:sp>
+        <p:nvSpPr>
+          <p:cNvPr id="9" name="楕円 8">
+            <a:extLst>
+              <a:ext uri="{FF2B5EF4-FFF2-40B4-BE49-F238E27FC236}">
+                <a16:creationId xmlns:a16="http://schemas.microsoft.com/office/drawing/2014/main" id="{AA7A7DD9-9B11-A530-16E8-DC2BF8C0F1DB}"/>
+              </a:ext>
+            </a:extLst>
+          </p:cNvPr>
+          <p:cNvSpPr/>
+          <p:nvPr/>
+        </p:nvSpPr>
+        <p:spPr>
+          <a:xfrm>
+            <a:off x="3823855" y="5070760"/>
+            <a:ext cx="517236" cy="508000"/>
+          </a:xfrm>
+          <a:prstGeom prst="ellipse">
+            <a:avLst/>
+          </a:prstGeom>
+          <a:solidFill>
+            <a:schemeClr val="bg1"/>
+          </a:solidFill>
+        </p:spPr>
+        <p:style>
+          <a:lnRef idx="2">
+            <a:schemeClr val="accent1">
+              <a:shade val="15000"/>
+            </a:schemeClr>
+          </a:lnRef>
+          <a:fillRef idx="1">
+            <a:schemeClr val="accent1"/>
+          </a:fillRef>
+          <a:effectRef idx="0">
+            <a:schemeClr val="accent1"/>
+          </a:effectRef>
+          <a:fontRef idx="minor">
+            <a:schemeClr val="lt1"/>
+          </a:fontRef>
+        </p:style>
+        <p:txBody>
+          <a:bodyPr rtlCol="0" anchor="ctr"/>
+          <a:lstStyle/>
+          <a:p>
+            <a:pPr algn="ctr"/>
+            <a:endParaRPr kumimoji="1" lang="ja-JP" altLang="en-US"/>
+          </a:p>
+        </p:txBody>
+      </p:sp>
+      <p:sp>
+        <p:nvSpPr>
+          <p:cNvPr id="10" name="楕円 9">
+            <a:extLst>
+              <a:ext uri="{FF2B5EF4-FFF2-40B4-BE49-F238E27FC236}">
+                <a16:creationId xmlns:a16="http://schemas.microsoft.com/office/drawing/2014/main" id="{5B9D9CDB-9D88-9545-511D-599A84B9729C}"/>
+              </a:ext>
+            </a:extLst>
+          </p:cNvPr>
+          <p:cNvSpPr/>
+          <p:nvPr/>
+        </p:nvSpPr>
+        <p:spPr>
+          <a:xfrm>
+            <a:off x="3823855" y="5638796"/>
+            <a:ext cx="517236" cy="508000"/>
+          </a:xfrm>
+          <a:prstGeom prst="ellipse">
+            <a:avLst/>
+          </a:prstGeom>
+          <a:solidFill>
+            <a:schemeClr val="bg1"/>
+          </a:solidFill>
+        </p:spPr>
+        <p:style>
+          <a:lnRef idx="2">
+            <a:schemeClr val="accent1">
+              <a:shade val="15000"/>
+            </a:schemeClr>
+          </a:lnRef>
+          <a:fillRef idx="1">
+            <a:schemeClr val="accent1"/>
+          </a:fillRef>
+          <a:effectRef idx="0">
+            <a:schemeClr val="accent1"/>
+          </a:effectRef>
+          <a:fontRef idx="minor">
+            <a:schemeClr val="lt1"/>
+          </a:fontRef>
+        </p:style>
+        <p:txBody>
+          <a:bodyPr rtlCol="0" anchor="ctr"/>
+          <a:lstStyle/>
+          <a:p>
+            <a:pPr algn="ctr"/>
+            <a:endParaRPr kumimoji="1" lang="ja-JP" altLang="en-US"/>
+          </a:p>
+        </p:txBody>
+      </p:sp>
+      <p:sp>
+        <p:nvSpPr>
+          <p:cNvPr id="11" name="楕円 10">
+            <a:extLst>
+              <a:ext uri="{FF2B5EF4-FFF2-40B4-BE49-F238E27FC236}">
+                <a16:creationId xmlns:a16="http://schemas.microsoft.com/office/drawing/2014/main" id="{B99E45D8-70F2-CE06-5C35-C0D8D3DD77B5}"/>
+              </a:ext>
+            </a:extLst>
+          </p:cNvPr>
+          <p:cNvSpPr/>
+          <p:nvPr/>
+        </p:nvSpPr>
+        <p:spPr>
+          <a:xfrm>
+            <a:off x="6742546" y="2586180"/>
+            <a:ext cx="517236" cy="508000"/>
+          </a:xfrm>
+          <a:prstGeom prst="ellipse">
+            <a:avLst/>
+          </a:prstGeom>
+        </p:spPr>
+        <p:style>
+          <a:lnRef idx="2">
+            <a:schemeClr val="accent1">
+              <a:shade val="15000"/>
+            </a:schemeClr>
+          </a:lnRef>
+          <a:fillRef idx="1">
+            <a:schemeClr val="accent1"/>
+          </a:fillRef>
+          <a:effectRef idx="0">
+            <a:schemeClr val="accent1"/>
+          </a:effectRef>
+          <a:fontRef idx="minor">
+            <a:schemeClr val="lt1"/>
+          </a:fontRef>
+        </p:style>
+        <p:txBody>
+          <a:bodyPr rtlCol="0" anchor="ctr"/>
+          <a:lstStyle/>
+          <a:p>
+            <a:pPr algn="ctr"/>
+            <a:endParaRPr kumimoji="1" lang="ja-JP" altLang="en-US"/>
+          </a:p>
+        </p:txBody>
+      </p:sp>
+      <p:sp>
+        <p:nvSpPr>
+          <p:cNvPr id="12" name="楕円 11">
+            <a:extLst>
+              <a:ext uri="{FF2B5EF4-FFF2-40B4-BE49-F238E27FC236}">
+                <a16:creationId xmlns:a16="http://schemas.microsoft.com/office/drawing/2014/main" id="{934A605E-A21F-3648-8B79-DDB4BC08E9E2}"/>
+              </a:ext>
+            </a:extLst>
+          </p:cNvPr>
+          <p:cNvSpPr/>
+          <p:nvPr/>
+        </p:nvSpPr>
+        <p:spPr>
+          <a:xfrm>
+            <a:off x="6742546" y="3260434"/>
+            <a:ext cx="517236" cy="508000"/>
+          </a:xfrm>
+          <a:prstGeom prst="ellipse">
+            <a:avLst/>
+          </a:prstGeom>
+        </p:spPr>
+        <p:style>
+          <a:lnRef idx="2">
+            <a:schemeClr val="accent1">
+              <a:shade val="15000"/>
+            </a:schemeClr>
+          </a:lnRef>
+          <a:fillRef idx="1">
+            <a:schemeClr val="accent1"/>
+          </a:fillRef>
+          <a:effectRef idx="0">
+            <a:schemeClr val="accent1"/>
+          </a:effectRef>
+          <a:fontRef idx="minor">
+            <a:schemeClr val="lt1"/>
+          </a:fontRef>
+        </p:style>
+        <p:txBody>
+          <a:bodyPr rtlCol="0" anchor="ctr"/>
+          <a:lstStyle/>
+          <a:p>
+            <a:pPr algn="ctr"/>
+            <a:endParaRPr kumimoji="1" lang="ja-JP" altLang="en-US"/>
+          </a:p>
+        </p:txBody>
+      </p:sp>
+      <p:sp>
+        <p:nvSpPr>
+          <p:cNvPr id="13" name="楕円 12">
+            <a:extLst>
+              <a:ext uri="{FF2B5EF4-FFF2-40B4-BE49-F238E27FC236}">
+                <a16:creationId xmlns:a16="http://schemas.microsoft.com/office/drawing/2014/main" id="{402554C9-4025-38B8-B20D-C768BFAAFF44}"/>
+              </a:ext>
+            </a:extLst>
+          </p:cNvPr>
+          <p:cNvSpPr/>
+          <p:nvPr/>
+        </p:nvSpPr>
+        <p:spPr>
+          <a:xfrm>
+            <a:off x="6742546" y="3828470"/>
+            <a:ext cx="517236" cy="508000"/>
+          </a:xfrm>
+          <a:prstGeom prst="ellipse">
+            <a:avLst/>
+          </a:prstGeom>
+        </p:spPr>
+        <p:style>
+          <a:lnRef idx="2">
+            <a:schemeClr val="accent1">
+              <a:shade val="15000"/>
+            </a:schemeClr>
+          </a:lnRef>
+          <a:fillRef idx="1">
+            <a:schemeClr val="accent1"/>
+          </a:fillRef>
+          <a:effectRef idx="0">
+            <a:schemeClr val="accent1"/>
+          </a:effectRef>
+          <a:fontRef idx="minor">
+            <a:schemeClr val="lt1"/>
+          </a:fontRef>
+        </p:style>
+        <p:txBody>
+          <a:bodyPr rtlCol="0" anchor="ctr"/>
+          <a:lstStyle/>
+          <a:p>
+            <a:pPr algn="ctr"/>
+            <a:endParaRPr kumimoji="1" lang="ja-JP" altLang="en-US"/>
+          </a:p>
+        </p:txBody>
+      </p:sp>
+      <p:cxnSp>
+        <p:nvCxnSpPr>
+          <p:cNvPr id="15" name="直線矢印コネクタ 14">
+            <a:extLst>
+              <a:ext uri="{FF2B5EF4-FFF2-40B4-BE49-F238E27FC236}">
+                <a16:creationId xmlns:a16="http://schemas.microsoft.com/office/drawing/2014/main" id="{E4A12478-5D62-F4CC-7500-E9ECA946A0AA}"/>
+              </a:ext>
+            </a:extLst>
+          </p:cNvPr>
+          <p:cNvCxnSpPr>
+            <a:stCxn id="2" idx="6"/>
+            <a:endCxn id="11" idx="2"/>
+          </p:cNvCxnSpPr>
+          <p:nvPr/>
+        </p:nvCxnSpPr>
+        <p:spPr>
+          <a:xfrm>
+            <a:off x="4341091" y="1029854"/>
+            <a:ext cx="2401455" cy="1810326"/>
+          </a:xfrm>
+          <a:prstGeom prst="straightConnector1">
+            <a:avLst/>
+          </a:prstGeom>
+          <a:ln>
+            <a:tailEnd type="triangle"/>
+          </a:ln>
+        </p:spPr>
+        <p:style>
+          <a:lnRef idx="1">
+            <a:schemeClr val="accent1"/>
+          </a:lnRef>
+          <a:fillRef idx="0">
+            <a:schemeClr val="accent1"/>
+          </a:fillRef>
+          <a:effectRef idx="0">
+            <a:schemeClr val="accent1"/>
+          </a:effectRef>
+          <a:fontRef idx="minor">
+            <a:schemeClr val="tx1"/>
+          </a:fontRef>
+        </p:style>
+      </p:cxnSp>
+      <p:cxnSp>
+        <p:nvCxnSpPr>
+          <p:cNvPr id="16" name="直線矢印コネクタ 15">
+            <a:extLst>
+              <a:ext uri="{FF2B5EF4-FFF2-40B4-BE49-F238E27FC236}">
+                <a16:creationId xmlns:a16="http://schemas.microsoft.com/office/drawing/2014/main" id="{6E135B9F-E44F-3D87-C3E2-1ED00AAF62AD}"/>
+              </a:ext>
+            </a:extLst>
+          </p:cNvPr>
+          <p:cNvCxnSpPr>
+            <a:cxnSpLocks/>
+            <a:stCxn id="2" idx="6"/>
+            <a:endCxn id="12" idx="2"/>
+          </p:cNvCxnSpPr>
+          <p:nvPr/>
+        </p:nvCxnSpPr>
+        <p:spPr>
+          <a:xfrm>
+            <a:off x="4341091" y="1029854"/>
+            <a:ext cx="2401455" cy="2484580"/>
+          </a:xfrm>
+          <a:prstGeom prst="straightConnector1">
+            <a:avLst/>
+          </a:prstGeom>
+          <a:ln>
+            <a:tailEnd type="triangle"/>
+          </a:ln>
+        </p:spPr>
+        <p:style>
+          <a:lnRef idx="1">
+            <a:schemeClr val="accent1"/>
+          </a:lnRef>
+          <a:fillRef idx="0">
+            <a:schemeClr val="accent1"/>
+          </a:fillRef>
+          <a:effectRef idx="0">
+            <a:schemeClr val="accent1"/>
+          </a:effectRef>
+          <a:fontRef idx="minor">
+            <a:schemeClr val="tx1"/>
+          </a:fontRef>
+        </p:style>
+      </p:cxnSp>
+      <p:cxnSp>
+        <p:nvCxnSpPr>
+          <p:cNvPr id="21" name="直線矢印コネクタ 20">
+            <a:extLst>
+              <a:ext uri="{FF2B5EF4-FFF2-40B4-BE49-F238E27FC236}">
+                <a16:creationId xmlns:a16="http://schemas.microsoft.com/office/drawing/2014/main" id="{FD425DF9-24D0-6AF4-87B8-223FFC9F1CF8}"/>
+              </a:ext>
+            </a:extLst>
+          </p:cNvPr>
+          <p:cNvCxnSpPr>
+            <a:cxnSpLocks/>
+            <a:stCxn id="2" idx="6"/>
+            <a:endCxn id="13" idx="2"/>
+          </p:cNvCxnSpPr>
+          <p:nvPr/>
+        </p:nvCxnSpPr>
+        <p:spPr>
+          <a:xfrm>
+            <a:off x="4341091" y="1029854"/>
+            <a:ext cx="2401455" cy="3052616"/>
+          </a:xfrm>
+          <a:prstGeom prst="straightConnector1">
+            <a:avLst/>
+          </a:prstGeom>
+          <a:ln>
+            <a:tailEnd type="triangle"/>
+          </a:ln>
+        </p:spPr>
+        <p:style>
+          <a:lnRef idx="1">
+            <a:schemeClr val="accent1"/>
+          </a:lnRef>
+          <a:fillRef idx="0">
+            <a:schemeClr val="accent1"/>
+          </a:fillRef>
+          <a:effectRef idx="0">
+            <a:schemeClr val="accent1"/>
+          </a:effectRef>
+          <a:fontRef idx="minor">
+            <a:schemeClr val="tx1"/>
+          </a:fontRef>
+        </p:style>
+      </p:cxnSp>
+      <p:cxnSp>
+        <p:nvCxnSpPr>
+          <p:cNvPr id="24" name="直線矢印コネクタ 23">
+            <a:extLst>
+              <a:ext uri="{FF2B5EF4-FFF2-40B4-BE49-F238E27FC236}">
+                <a16:creationId xmlns:a16="http://schemas.microsoft.com/office/drawing/2014/main" id="{AE81C432-AFED-7E24-8DA5-B8347F51D476}"/>
+              </a:ext>
+            </a:extLst>
+          </p:cNvPr>
+          <p:cNvCxnSpPr>
+            <a:cxnSpLocks/>
+            <a:stCxn id="3" idx="6"/>
+            <a:endCxn id="11" idx="2"/>
+          </p:cNvCxnSpPr>
+          <p:nvPr/>
+        </p:nvCxnSpPr>
+        <p:spPr>
+          <a:xfrm>
+            <a:off x="4341091" y="1704108"/>
+            <a:ext cx="2401455" cy="1136072"/>
+          </a:xfrm>
+          <a:prstGeom prst="straightConnector1">
+            <a:avLst/>
+          </a:prstGeom>
+          <a:ln>
+            <a:tailEnd type="triangle"/>
+          </a:ln>
+        </p:spPr>
+        <p:style>
+          <a:lnRef idx="1">
+            <a:schemeClr val="accent1"/>
+          </a:lnRef>
+          <a:fillRef idx="0">
+            <a:schemeClr val="accent1"/>
+          </a:fillRef>
+          <a:effectRef idx="0">
+            <a:schemeClr val="accent1"/>
+          </a:effectRef>
+          <a:fontRef idx="minor">
+            <a:schemeClr val="tx1"/>
+          </a:fontRef>
+        </p:style>
+      </p:cxnSp>
+      <p:cxnSp>
+        <p:nvCxnSpPr>
+          <p:cNvPr id="25" name="直線矢印コネクタ 24">
+            <a:extLst>
+              <a:ext uri="{FF2B5EF4-FFF2-40B4-BE49-F238E27FC236}">
+                <a16:creationId xmlns:a16="http://schemas.microsoft.com/office/drawing/2014/main" id="{FB6E193F-4D6B-AF56-12C4-24AF01B80FEA}"/>
+              </a:ext>
+            </a:extLst>
+          </p:cNvPr>
+          <p:cNvCxnSpPr>
+            <a:cxnSpLocks/>
+            <a:stCxn id="3" idx="6"/>
+            <a:endCxn id="12" idx="2"/>
+          </p:cNvCxnSpPr>
+          <p:nvPr/>
+        </p:nvCxnSpPr>
+        <p:spPr>
+          <a:xfrm>
+            <a:off x="4341091" y="1704108"/>
+            <a:ext cx="2401455" cy="1810326"/>
+          </a:xfrm>
+          <a:prstGeom prst="straightConnector1">
+            <a:avLst/>
+          </a:prstGeom>
+          <a:ln>
+            <a:tailEnd type="triangle"/>
+          </a:ln>
+        </p:spPr>
+        <p:style>
+          <a:lnRef idx="1">
+            <a:schemeClr val="accent1"/>
+          </a:lnRef>
+          <a:fillRef idx="0">
+            <a:schemeClr val="accent1"/>
+          </a:fillRef>
+          <a:effectRef idx="0">
+            <a:schemeClr val="accent1"/>
+          </a:effectRef>
+          <a:fontRef idx="minor">
+            <a:schemeClr val="tx1"/>
+          </a:fontRef>
+        </p:style>
+      </p:cxnSp>
+      <p:cxnSp>
+        <p:nvCxnSpPr>
+          <p:cNvPr id="26" name="直線矢印コネクタ 25">
+            <a:extLst>
+              <a:ext uri="{FF2B5EF4-FFF2-40B4-BE49-F238E27FC236}">
+                <a16:creationId xmlns:a16="http://schemas.microsoft.com/office/drawing/2014/main" id="{1F91C8FB-E2F1-DAEC-0B80-D8DC963B156A}"/>
+              </a:ext>
+            </a:extLst>
+          </p:cNvPr>
+          <p:cNvCxnSpPr>
+            <a:cxnSpLocks/>
+            <a:stCxn id="3" idx="6"/>
+            <a:endCxn id="13" idx="2"/>
+          </p:cNvCxnSpPr>
+          <p:nvPr/>
+        </p:nvCxnSpPr>
+        <p:spPr>
+          <a:xfrm>
+            <a:off x="4341091" y="1704108"/>
+            <a:ext cx="2401455" cy="2378362"/>
+          </a:xfrm>
+          <a:prstGeom prst="straightConnector1">
+            <a:avLst/>
+          </a:prstGeom>
+          <a:ln>
+            <a:tailEnd type="triangle"/>
+          </a:ln>
+        </p:spPr>
+        <p:style>
+          <a:lnRef idx="1">
+            <a:schemeClr val="accent1"/>
+          </a:lnRef>
+          <a:fillRef idx="0">
+            <a:schemeClr val="accent1"/>
+          </a:fillRef>
+          <a:effectRef idx="0">
+            <a:schemeClr val="accent1"/>
+          </a:effectRef>
+          <a:fontRef idx="minor">
+            <a:schemeClr val="tx1"/>
+          </a:fontRef>
+        </p:style>
+      </p:cxnSp>
+      <p:cxnSp>
+        <p:nvCxnSpPr>
+          <p:cNvPr id="33" name="直線矢印コネクタ 32">
+            <a:extLst>
+              <a:ext uri="{FF2B5EF4-FFF2-40B4-BE49-F238E27FC236}">
+                <a16:creationId xmlns:a16="http://schemas.microsoft.com/office/drawing/2014/main" id="{C1ABB412-BD31-23B0-C9C7-C389B542423C}"/>
+              </a:ext>
+            </a:extLst>
+          </p:cNvPr>
+          <p:cNvCxnSpPr>
+            <a:cxnSpLocks/>
+            <a:stCxn id="4" idx="6"/>
+            <a:endCxn id="11" idx="2"/>
+          </p:cNvCxnSpPr>
+          <p:nvPr/>
+        </p:nvCxnSpPr>
+        <p:spPr>
+          <a:xfrm>
+            <a:off x="4341091" y="2272144"/>
+            <a:ext cx="2401455" cy="568036"/>
+          </a:xfrm>
+          <a:prstGeom prst="straightConnector1">
+            <a:avLst/>
+          </a:prstGeom>
+          <a:ln>
+            <a:tailEnd type="triangle"/>
+          </a:ln>
+        </p:spPr>
+        <p:style>
+          <a:lnRef idx="1">
+            <a:schemeClr val="accent1"/>
+          </a:lnRef>
+          <a:fillRef idx="0">
+            <a:schemeClr val="accent1"/>
+          </a:fillRef>
+          <a:effectRef idx="0">
+            <a:schemeClr val="accent1"/>
+          </a:effectRef>
+          <a:fontRef idx="minor">
+            <a:schemeClr val="tx1"/>
+          </a:fontRef>
+        </p:style>
+      </p:cxnSp>
+      <p:cxnSp>
+        <p:nvCxnSpPr>
+          <p:cNvPr id="34" name="直線矢印コネクタ 33">
+            <a:extLst>
+              <a:ext uri="{FF2B5EF4-FFF2-40B4-BE49-F238E27FC236}">
+                <a16:creationId xmlns:a16="http://schemas.microsoft.com/office/drawing/2014/main" id="{E0853F06-3756-4BBD-21F8-4F7F592B46A3}"/>
+              </a:ext>
+            </a:extLst>
+          </p:cNvPr>
+          <p:cNvCxnSpPr>
+            <a:cxnSpLocks/>
+            <a:stCxn id="4" idx="6"/>
+            <a:endCxn id="12" idx="2"/>
+          </p:cNvCxnSpPr>
+          <p:nvPr/>
+        </p:nvCxnSpPr>
+        <p:spPr>
+          <a:xfrm>
+            <a:off x="4341091" y="2272144"/>
+            <a:ext cx="2401455" cy="1242290"/>
+          </a:xfrm>
+          <a:prstGeom prst="straightConnector1">
+            <a:avLst/>
+          </a:prstGeom>
+          <a:ln>
+            <a:tailEnd type="triangle"/>
+          </a:ln>
+        </p:spPr>
+        <p:style>
+          <a:lnRef idx="1">
+            <a:schemeClr val="accent1"/>
+          </a:lnRef>
+          <a:fillRef idx="0">
+            <a:schemeClr val="accent1"/>
+          </a:fillRef>
+          <a:effectRef idx="0">
+            <a:schemeClr val="accent1"/>
+          </a:effectRef>
+          <a:fontRef idx="minor">
+            <a:schemeClr val="tx1"/>
+          </a:fontRef>
+        </p:style>
+      </p:cxnSp>
+      <p:cxnSp>
+        <p:nvCxnSpPr>
+          <p:cNvPr id="35" name="直線矢印コネクタ 34">
+            <a:extLst>
+              <a:ext uri="{FF2B5EF4-FFF2-40B4-BE49-F238E27FC236}">
+                <a16:creationId xmlns:a16="http://schemas.microsoft.com/office/drawing/2014/main" id="{F2956613-FAEB-FD08-6053-3E5764D68824}"/>
+              </a:ext>
+            </a:extLst>
+          </p:cNvPr>
+          <p:cNvCxnSpPr>
+            <a:cxnSpLocks/>
+            <a:stCxn id="4" idx="6"/>
+            <a:endCxn id="13" idx="2"/>
+          </p:cNvCxnSpPr>
+          <p:nvPr/>
+        </p:nvCxnSpPr>
+        <p:spPr>
+          <a:xfrm>
+            <a:off x="4341091" y="2272144"/>
+            <a:ext cx="2401455" cy="1810326"/>
+          </a:xfrm>
+          <a:prstGeom prst="straightConnector1">
+            <a:avLst/>
+          </a:prstGeom>
+          <a:ln>
+            <a:tailEnd type="triangle"/>
+          </a:ln>
+        </p:spPr>
+        <p:style>
+          <a:lnRef idx="1">
+            <a:schemeClr val="accent1"/>
+          </a:lnRef>
+          <a:fillRef idx="0">
+            <a:schemeClr val="accent1"/>
+          </a:fillRef>
+          <a:effectRef idx="0">
+            <a:schemeClr val="accent1"/>
+          </a:effectRef>
+          <a:fontRef idx="minor">
+            <a:schemeClr val="tx1"/>
+          </a:fontRef>
+        </p:style>
+      </p:cxnSp>
+      <p:cxnSp>
+        <p:nvCxnSpPr>
+          <p:cNvPr id="42" name="直線矢印コネクタ 41">
+            <a:extLst>
+              <a:ext uri="{FF2B5EF4-FFF2-40B4-BE49-F238E27FC236}">
+                <a16:creationId xmlns:a16="http://schemas.microsoft.com/office/drawing/2014/main" id="{394063CF-C630-F28B-CAE0-600A862BCE21}"/>
+              </a:ext>
+            </a:extLst>
+          </p:cNvPr>
+          <p:cNvCxnSpPr>
+            <a:cxnSpLocks/>
+            <a:stCxn id="5" idx="6"/>
+            <a:endCxn id="11" idx="2"/>
+          </p:cNvCxnSpPr>
+          <p:nvPr/>
+        </p:nvCxnSpPr>
+        <p:spPr>
+          <a:xfrm>
+            <a:off x="4341091" y="2840180"/>
+            <a:ext cx="2401455" cy="0"/>
+          </a:xfrm>
+          <a:prstGeom prst="straightConnector1">
+            <a:avLst/>
+          </a:prstGeom>
+          <a:ln>
+            <a:tailEnd type="triangle"/>
+          </a:ln>
+        </p:spPr>
+        <p:style>
+          <a:lnRef idx="1">
+            <a:schemeClr val="accent1"/>
+          </a:lnRef>
+          <a:fillRef idx="0">
+            <a:schemeClr val="accent1"/>
+          </a:fillRef>
+          <a:effectRef idx="0">
+            <a:schemeClr val="accent1"/>
+          </a:effectRef>
+          <a:fontRef idx="minor">
+            <a:schemeClr val="tx1"/>
+          </a:fontRef>
+        </p:style>
+      </p:cxnSp>
+      <p:cxnSp>
+        <p:nvCxnSpPr>
+          <p:cNvPr id="43" name="直線矢印コネクタ 42">
+            <a:extLst>
+              <a:ext uri="{FF2B5EF4-FFF2-40B4-BE49-F238E27FC236}">
+                <a16:creationId xmlns:a16="http://schemas.microsoft.com/office/drawing/2014/main" id="{3CEC14A5-F7CA-E465-2CEB-04778CB77F93}"/>
+              </a:ext>
+            </a:extLst>
+          </p:cNvPr>
+          <p:cNvCxnSpPr>
+            <a:cxnSpLocks/>
+            <a:stCxn id="5" idx="6"/>
+            <a:endCxn id="12" idx="2"/>
+          </p:cNvCxnSpPr>
+          <p:nvPr/>
+        </p:nvCxnSpPr>
+        <p:spPr>
+          <a:xfrm>
+            <a:off x="4341091" y="2840180"/>
+            <a:ext cx="2401455" cy="674254"/>
+          </a:xfrm>
+          <a:prstGeom prst="straightConnector1">
+            <a:avLst/>
+          </a:prstGeom>
+          <a:ln>
+            <a:tailEnd type="triangle"/>
+          </a:ln>
+        </p:spPr>
+        <p:style>
+          <a:lnRef idx="1">
+            <a:schemeClr val="accent1"/>
+          </a:lnRef>
+          <a:fillRef idx="0">
+            <a:schemeClr val="accent1"/>
+          </a:fillRef>
+          <a:effectRef idx="0">
+            <a:schemeClr val="accent1"/>
+          </a:effectRef>
+          <a:fontRef idx="minor">
+            <a:schemeClr val="tx1"/>
+          </a:fontRef>
+        </p:style>
+      </p:cxnSp>
+      <p:cxnSp>
+        <p:nvCxnSpPr>
+          <p:cNvPr id="44" name="直線矢印コネクタ 43">
+            <a:extLst>
+              <a:ext uri="{FF2B5EF4-FFF2-40B4-BE49-F238E27FC236}">
+                <a16:creationId xmlns:a16="http://schemas.microsoft.com/office/drawing/2014/main" id="{E27215DF-932A-53B3-05AC-CBC1B39EE36D}"/>
+              </a:ext>
+            </a:extLst>
+          </p:cNvPr>
+          <p:cNvCxnSpPr>
+            <a:cxnSpLocks/>
+            <a:stCxn id="5" idx="6"/>
+            <a:endCxn id="13" idx="2"/>
+          </p:cNvCxnSpPr>
+          <p:nvPr/>
+        </p:nvCxnSpPr>
+        <p:spPr>
+          <a:xfrm>
+            <a:off x="4341091" y="2840180"/>
+            <a:ext cx="2401455" cy="1242290"/>
+          </a:xfrm>
+          <a:prstGeom prst="straightConnector1">
+            <a:avLst/>
+          </a:prstGeom>
+          <a:ln>
+            <a:tailEnd type="triangle"/>
+          </a:ln>
+        </p:spPr>
+        <p:style>
+          <a:lnRef idx="1">
+            <a:schemeClr val="accent1"/>
+          </a:lnRef>
+          <a:fillRef idx="0">
+            <a:schemeClr val="accent1"/>
+          </a:fillRef>
+          <a:effectRef idx="0">
+            <a:schemeClr val="accent1"/>
+          </a:effectRef>
+          <a:fontRef idx="minor">
+            <a:schemeClr val="tx1"/>
+          </a:fontRef>
+        </p:style>
+      </p:cxnSp>
+      <p:cxnSp>
+        <p:nvCxnSpPr>
+          <p:cNvPr id="51" name="直線矢印コネクタ 50">
+            <a:extLst>
+              <a:ext uri="{FF2B5EF4-FFF2-40B4-BE49-F238E27FC236}">
+                <a16:creationId xmlns:a16="http://schemas.microsoft.com/office/drawing/2014/main" id="{C6E0C1A9-A83F-89F1-7794-6B3CB8C88084}"/>
+              </a:ext>
+            </a:extLst>
+          </p:cNvPr>
+          <p:cNvCxnSpPr>
+            <a:cxnSpLocks/>
+            <a:stCxn id="6" idx="6"/>
+            <a:endCxn id="11" idx="2"/>
+          </p:cNvCxnSpPr>
+          <p:nvPr/>
+        </p:nvCxnSpPr>
+        <p:spPr>
+          <a:xfrm flipV="1">
+            <a:off x="4341091" y="2840180"/>
+            <a:ext cx="2401455" cy="674254"/>
+          </a:xfrm>
+          <a:prstGeom prst="straightConnector1">
+            <a:avLst/>
+          </a:prstGeom>
+          <a:ln>
+            <a:tailEnd type="triangle"/>
+          </a:ln>
+        </p:spPr>
+        <p:style>
+          <a:lnRef idx="1">
+            <a:schemeClr val="accent1"/>
+          </a:lnRef>
+          <a:fillRef idx="0">
+            <a:schemeClr val="accent1"/>
+          </a:fillRef>
+          <a:effectRef idx="0">
+            <a:schemeClr val="accent1"/>
+          </a:effectRef>
+          <a:fontRef idx="minor">
+            <a:schemeClr val="tx1"/>
+          </a:fontRef>
+        </p:style>
+      </p:cxnSp>
+      <p:cxnSp>
+        <p:nvCxnSpPr>
+          <p:cNvPr id="52" name="直線矢印コネクタ 51">
+            <a:extLst>
+              <a:ext uri="{FF2B5EF4-FFF2-40B4-BE49-F238E27FC236}">
+                <a16:creationId xmlns:a16="http://schemas.microsoft.com/office/drawing/2014/main" id="{E84EFE14-2097-764D-4AEC-1E111D60506B}"/>
+              </a:ext>
+            </a:extLst>
+          </p:cNvPr>
+          <p:cNvCxnSpPr>
+            <a:cxnSpLocks/>
+            <a:stCxn id="6" idx="6"/>
+            <a:endCxn id="12" idx="2"/>
+          </p:cNvCxnSpPr>
+          <p:nvPr/>
+        </p:nvCxnSpPr>
+        <p:spPr>
+          <a:xfrm>
+            <a:off x="4341091" y="3514434"/>
+            <a:ext cx="2401455" cy="0"/>
+          </a:xfrm>
+          <a:prstGeom prst="straightConnector1">
+            <a:avLst/>
+          </a:prstGeom>
+          <a:ln>
+            <a:tailEnd type="triangle"/>
+          </a:ln>
+        </p:spPr>
+        <p:style>
+          <a:lnRef idx="1">
+            <a:schemeClr val="accent1"/>
+          </a:lnRef>
+          <a:fillRef idx="0">
+            <a:schemeClr val="accent1"/>
+          </a:fillRef>
+          <a:effectRef idx="0">
+            <a:schemeClr val="accent1"/>
+          </a:effectRef>
+          <a:fontRef idx="minor">
+            <a:schemeClr val="tx1"/>
+          </a:fontRef>
+        </p:style>
+      </p:cxnSp>
+      <p:cxnSp>
+        <p:nvCxnSpPr>
+          <p:cNvPr id="53" name="直線矢印コネクタ 52">
+            <a:extLst>
+              <a:ext uri="{FF2B5EF4-FFF2-40B4-BE49-F238E27FC236}">
+                <a16:creationId xmlns:a16="http://schemas.microsoft.com/office/drawing/2014/main" id="{CC6803FA-CAFA-6B03-DDB8-038B1C950428}"/>
+              </a:ext>
+            </a:extLst>
+          </p:cNvPr>
+          <p:cNvCxnSpPr>
+            <a:cxnSpLocks/>
+            <a:stCxn id="6" idx="6"/>
+            <a:endCxn id="13" idx="2"/>
+          </p:cNvCxnSpPr>
+          <p:nvPr/>
+        </p:nvCxnSpPr>
+        <p:spPr>
+          <a:xfrm>
+            <a:off x="4341091" y="3514434"/>
+            <a:ext cx="2401455" cy="568036"/>
+          </a:xfrm>
+          <a:prstGeom prst="straightConnector1">
+            <a:avLst/>
+          </a:prstGeom>
+          <a:ln>
+            <a:tailEnd type="triangle"/>
+          </a:ln>
+        </p:spPr>
+        <p:style>
+          <a:lnRef idx="1">
+            <a:schemeClr val="accent1"/>
+          </a:lnRef>
+          <a:fillRef idx="0">
+            <a:schemeClr val="accent1"/>
+          </a:fillRef>
+          <a:effectRef idx="0">
+            <a:schemeClr val="accent1"/>
+          </a:effectRef>
+          <a:fontRef idx="minor">
+            <a:schemeClr val="tx1"/>
+          </a:fontRef>
+        </p:style>
+      </p:cxnSp>
+      <p:cxnSp>
+        <p:nvCxnSpPr>
+          <p:cNvPr id="60" name="直線矢印コネクタ 59">
+            <a:extLst>
+              <a:ext uri="{FF2B5EF4-FFF2-40B4-BE49-F238E27FC236}">
+                <a16:creationId xmlns:a16="http://schemas.microsoft.com/office/drawing/2014/main" id="{E71F0843-943E-CBDD-4681-BA5B704AB460}"/>
+              </a:ext>
+            </a:extLst>
+          </p:cNvPr>
+          <p:cNvCxnSpPr>
+            <a:cxnSpLocks/>
+            <a:stCxn id="7" idx="6"/>
+            <a:endCxn id="11" idx="2"/>
+          </p:cNvCxnSpPr>
+          <p:nvPr/>
+        </p:nvCxnSpPr>
+        <p:spPr>
+          <a:xfrm flipV="1">
+            <a:off x="4341091" y="2840180"/>
+            <a:ext cx="2401455" cy="1242290"/>
+          </a:xfrm>
+          <a:prstGeom prst="straightConnector1">
+            <a:avLst/>
+          </a:prstGeom>
+          <a:ln>
+            <a:tailEnd type="triangle"/>
+          </a:ln>
+        </p:spPr>
+        <p:style>
+          <a:lnRef idx="1">
+            <a:schemeClr val="accent1"/>
+          </a:lnRef>
+          <a:fillRef idx="0">
+            <a:schemeClr val="accent1"/>
+          </a:fillRef>
+          <a:effectRef idx="0">
+            <a:schemeClr val="accent1"/>
+          </a:effectRef>
+          <a:fontRef idx="minor">
+            <a:schemeClr val="tx1"/>
+          </a:fontRef>
+        </p:style>
+      </p:cxnSp>
+      <p:cxnSp>
+        <p:nvCxnSpPr>
+          <p:cNvPr id="61" name="直線矢印コネクタ 60">
+            <a:extLst>
+              <a:ext uri="{FF2B5EF4-FFF2-40B4-BE49-F238E27FC236}">
+                <a16:creationId xmlns:a16="http://schemas.microsoft.com/office/drawing/2014/main" id="{E85FF56F-1C55-F1FE-C441-B0E399316978}"/>
+              </a:ext>
+            </a:extLst>
+          </p:cNvPr>
+          <p:cNvCxnSpPr>
+            <a:cxnSpLocks/>
+            <a:stCxn id="7" idx="6"/>
+            <a:endCxn id="12" idx="2"/>
+          </p:cNvCxnSpPr>
+          <p:nvPr/>
+        </p:nvCxnSpPr>
+        <p:spPr>
+          <a:xfrm flipV="1">
+            <a:off x="4341091" y="3514434"/>
+            <a:ext cx="2401455" cy="568036"/>
+          </a:xfrm>
+          <a:prstGeom prst="straightConnector1">
+            <a:avLst/>
+          </a:prstGeom>
+          <a:ln>
+            <a:tailEnd type="triangle"/>
+          </a:ln>
+        </p:spPr>
+        <p:style>
+          <a:lnRef idx="1">
+            <a:schemeClr val="accent1"/>
+          </a:lnRef>
+          <a:fillRef idx="0">
+            <a:schemeClr val="accent1"/>
+          </a:fillRef>
+          <a:effectRef idx="0">
+            <a:schemeClr val="accent1"/>
+          </a:effectRef>
+          <a:fontRef idx="minor">
+            <a:schemeClr val="tx1"/>
+          </a:fontRef>
+        </p:style>
+      </p:cxnSp>
+      <p:cxnSp>
+        <p:nvCxnSpPr>
+          <p:cNvPr id="62" name="直線矢印コネクタ 61">
+            <a:extLst>
+              <a:ext uri="{FF2B5EF4-FFF2-40B4-BE49-F238E27FC236}">
+                <a16:creationId xmlns:a16="http://schemas.microsoft.com/office/drawing/2014/main" id="{4FED1D4C-4406-BD70-7D56-F2D613300F06}"/>
+              </a:ext>
+            </a:extLst>
+          </p:cNvPr>
+          <p:cNvCxnSpPr>
+            <a:cxnSpLocks/>
+            <a:stCxn id="7" idx="6"/>
+            <a:endCxn id="13" idx="2"/>
+          </p:cNvCxnSpPr>
+          <p:nvPr/>
+        </p:nvCxnSpPr>
+        <p:spPr>
+          <a:xfrm>
+            <a:off x="4341091" y="4082470"/>
+            <a:ext cx="2401455" cy="0"/>
+          </a:xfrm>
+          <a:prstGeom prst="straightConnector1">
+            <a:avLst/>
+          </a:prstGeom>
+          <a:ln>
+            <a:tailEnd type="triangle"/>
+          </a:ln>
+        </p:spPr>
+        <p:style>
+          <a:lnRef idx="1">
+            <a:schemeClr val="accent1"/>
+          </a:lnRef>
+          <a:fillRef idx="0">
+            <a:schemeClr val="accent1"/>
+          </a:fillRef>
+          <a:effectRef idx="0">
+            <a:schemeClr val="accent1"/>
+          </a:effectRef>
+          <a:fontRef idx="minor">
+            <a:schemeClr val="tx1"/>
+          </a:fontRef>
+        </p:style>
+      </p:cxnSp>
+      <p:cxnSp>
+        <p:nvCxnSpPr>
+          <p:cNvPr id="69" name="直線矢印コネクタ 68">
+            <a:extLst>
+              <a:ext uri="{FF2B5EF4-FFF2-40B4-BE49-F238E27FC236}">
+                <a16:creationId xmlns:a16="http://schemas.microsoft.com/office/drawing/2014/main" id="{75853A71-1A32-E98F-1CFB-0D88CE3D393E}"/>
+              </a:ext>
+            </a:extLst>
+          </p:cNvPr>
+          <p:cNvCxnSpPr>
+            <a:cxnSpLocks/>
+            <a:stCxn id="8" idx="6"/>
+            <a:endCxn id="11" idx="2"/>
+          </p:cNvCxnSpPr>
+          <p:nvPr/>
+        </p:nvCxnSpPr>
+        <p:spPr>
+          <a:xfrm flipV="1">
+            <a:off x="4341091" y="2840180"/>
+            <a:ext cx="2401455" cy="1810326"/>
+          </a:xfrm>
+          <a:prstGeom prst="straightConnector1">
+            <a:avLst/>
+          </a:prstGeom>
+          <a:ln>
+            <a:tailEnd type="triangle"/>
+          </a:ln>
+        </p:spPr>
+        <p:style>
+          <a:lnRef idx="1">
+            <a:schemeClr val="accent1"/>
+          </a:lnRef>
+          <a:fillRef idx="0">
+            <a:schemeClr val="accent1"/>
+          </a:fillRef>
+          <a:effectRef idx="0">
+            <a:schemeClr val="accent1"/>
+          </a:effectRef>
+          <a:fontRef idx="minor">
+            <a:schemeClr val="tx1"/>
+          </a:fontRef>
+        </p:style>
+      </p:cxnSp>
+      <p:cxnSp>
+        <p:nvCxnSpPr>
+          <p:cNvPr id="70" name="直線矢印コネクタ 69">
+            <a:extLst>
+              <a:ext uri="{FF2B5EF4-FFF2-40B4-BE49-F238E27FC236}">
+                <a16:creationId xmlns:a16="http://schemas.microsoft.com/office/drawing/2014/main" id="{828C758F-19EB-56C3-EAE5-282F437113BC}"/>
+              </a:ext>
+            </a:extLst>
+          </p:cNvPr>
+          <p:cNvCxnSpPr>
+            <a:cxnSpLocks/>
+            <a:stCxn id="8" idx="6"/>
+            <a:endCxn id="12" idx="2"/>
+          </p:cNvCxnSpPr>
+          <p:nvPr/>
+        </p:nvCxnSpPr>
+        <p:spPr>
+          <a:xfrm flipV="1">
+            <a:off x="4341091" y="3514434"/>
+            <a:ext cx="2401455" cy="1136072"/>
+          </a:xfrm>
+          <a:prstGeom prst="straightConnector1">
+            <a:avLst/>
+          </a:prstGeom>
+          <a:ln>
+            <a:tailEnd type="triangle"/>
+          </a:ln>
+        </p:spPr>
+        <p:style>
+          <a:lnRef idx="1">
+            <a:schemeClr val="accent1"/>
+          </a:lnRef>
+          <a:fillRef idx="0">
+            <a:schemeClr val="accent1"/>
+          </a:fillRef>
+          <a:effectRef idx="0">
+            <a:schemeClr val="accent1"/>
+          </a:effectRef>
+          <a:fontRef idx="minor">
+            <a:schemeClr val="tx1"/>
+          </a:fontRef>
+        </p:style>
+      </p:cxnSp>
+      <p:cxnSp>
+        <p:nvCxnSpPr>
+          <p:cNvPr id="71" name="直線矢印コネクタ 70">
+            <a:extLst>
+              <a:ext uri="{FF2B5EF4-FFF2-40B4-BE49-F238E27FC236}">
+                <a16:creationId xmlns:a16="http://schemas.microsoft.com/office/drawing/2014/main" id="{A1758E25-B37B-42CB-10EE-693945CFE361}"/>
+              </a:ext>
+            </a:extLst>
+          </p:cNvPr>
+          <p:cNvCxnSpPr>
+            <a:cxnSpLocks/>
+            <a:stCxn id="8" idx="6"/>
+            <a:endCxn id="13" idx="2"/>
+          </p:cNvCxnSpPr>
+          <p:nvPr/>
+        </p:nvCxnSpPr>
+        <p:spPr>
+          <a:xfrm flipV="1">
+            <a:off x="4341091" y="4082470"/>
+            <a:ext cx="2401455" cy="568036"/>
+          </a:xfrm>
+          <a:prstGeom prst="straightConnector1">
+            <a:avLst/>
+          </a:prstGeom>
+          <a:ln>
+            <a:tailEnd type="triangle"/>
+          </a:ln>
+        </p:spPr>
+        <p:style>
+          <a:lnRef idx="1">
+            <a:schemeClr val="accent1"/>
+          </a:lnRef>
+          <a:fillRef idx="0">
+            <a:schemeClr val="accent1"/>
+          </a:fillRef>
+          <a:effectRef idx="0">
+            <a:schemeClr val="accent1"/>
+          </a:effectRef>
+          <a:fontRef idx="minor">
+            <a:schemeClr val="tx1"/>
+          </a:fontRef>
+        </p:style>
+      </p:cxnSp>
+      <p:cxnSp>
+        <p:nvCxnSpPr>
+          <p:cNvPr id="79" name="直線矢印コネクタ 78">
+            <a:extLst>
+              <a:ext uri="{FF2B5EF4-FFF2-40B4-BE49-F238E27FC236}">
+                <a16:creationId xmlns:a16="http://schemas.microsoft.com/office/drawing/2014/main" id="{85A4BE0B-64AC-BE7F-268D-ADDC88DF3D10}"/>
+              </a:ext>
+            </a:extLst>
+          </p:cNvPr>
+          <p:cNvCxnSpPr>
+            <a:cxnSpLocks/>
+            <a:stCxn id="9" idx="6"/>
+            <a:endCxn id="11" idx="2"/>
+          </p:cNvCxnSpPr>
+          <p:nvPr/>
+        </p:nvCxnSpPr>
+        <p:spPr>
+          <a:xfrm flipV="1">
+            <a:off x="4341091" y="2840180"/>
+            <a:ext cx="2401455" cy="2484580"/>
+          </a:xfrm>
+          <a:prstGeom prst="straightConnector1">
+            <a:avLst/>
+          </a:prstGeom>
+          <a:ln>
+            <a:tailEnd type="triangle"/>
+          </a:ln>
+        </p:spPr>
+        <p:style>
+          <a:lnRef idx="1">
+            <a:schemeClr val="accent1"/>
+          </a:lnRef>
+          <a:fillRef idx="0">
+            <a:schemeClr val="accent1"/>
+          </a:fillRef>
+          <a:effectRef idx="0">
+            <a:schemeClr val="accent1"/>
+          </a:effectRef>
+          <a:fontRef idx="minor">
+            <a:schemeClr val="tx1"/>
+          </a:fontRef>
+        </p:style>
+      </p:cxnSp>
+      <p:cxnSp>
+        <p:nvCxnSpPr>
+          <p:cNvPr id="80" name="直線矢印コネクタ 79">
+            <a:extLst>
+              <a:ext uri="{FF2B5EF4-FFF2-40B4-BE49-F238E27FC236}">
+                <a16:creationId xmlns:a16="http://schemas.microsoft.com/office/drawing/2014/main" id="{A902522C-DEAD-B163-8627-E66E0A8EA7BC}"/>
+              </a:ext>
+            </a:extLst>
+          </p:cNvPr>
+          <p:cNvCxnSpPr>
+            <a:cxnSpLocks/>
+            <a:stCxn id="9" idx="6"/>
+            <a:endCxn id="12" idx="2"/>
+          </p:cNvCxnSpPr>
+          <p:nvPr/>
+        </p:nvCxnSpPr>
+        <p:spPr>
+          <a:xfrm flipV="1">
+            <a:off x="4341091" y="3514434"/>
+            <a:ext cx="2401455" cy="1810326"/>
+          </a:xfrm>
+          <a:prstGeom prst="straightConnector1">
+            <a:avLst/>
+          </a:prstGeom>
+          <a:ln>
+            <a:tailEnd type="triangle"/>
+          </a:ln>
+        </p:spPr>
+        <p:style>
+          <a:lnRef idx="1">
+            <a:schemeClr val="accent1"/>
+          </a:lnRef>
+          <a:fillRef idx="0">
+            <a:schemeClr val="accent1"/>
+          </a:fillRef>
+          <a:effectRef idx="0">
+            <a:schemeClr val="accent1"/>
+          </a:effectRef>
+          <a:fontRef idx="minor">
+            <a:schemeClr val="tx1"/>
+          </a:fontRef>
+        </p:style>
+      </p:cxnSp>
+      <p:cxnSp>
+        <p:nvCxnSpPr>
+          <p:cNvPr id="81" name="直線矢印コネクタ 80">
+            <a:extLst>
+              <a:ext uri="{FF2B5EF4-FFF2-40B4-BE49-F238E27FC236}">
+                <a16:creationId xmlns:a16="http://schemas.microsoft.com/office/drawing/2014/main" id="{7A104710-3C6A-DA4D-AB0F-DE1F2E9B409E}"/>
+              </a:ext>
+            </a:extLst>
+          </p:cNvPr>
+          <p:cNvCxnSpPr>
+            <a:cxnSpLocks/>
+            <a:stCxn id="9" idx="6"/>
+            <a:endCxn id="13" idx="2"/>
+          </p:cNvCxnSpPr>
+          <p:nvPr/>
+        </p:nvCxnSpPr>
+        <p:spPr>
+          <a:xfrm flipV="1">
+            <a:off x="4341091" y="4082470"/>
+            <a:ext cx="2401455" cy="1242290"/>
+          </a:xfrm>
+          <a:prstGeom prst="straightConnector1">
+            <a:avLst/>
+          </a:prstGeom>
+          <a:ln>
+            <a:tailEnd type="triangle"/>
+          </a:ln>
+        </p:spPr>
+        <p:style>
+          <a:lnRef idx="1">
+            <a:schemeClr val="accent1"/>
+          </a:lnRef>
+          <a:fillRef idx="0">
+            <a:schemeClr val="accent1"/>
+          </a:fillRef>
+          <a:effectRef idx="0">
+            <a:schemeClr val="accent1"/>
+          </a:effectRef>
+          <a:fontRef idx="minor">
+            <a:schemeClr val="tx1"/>
+          </a:fontRef>
+        </p:style>
+      </p:cxnSp>
+      <p:cxnSp>
+        <p:nvCxnSpPr>
+          <p:cNvPr id="88" name="直線矢印コネクタ 87">
+            <a:extLst>
+              <a:ext uri="{FF2B5EF4-FFF2-40B4-BE49-F238E27FC236}">
+                <a16:creationId xmlns:a16="http://schemas.microsoft.com/office/drawing/2014/main" id="{2ADC4C3A-B931-60A0-11E7-C6A6C9559E26}"/>
+              </a:ext>
+            </a:extLst>
+          </p:cNvPr>
+          <p:cNvCxnSpPr>
+            <a:cxnSpLocks/>
+            <a:stCxn id="10" idx="6"/>
+            <a:endCxn id="11" idx="2"/>
+          </p:cNvCxnSpPr>
+          <p:nvPr/>
+        </p:nvCxnSpPr>
+        <p:spPr>
+          <a:xfrm flipV="1">
+            <a:off x="4341091" y="2840180"/>
+            <a:ext cx="2401455" cy="3052616"/>
+          </a:xfrm>
+          <a:prstGeom prst="straightConnector1">
+            <a:avLst/>
+          </a:prstGeom>
+          <a:ln>
+            <a:tailEnd type="triangle"/>
+          </a:ln>
+        </p:spPr>
+        <p:style>
+          <a:lnRef idx="1">
+            <a:schemeClr val="accent1"/>
+          </a:lnRef>
+          <a:fillRef idx="0">
+            <a:schemeClr val="accent1"/>
+          </a:fillRef>
+          <a:effectRef idx="0">
+            <a:schemeClr val="accent1"/>
+          </a:effectRef>
+          <a:fontRef idx="minor">
+            <a:schemeClr val="tx1"/>
+          </a:fontRef>
+        </p:style>
+      </p:cxnSp>
+      <p:cxnSp>
+        <p:nvCxnSpPr>
+          <p:cNvPr id="89" name="直線矢印コネクタ 88">
+            <a:extLst>
+              <a:ext uri="{FF2B5EF4-FFF2-40B4-BE49-F238E27FC236}">
+                <a16:creationId xmlns:a16="http://schemas.microsoft.com/office/drawing/2014/main" id="{D12506C6-81D9-CABF-8121-35AE5CFC1080}"/>
+              </a:ext>
+            </a:extLst>
+          </p:cNvPr>
+          <p:cNvCxnSpPr>
+            <a:cxnSpLocks/>
+            <a:stCxn id="10" idx="6"/>
+            <a:endCxn id="12" idx="2"/>
+          </p:cNvCxnSpPr>
+          <p:nvPr/>
+        </p:nvCxnSpPr>
+        <p:spPr>
+          <a:xfrm flipV="1">
+            <a:off x="4341091" y="3514434"/>
+            <a:ext cx="2401455" cy="2378362"/>
+          </a:xfrm>
+          <a:prstGeom prst="straightConnector1">
+            <a:avLst/>
+          </a:prstGeom>
+          <a:ln>
+            <a:tailEnd type="triangle"/>
+          </a:ln>
+        </p:spPr>
+        <p:style>
+          <a:lnRef idx="1">
+            <a:schemeClr val="accent1"/>
+          </a:lnRef>
+          <a:fillRef idx="0">
+            <a:schemeClr val="accent1"/>
+          </a:fillRef>
+          <a:effectRef idx="0">
+            <a:schemeClr val="accent1"/>
+          </a:effectRef>
+          <a:fontRef idx="minor">
+            <a:schemeClr val="tx1"/>
+          </a:fontRef>
+        </p:style>
+      </p:cxnSp>
+      <p:cxnSp>
+        <p:nvCxnSpPr>
+          <p:cNvPr id="90" name="直線矢印コネクタ 89">
+            <a:extLst>
+              <a:ext uri="{FF2B5EF4-FFF2-40B4-BE49-F238E27FC236}">
+                <a16:creationId xmlns:a16="http://schemas.microsoft.com/office/drawing/2014/main" id="{0E2AA2FF-ED3A-F10E-0597-FD9C5F6BE218}"/>
+              </a:ext>
+            </a:extLst>
+          </p:cNvPr>
+          <p:cNvCxnSpPr>
+            <a:cxnSpLocks/>
+            <a:stCxn id="10" idx="6"/>
+            <a:endCxn id="13" idx="2"/>
+          </p:cNvCxnSpPr>
+          <p:nvPr/>
+        </p:nvCxnSpPr>
+        <p:spPr>
+          <a:xfrm flipV="1">
+            <a:off x="4341091" y="4082470"/>
+            <a:ext cx="2401455" cy="1810326"/>
+          </a:xfrm>
+          <a:prstGeom prst="straightConnector1">
+            <a:avLst/>
+          </a:prstGeom>
+          <a:ln>
+            <a:tailEnd type="triangle"/>
+          </a:ln>
+        </p:spPr>
+        <p:style>
+          <a:lnRef idx="1">
+            <a:schemeClr val="accent1"/>
+          </a:lnRef>
+          <a:fillRef idx="0">
+            <a:schemeClr val="accent1"/>
+          </a:fillRef>
+          <a:effectRef idx="0">
+            <a:schemeClr val="accent1"/>
+          </a:effectRef>
+          <a:fontRef idx="minor">
+            <a:schemeClr val="tx1"/>
+          </a:fontRef>
+        </p:style>
+      </p:cxnSp>
+      <p:sp>
+        <p:nvSpPr>
+          <p:cNvPr id="97" name="テキスト ボックス 96">
+            <a:extLst>
+              <a:ext uri="{FF2B5EF4-FFF2-40B4-BE49-F238E27FC236}">
+                <a16:creationId xmlns:a16="http://schemas.microsoft.com/office/drawing/2014/main" id="{DFFC0413-3D66-7DE2-61BA-00ED64E63135}"/>
+              </a:ext>
+            </a:extLst>
+          </p:cNvPr>
+          <p:cNvSpPr txBox="1"/>
+          <p:nvPr/>
+        </p:nvSpPr>
+        <p:spPr>
+          <a:xfrm>
+            <a:off x="2669309" y="858982"/>
+            <a:ext cx="845103" cy="369332"/>
+          </a:xfrm>
+          <a:prstGeom prst="rect">
+            <a:avLst/>
+          </a:prstGeom>
+          <a:noFill/>
+        </p:spPr>
+        <p:txBody>
+          <a:bodyPr wrap="none" rtlCol="0">
+            <a:spAutoFit/>
+          </a:bodyPr>
+          <a:lstStyle/>
+          <a:p>
+            <a:r>
+              <a:rPr kumimoji="1" lang="en-US" altLang="ja-JP" dirty="0"/>
+              <a:t>prince</a:t>
+            </a:r>
+            <a:endParaRPr kumimoji="1" lang="ja-JP" altLang="en-US" dirty="0"/>
+          </a:p>
+        </p:txBody>
+      </p:sp>
+      <p:sp>
+        <p:nvSpPr>
+          <p:cNvPr id="98" name="テキスト ボックス 97">
+            <a:extLst>
+              <a:ext uri="{FF2B5EF4-FFF2-40B4-BE49-F238E27FC236}">
+                <a16:creationId xmlns:a16="http://schemas.microsoft.com/office/drawing/2014/main" id="{DC39A511-6DAF-A87B-BC30-049F02622025}"/>
+              </a:ext>
+            </a:extLst>
+          </p:cNvPr>
+          <p:cNvSpPr txBox="1"/>
+          <p:nvPr/>
+        </p:nvSpPr>
+        <p:spPr>
+          <a:xfrm>
+            <a:off x="2669309" y="1496289"/>
+            <a:ext cx="748923" cy="369332"/>
+          </a:xfrm>
+          <a:prstGeom prst="rect">
+            <a:avLst/>
+          </a:prstGeom>
+          <a:noFill/>
+        </p:spPr>
+        <p:txBody>
+          <a:bodyPr wrap="none" rtlCol="0">
+            <a:spAutoFit/>
+          </a:bodyPr>
+          <a:lstStyle/>
+          <a:p>
+            <a:r>
+              <a:rPr kumimoji="1" lang="en-US" altLang="ja-JP" dirty="0"/>
+              <a:t>loved</a:t>
+            </a:r>
+            <a:endParaRPr kumimoji="1" lang="ja-JP" altLang="en-US" dirty="0"/>
+          </a:p>
+        </p:txBody>
+      </p:sp>
+      <p:sp>
+        <p:nvSpPr>
+          <p:cNvPr id="99" name="テキスト ボックス 98">
+            <a:extLst>
+              <a:ext uri="{FF2B5EF4-FFF2-40B4-BE49-F238E27FC236}">
+                <a16:creationId xmlns:a16="http://schemas.microsoft.com/office/drawing/2014/main" id="{0EF72F68-62BE-7462-CEC2-4D2371CA08C3}"/>
+              </a:ext>
+            </a:extLst>
+          </p:cNvPr>
+          <p:cNvSpPr txBox="1"/>
+          <p:nvPr/>
+        </p:nvSpPr>
+        <p:spPr>
+          <a:xfrm>
+            <a:off x="2669309" y="2087478"/>
+            <a:ext cx="1079142" cy="369332"/>
+          </a:xfrm>
+          <a:prstGeom prst="rect">
+            <a:avLst/>
+          </a:prstGeom>
+          <a:noFill/>
+        </p:spPr>
+        <p:txBody>
+          <a:bodyPr wrap="none" rtlCol="0">
+            <a:spAutoFit/>
+          </a:bodyPr>
+          <a:lstStyle/>
+          <a:p>
+            <a:r>
+              <a:rPr kumimoji="1" lang="en-US" altLang="ja-JP" dirty="0"/>
+              <a:t>princess</a:t>
+            </a:r>
+            <a:endParaRPr kumimoji="1" lang="ja-JP" altLang="en-US" dirty="0"/>
+          </a:p>
+        </p:txBody>
+      </p:sp>
+      <p:sp>
+        <p:nvSpPr>
+          <p:cNvPr id="100" name="テキスト ボックス 99">
+            <a:extLst>
+              <a:ext uri="{FF2B5EF4-FFF2-40B4-BE49-F238E27FC236}">
+                <a16:creationId xmlns:a16="http://schemas.microsoft.com/office/drawing/2014/main" id="{764A47A1-1356-7F84-005E-3B7E541619E5}"/>
+              </a:ext>
+            </a:extLst>
+          </p:cNvPr>
+          <p:cNvSpPr txBox="1"/>
+          <p:nvPr/>
+        </p:nvSpPr>
+        <p:spPr>
+          <a:xfrm>
+            <a:off x="2669309" y="2743258"/>
+            <a:ext cx="676788" cy="369332"/>
+          </a:xfrm>
+          <a:prstGeom prst="rect">
+            <a:avLst/>
+          </a:prstGeom>
+          <a:noFill/>
+        </p:spPr>
+        <p:txBody>
+          <a:bodyPr wrap="none" rtlCol="0">
+            <a:spAutoFit/>
+          </a:bodyPr>
+          <a:lstStyle/>
+          <a:p>
+            <a:r>
+              <a:rPr kumimoji="1" lang="en-US" altLang="ja-JP" dirty="0"/>
+              <a:t>from</a:t>
+            </a:r>
+            <a:endParaRPr kumimoji="1" lang="ja-JP" altLang="en-US" dirty="0"/>
+          </a:p>
+        </p:txBody>
+      </p:sp>
+      <p:sp>
+        <p:nvSpPr>
+          <p:cNvPr id="101" name="テキスト ボックス 100">
+            <a:extLst>
+              <a:ext uri="{FF2B5EF4-FFF2-40B4-BE49-F238E27FC236}">
+                <a16:creationId xmlns:a16="http://schemas.microsoft.com/office/drawing/2014/main" id="{D99049A1-F43A-BF46-8DE6-2F20CA945D19}"/>
+              </a:ext>
+            </a:extLst>
+          </p:cNvPr>
+          <p:cNvSpPr txBox="1"/>
+          <p:nvPr/>
+        </p:nvSpPr>
+        <p:spPr>
+          <a:xfrm>
+            <a:off x="2669309" y="3276659"/>
+            <a:ext cx="529312" cy="369332"/>
+          </a:xfrm>
+          <a:prstGeom prst="rect">
+            <a:avLst/>
+          </a:prstGeom>
+          <a:noFill/>
+        </p:spPr>
+        <p:txBody>
+          <a:bodyPr wrap="none" rtlCol="0">
+            <a:spAutoFit/>
+          </a:bodyPr>
+          <a:lstStyle/>
+          <a:p>
+            <a:r>
+              <a:rPr kumimoji="1" lang="en-US" altLang="ja-JP" dirty="0"/>
+              <a:t>the</a:t>
+            </a:r>
+            <a:endParaRPr kumimoji="1" lang="ja-JP" altLang="en-US" dirty="0"/>
+          </a:p>
+        </p:txBody>
+      </p:sp>
+      <p:sp>
+        <p:nvSpPr>
+          <p:cNvPr id="102" name="テキスト ボックス 101">
+            <a:extLst>
+              <a:ext uri="{FF2B5EF4-FFF2-40B4-BE49-F238E27FC236}">
+                <a16:creationId xmlns:a16="http://schemas.microsoft.com/office/drawing/2014/main" id="{EA2F260D-01E0-C80E-94EB-5A731926EB8D}"/>
+              </a:ext>
+            </a:extLst>
+          </p:cNvPr>
+          <p:cNvSpPr txBox="1"/>
+          <p:nvPr/>
+        </p:nvSpPr>
+        <p:spPr>
+          <a:xfrm>
+            <a:off x="2669309" y="3897804"/>
+            <a:ext cx="941283" cy="369332"/>
+          </a:xfrm>
+          <a:prstGeom prst="rect">
+            <a:avLst/>
+          </a:prstGeom>
+          <a:noFill/>
+        </p:spPr>
+        <p:txBody>
+          <a:bodyPr wrap="none" rtlCol="0">
+            <a:spAutoFit/>
+          </a:bodyPr>
+          <a:lstStyle/>
+          <a:p>
+            <a:r>
+              <a:rPr kumimoji="1" lang="en-US" altLang="ja-JP" dirty="0"/>
+              <a:t>bottom</a:t>
+            </a:r>
+            <a:endParaRPr kumimoji="1" lang="ja-JP" altLang="en-US" dirty="0"/>
+          </a:p>
+        </p:txBody>
+      </p:sp>
+      <p:sp>
+        <p:nvSpPr>
+          <p:cNvPr id="103" name="テキスト ボックス 102">
+            <a:extLst>
+              <a:ext uri="{FF2B5EF4-FFF2-40B4-BE49-F238E27FC236}">
+                <a16:creationId xmlns:a16="http://schemas.microsoft.com/office/drawing/2014/main" id="{E3703E5C-5EA0-3DC6-4D4F-6E088AA94D81}"/>
+              </a:ext>
+            </a:extLst>
+          </p:cNvPr>
+          <p:cNvSpPr txBox="1"/>
+          <p:nvPr/>
+        </p:nvSpPr>
+        <p:spPr>
+          <a:xfrm>
+            <a:off x="2669309" y="4468086"/>
+            <a:ext cx="394660" cy="369332"/>
+          </a:xfrm>
+          <a:prstGeom prst="rect">
+            <a:avLst/>
+          </a:prstGeom>
+          <a:noFill/>
+        </p:spPr>
+        <p:txBody>
+          <a:bodyPr wrap="none" rtlCol="0">
+            <a:spAutoFit/>
+          </a:bodyPr>
+          <a:lstStyle/>
+          <a:p>
+            <a:r>
+              <a:rPr kumimoji="1" lang="en-US" altLang="ja-JP" dirty="0"/>
+              <a:t>of</a:t>
+            </a:r>
+            <a:endParaRPr kumimoji="1" lang="ja-JP" altLang="en-US" dirty="0"/>
+          </a:p>
+        </p:txBody>
+      </p:sp>
+      <p:sp>
+        <p:nvSpPr>
+          <p:cNvPr id="104" name="テキスト ボックス 103">
+            <a:extLst>
+              <a:ext uri="{FF2B5EF4-FFF2-40B4-BE49-F238E27FC236}">
+                <a16:creationId xmlns:a16="http://schemas.microsoft.com/office/drawing/2014/main" id="{F87F5323-7A4E-77EE-BA8D-0EAC539D1F67}"/>
+              </a:ext>
+            </a:extLst>
+          </p:cNvPr>
+          <p:cNvSpPr txBox="1"/>
+          <p:nvPr/>
+        </p:nvSpPr>
+        <p:spPr>
+          <a:xfrm>
+            <a:off x="2669309" y="5140094"/>
+            <a:ext cx="497252" cy="369332"/>
+          </a:xfrm>
+          <a:prstGeom prst="rect">
+            <a:avLst/>
+          </a:prstGeom>
+          <a:noFill/>
+        </p:spPr>
+        <p:txBody>
+          <a:bodyPr wrap="none" rtlCol="0">
+            <a:spAutoFit/>
+          </a:bodyPr>
+          <a:lstStyle/>
+          <a:p>
+            <a:r>
+              <a:rPr kumimoji="1" lang="en-US" altLang="ja-JP" dirty="0"/>
+              <a:t>his</a:t>
+            </a:r>
+            <a:endParaRPr kumimoji="1" lang="ja-JP" altLang="en-US" dirty="0"/>
+          </a:p>
+        </p:txBody>
+      </p:sp>
+      <p:sp>
+        <p:nvSpPr>
+          <p:cNvPr id="105" name="テキスト ボックス 104">
+            <a:extLst>
+              <a:ext uri="{FF2B5EF4-FFF2-40B4-BE49-F238E27FC236}">
+                <a16:creationId xmlns:a16="http://schemas.microsoft.com/office/drawing/2014/main" id="{9AE44590-C2AC-379B-CC3C-D3D10BB634F7}"/>
+              </a:ext>
+            </a:extLst>
+          </p:cNvPr>
+          <p:cNvSpPr txBox="1"/>
+          <p:nvPr/>
+        </p:nvSpPr>
+        <p:spPr>
+          <a:xfrm>
+            <a:off x="2669309" y="5731156"/>
+            <a:ext cx="740908" cy="369332"/>
+          </a:xfrm>
+          <a:prstGeom prst="rect">
+            <a:avLst/>
+          </a:prstGeom>
+          <a:noFill/>
+        </p:spPr>
+        <p:txBody>
+          <a:bodyPr wrap="none" rtlCol="0">
+            <a:spAutoFit/>
+          </a:bodyPr>
+          <a:lstStyle/>
+          <a:p>
+            <a:r>
+              <a:rPr kumimoji="1" lang="en-US" altLang="ja-JP" dirty="0"/>
+              <a:t>heart</a:t>
+            </a:r>
+            <a:endParaRPr kumimoji="1" lang="ja-JP" altLang="en-US" dirty="0"/>
+          </a:p>
+        </p:txBody>
+      </p:sp>
+    </p:spTree>
+    <p:extLst>
+      <p:ext uri="{BB962C8B-B14F-4D97-AF65-F5344CB8AC3E}">
+        <p14:creationId xmlns:p14="http://schemas.microsoft.com/office/powerpoint/2010/main" val="1438244752"/>
+      </p:ext>
+    </p:extLst>
+  </p:cSld>
+  <p:clrMapOvr>
+    <a:masterClrMapping/>
+  </p:clrMapOvr>
+</p:sld>
+</file>
+
+<file path=ppt/slides/slide6.xml><?xml version="1.0" encoding="utf-8"?>
+<p:sld xmlns:a="http://schemas.openxmlformats.org/drawingml/2006/main" xmlns:r="http://schemas.openxmlformats.org/officeDocument/2006/relationships" xmlns:p="http://schemas.openxmlformats.org/presentationml/2006/main">
+  <p:cSld>
+    <p:spTree>
+      <p:nvGrpSpPr>
+        <p:cNvPr id="1" name=""/>
+        <p:cNvGrpSpPr/>
+        <p:nvPr/>
+      </p:nvGrpSpPr>
+      <p:grpSpPr>
+        <a:xfrm>
+          <a:off x="0" y="0"/>
+          <a:ext cx="0" cy="0"/>
+          <a:chOff x="0" y="0"/>
+          <a:chExt cx="0" cy="0"/>
+        </a:xfrm>
+      </p:grpSpPr>
+      <p:sp>
+        <p:nvSpPr>
+          <p:cNvPr id="2" name="楕円 1">
+            <a:extLst>
+              <a:ext uri="{FF2B5EF4-FFF2-40B4-BE49-F238E27FC236}">
+                <a16:creationId xmlns:a16="http://schemas.microsoft.com/office/drawing/2014/main" id="{8DF97325-7D31-6DC1-2866-9C381A079586}"/>
+              </a:ext>
+            </a:extLst>
+          </p:cNvPr>
+          <p:cNvSpPr/>
+          <p:nvPr/>
+        </p:nvSpPr>
+        <p:spPr>
+          <a:xfrm>
+            <a:off x="2105891" y="1062182"/>
+            <a:ext cx="258618" cy="258618"/>
+          </a:xfrm>
+          <a:prstGeom prst="ellipse">
+            <a:avLst/>
+          </a:prstGeom>
+        </p:spPr>
+        <p:style>
+          <a:lnRef idx="2">
+            <a:schemeClr val="accent1">
+              <a:shade val="15000"/>
+            </a:schemeClr>
+          </a:lnRef>
+          <a:fillRef idx="1">
+            <a:schemeClr val="accent1"/>
+          </a:fillRef>
+          <a:effectRef idx="0">
+            <a:schemeClr val="accent1"/>
+          </a:effectRef>
+          <a:fontRef idx="minor">
+            <a:schemeClr val="lt1"/>
+          </a:fontRef>
+        </p:style>
+        <p:txBody>
+          <a:bodyPr rtlCol="0" anchor="ctr"/>
+          <a:lstStyle/>
+          <a:p>
+            <a:pPr algn="ctr"/>
+            <a:endParaRPr kumimoji="1" lang="ja-JP" altLang="en-US"/>
+          </a:p>
+        </p:txBody>
+      </p:sp>
+      <p:sp>
+        <p:nvSpPr>
+          <p:cNvPr id="3" name="楕円 2">
+            <a:extLst>
+              <a:ext uri="{FF2B5EF4-FFF2-40B4-BE49-F238E27FC236}">
+                <a16:creationId xmlns:a16="http://schemas.microsoft.com/office/drawing/2014/main" id="{FC35D78F-49BE-965F-56C6-EFBF2F9027BE}"/>
+              </a:ext>
+            </a:extLst>
+          </p:cNvPr>
+          <p:cNvSpPr/>
+          <p:nvPr/>
+        </p:nvSpPr>
+        <p:spPr>
+          <a:xfrm>
+            <a:off x="2105891" y="1385455"/>
+            <a:ext cx="258618" cy="258618"/>
+          </a:xfrm>
+          <a:prstGeom prst="ellipse">
+            <a:avLst/>
+          </a:prstGeom>
+          <a:solidFill>
+            <a:schemeClr val="bg1"/>
+          </a:solidFill>
+        </p:spPr>
+        <p:style>
+          <a:lnRef idx="2">
+            <a:schemeClr val="accent1">
+              <a:shade val="15000"/>
+            </a:schemeClr>
+          </a:lnRef>
+          <a:fillRef idx="1">
+            <a:schemeClr val="accent1"/>
+          </a:fillRef>
+          <a:effectRef idx="0">
+            <a:schemeClr val="accent1"/>
+          </a:effectRef>
+          <a:fontRef idx="minor">
+            <a:schemeClr val="lt1"/>
+          </a:fontRef>
+        </p:style>
+        <p:txBody>
+          <a:bodyPr rtlCol="0" anchor="ctr"/>
+          <a:lstStyle/>
+          <a:p>
+            <a:pPr algn="ctr"/>
+            <a:endParaRPr kumimoji="1" lang="ja-JP" altLang="en-US"/>
+          </a:p>
+        </p:txBody>
+      </p:sp>
+      <p:sp>
+        <p:nvSpPr>
+          <p:cNvPr id="4" name="楕円 3">
+            <a:extLst>
+              <a:ext uri="{FF2B5EF4-FFF2-40B4-BE49-F238E27FC236}">
+                <a16:creationId xmlns:a16="http://schemas.microsoft.com/office/drawing/2014/main" id="{7B5EE699-4777-9B4D-18F3-E6071E1B21F9}"/>
+              </a:ext>
+            </a:extLst>
+          </p:cNvPr>
+          <p:cNvSpPr/>
+          <p:nvPr/>
+        </p:nvSpPr>
+        <p:spPr>
+          <a:xfrm>
+            <a:off x="2105891" y="1708728"/>
+            <a:ext cx="258618" cy="258618"/>
+          </a:xfrm>
+          <a:prstGeom prst="ellipse">
+            <a:avLst/>
+          </a:prstGeom>
+          <a:solidFill>
+            <a:schemeClr val="bg1"/>
+          </a:solidFill>
+        </p:spPr>
+        <p:style>
+          <a:lnRef idx="2">
+            <a:schemeClr val="accent1">
+              <a:shade val="15000"/>
+            </a:schemeClr>
+          </a:lnRef>
+          <a:fillRef idx="1">
+            <a:schemeClr val="accent1"/>
+          </a:fillRef>
+          <a:effectRef idx="0">
+            <a:schemeClr val="accent1"/>
+          </a:effectRef>
+          <a:fontRef idx="minor">
+            <a:schemeClr val="lt1"/>
+          </a:fontRef>
+        </p:style>
+        <p:txBody>
+          <a:bodyPr rtlCol="0" anchor="ctr"/>
+          <a:lstStyle/>
+          <a:p>
+            <a:pPr algn="ctr"/>
+            <a:endParaRPr kumimoji="1" lang="ja-JP" altLang="en-US"/>
+          </a:p>
+        </p:txBody>
+      </p:sp>
+      <p:sp>
+        <p:nvSpPr>
+          <p:cNvPr id="5" name="楕円 4">
+            <a:extLst>
+              <a:ext uri="{FF2B5EF4-FFF2-40B4-BE49-F238E27FC236}">
+                <a16:creationId xmlns:a16="http://schemas.microsoft.com/office/drawing/2014/main" id="{735B7AD6-C8D0-9235-0E0A-61CEEBE3573B}"/>
+              </a:ext>
+            </a:extLst>
+          </p:cNvPr>
+          <p:cNvSpPr/>
+          <p:nvPr/>
+        </p:nvSpPr>
+        <p:spPr>
+          <a:xfrm>
+            <a:off x="2105891" y="4017819"/>
+            <a:ext cx="258618" cy="258618"/>
+          </a:xfrm>
+          <a:prstGeom prst="ellipse">
+            <a:avLst/>
+          </a:prstGeom>
+          <a:solidFill>
+            <a:schemeClr val="bg1"/>
+          </a:solidFill>
+        </p:spPr>
+        <p:style>
+          <a:lnRef idx="2">
+            <a:schemeClr val="accent1">
+              <a:shade val="15000"/>
+            </a:schemeClr>
+          </a:lnRef>
+          <a:fillRef idx="1">
+            <a:schemeClr val="accent1"/>
+          </a:fillRef>
+          <a:effectRef idx="0">
+            <a:schemeClr val="accent1"/>
+          </a:effectRef>
+          <a:fontRef idx="minor">
+            <a:schemeClr val="lt1"/>
+          </a:fontRef>
+        </p:style>
+        <p:txBody>
+          <a:bodyPr rtlCol="0" anchor="ctr"/>
+          <a:lstStyle/>
+          <a:p>
+            <a:pPr algn="ctr"/>
+            <a:endParaRPr kumimoji="1" lang="ja-JP" altLang="en-US"/>
+          </a:p>
+        </p:txBody>
+      </p:sp>
+      <p:sp>
+        <p:nvSpPr>
+          <p:cNvPr id="6" name="楕円 5">
+            <a:extLst>
+              <a:ext uri="{FF2B5EF4-FFF2-40B4-BE49-F238E27FC236}">
+                <a16:creationId xmlns:a16="http://schemas.microsoft.com/office/drawing/2014/main" id="{BDC4A39C-D945-17BC-8510-6BD8D2780F64}"/>
+              </a:ext>
+            </a:extLst>
+          </p:cNvPr>
+          <p:cNvSpPr/>
+          <p:nvPr/>
+        </p:nvSpPr>
+        <p:spPr>
+          <a:xfrm>
+            <a:off x="2105891" y="4341092"/>
+            <a:ext cx="258618" cy="258618"/>
+          </a:xfrm>
+          <a:prstGeom prst="ellipse">
+            <a:avLst/>
+          </a:prstGeom>
+          <a:solidFill>
+            <a:schemeClr val="bg1"/>
+          </a:solidFill>
+        </p:spPr>
+        <p:style>
+          <a:lnRef idx="2">
+            <a:schemeClr val="accent1">
+              <a:shade val="15000"/>
+            </a:schemeClr>
+          </a:lnRef>
+          <a:fillRef idx="1">
+            <a:schemeClr val="accent1"/>
+          </a:fillRef>
+          <a:effectRef idx="0">
+            <a:schemeClr val="accent1"/>
+          </a:effectRef>
+          <a:fontRef idx="minor">
+            <a:schemeClr val="lt1"/>
+          </a:fontRef>
+        </p:style>
+        <p:txBody>
+          <a:bodyPr rtlCol="0" anchor="ctr"/>
+          <a:lstStyle/>
+          <a:p>
+            <a:pPr algn="ctr"/>
+            <a:endParaRPr kumimoji="1" lang="ja-JP" altLang="en-US"/>
+          </a:p>
+        </p:txBody>
+      </p:sp>
+      <p:sp>
+        <p:nvSpPr>
+          <p:cNvPr id="7" name="楕円 6">
+            <a:extLst>
+              <a:ext uri="{FF2B5EF4-FFF2-40B4-BE49-F238E27FC236}">
+                <a16:creationId xmlns:a16="http://schemas.microsoft.com/office/drawing/2014/main" id="{1C090F53-D814-54B1-F155-46E4D2845DFC}"/>
+              </a:ext>
+            </a:extLst>
+          </p:cNvPr>
+          <p:cNvSpPr/>
+          <p:nvPr/>
+        </p:nvSpPr>
+        <p:spPr>
+          <a:xfrm>
+            <a:off x="2105891" y="4664365"/>
+            <a:ext cx="258618" cy="258618"/>
+          </a:xfrm>
+          <a:prstGeom prst="ellipse">
+            <a:avLst/>
+          </a:prstGeom>
+          <a:solidFill>
+            <a:schemeClr val="accent1"/>
+          </a:solidFill>
+        </p:spPr>
+        <p:style>
+          <a:lnRef idx="2">
+            <a:schemeClr val="accent1">
+              <a:shade val="15000"/>
+            </a:schemeClr>
+          </a:lnRef>
+          <a:fillRef idx="1">
+            <a:schemeClr val="accent1"/>
+          </a:fillRef>
+          <a:effectRef idx="0">
+            <a:schemeClr val="accent1"/>
+          </a:effectRef>
+          <a:fontRef idx="minor">
+            <a:schemeClr val="lt1"/>
+          </a:fontRef>
+        </p:style>
+        <p:txBody>
+          <a:bodyPr rtlCol="0" anchor="ctr"/>
+          <a:lstStyle/>
+          <a:p>
+            <a:pPr algn="ctr"/>
+            <a:endParaRPr kumimoji="1" lang="ja-JP" altLang="en-US"/>
+          </a:p>
+        </p:txBody>
+      </p:sp>
+      <p:sp>
+        <p:nvSpPr>
+          <p:cNvPr id="8" name="正方形/長方形 7">
+            <a:extLst>
+              <a:ext uri="{FF2B5EF4-FFF2-40B4-BE49-F238E27FC236}">
+                <a16:creationId xmlns:a16="http://schemas.microsoft.com/office/drawing/2014/main" id="{6D998B70-D792-52C3-5ADE-35ABC45DCDDB}"/>
+              </a:ext>
+            </a:extLst>
+          </p:cNvPr>
+          <p:cNvSpPr/>
+          <p:nvPr/>
+        </p:nvSpPr>
+        <p:spPr>
+          <a:xfrm>
+            <a:off x="1935018" y="748145"/>
+            <a:ext cx="600364" cy="2470728"/>
+          </a:xfrm>
+          <a:prstGeom prst="rect">
+            <a:avLst/>
+          </a:prstGeom>
+          <a:noFill/>
+        </p:spPr>
+        <p:style>
+          <a:lnRef idx="2">
+            <a:schemeClr val="accent1">
+              <a:shade val="15000"/>
+            </a:schemeClr>
+          </a:lnRef>
+          <a:fillRef idx="1">
+            <a:schemeClr val="accent1"/>
+          </a:fillRef>
+          <a:effectRef idx="0">
+            <a:schemeClr val="accent1"/>
+          </a:effectRef>
+          <a:fontRef idx="minor">
+            <a:schemeClr val="lt1"/>
+          </a:fontRef>
+        </p:style>
+        <p:txBody>
+          <a:bodyPr rtlCol="0" anchor="ctr"/>
+          <a:lstStyle/>
+          <a:p>
+            <a:pPr algn="ctr"/>
+            <a:endParaRPr kumimoji="1" lang="ja-JP" altLang="en-US"/>
+          </a:p>
+        </p:txBody>
+      </p:sp>
+      <p:sp>
+        <p:nvSpPr>
+          <p:cNvPr id="9" name="正方形/長方形 8">
+            <a:extLst>
+              <a:ext uri="{FF2B5EF4-FFF2-40B4-BE49-F238E27FC236}">
+                <a16:creationId xmlns:a16="http://schemas.microsoft.com/office/drawing/2014/main" id="{A910132F-7C39-AA14-F7F4-E11D11E97331}"/>
+              </a:ext>
+            </a:extLst>
+          </p:cNvPr>
+          <p:cNvSpPr/>
+          <p:nvPr/>
+        </p:nvSpPr>
+        <p:spPr>
+          <a:xfrm>
+            <a:off x="1935018" y="3689927"/>
+            <a:ext cx="600364" cy="2419927"/>
+          </a:xfrm>
+          <a:prstGeom prst="rect">
+            <a:avLst/>
+          </a:prstGeom>
+          <a:noFill/>
+        </p:spPr>
+        <p:style>
+          <a:lnRef idx="2">
+            <a:schemeClr val="accent1">
+              <a:shade val="15000"/>
+            </a:schemeClr>
+          </a:lnRef>
+          <a:fillRef idx="1">
+            <a:schemeClr val="accent1"/>
+          </a:fillRef>
+          <a:effectRef idx="0">
+            <a:schemeClr val="accent1"/>
+          </a:effectRef>
+          <a:fontRef idx="minor">
+            <a:schemeClr val="lt1"/>
+          </a:fontRef>
+        </p:style>
+        <p:txBody>
+          <a:bodyPr rtlCol="0" anchor="ctr"/>
+          <a:lstStyle/>
+          <a:p>
+            <a:pPr algn="ctr"/>
+            <a:endParaRPr kumimoji="1" lang="ja-JP" altLang="en-US"/>
+          </a:p>
+        </p:txBody>
+      </p:sp>
+      <p:sp>
+        <p:nvSpPr>
+          <p:cNvPr id="10" name="楕円 9">
+            <a:extLst>
+              <a:ext uri="{FF2B5EF4-FFF2-40B4-BE49-F238E27FC236}">
+                <a16:creationId xmlns:a16="http://schemas.microsoft.com/office/drawing/2014/main" id="{0CFF4163-D8E7-6059-1325-C055EF0443C0}"/>
+              </a:ext>
+            </a:extLst>
+          </p:cNvPr>
+          <p:cNvSpPr/>
+          <p:nvPr/>
+        </p:nvSpPr>
+        <p:spPr>
+          <a:xfrm>
+            <a:off x="5560291" y="2937164"/>
+            <a:ext cx="258618" cy="258618"/>
+          </a:xfrm>
+          <a:prstGeom prst="ellipse">
+            <a:avLst/>
+          </a:prstGeom>
+          <a:solidFill>
+            <a:schemeClr val="bg1"/>
+          </a:solidFill>
+        </p:spPr>
+        <p:style>
+          <a:lnRef idx="2">
+            <a:schemeClr val="accent1">
+              <a:shade val="15000"/>
+            </a:schemeClr>
+          </a:lnRef>
+          <a:fillRef idx="1">
+            <a:schemeClr val="accent1"/>
+          </a:fillRef>
+          <a:effectRef idx="0">
+            <a:schemeClr val="accent1"/>
+          </a:effectRef>
+          <a:fontRef idx="minor">
+            <a:schemeClr val="lt1"/>
+          </a:fontRef>
+        </p:style>
+        <p:txBody>
+          <a:bodyPr rtlCol="0" anchor="ctr"/>
+          <a:lstStyle/>
+          <a:p>
+            <a:pPr algn="ctr"/>
+            <a:endParaRPr kumimoji="1" lang="ja-JP" altLang="en-US"/>
+          </a:p>
+        </p:txBody>
+      </p:sp>
+      <p:sp>
+        <p:nvSpPr>
+          <p:cNvPr id="11" name="楕円 10">
+            <a:extLst>
+              <a:ext uri="{FF2B5EF4-FFF2-40B4-BE49-F238E27FC236}">
+                <a16:creationId xmlns:a16="http://schemas.microsoft.com/office/drawing/2014/main" id="{84EFCD45-BA58-9715-57EC-12A13F4E575D}"/>
+              </a:ext>
+            </a:extLst>
+          </p:cNvPr>
+          <p:cNvSpPr/>
+          <p:nvPr/>
+        </p:nvSpPr>
+        <p:spPr>
+          <a:xfrm>
+            <a:off x="5560291" y="3260437"/>
+            <a:ext cx="258618" cy="258618"/>
+          </a:xfrm>
+          <a:prstGeom prst="ellipse">
+            <a:avLst/>
+          </a:prstGeom>
+          <a:solidFill>
+            <a:schemeClr val="bg1"/>
+          </a:solidFill>
+        </p:spPr>
+        <p:style>
+          <a:lnRef idx="2">
+            <a:schemeClr val="accent1">
+              <a:shade val="15000"/>
+            </a:schemeClr>
+          </a:lnRef>
+          <a:fillRef idx="1">
+            <a:schemeClr val="accent1"/>
+          </a:fillRef>
+          <a:effectRef idx="0">
+            <a:schemeClr val="accent1"/>
+          </a:effectRef>
+          <a:fontRef idx="minor">
+            <a:schemeClr val="lt1"/>
+          </a:fontRef>
+        </p:style>
+        <p:txBody>
+          <a:bodyPr rtlCol="0" anchor="ctr"/>
+          <a:lstStyle/>
+          <a:p>
+            <a:pPr algn="ctr"/>
+            <a:endParaRPr kumimoji="1" lang="ja-JP" altLang="en-US"/>
+          </a:p>
+        </p:txBody>
+      </p:sp>
+      <p:sp>
+        <p:nvSpPr>
+          <p:cNvPr id="12" name="楕円 11">
+            <a:extLst>
+              <a:ext uri="{FF2B5EF4-FFF2-40B4-BE49-F238E27FC236}">
+                <a16:creationId xmlns:a16="http://schemas.microsoft.com/office/drawing/2014/main" id="{DF0574F9-A747-41D8-723A-9714B175287D}"/>
+              </a:ext>
+            </a:extLst>
+          </p:cNvPr>
+          <p:cNvSpPr/>
+          <p:nvPr/>
+        </p:nvSpPr>
+        <p:spPr>
+          <a:xfrm>
+            <a:off x="5560291" y="3583710"/>
+            <a:ext cx="258618" cy="258618"/>
+          </a:xfrm>
+          <a:prstGeom prst="ellipse">
+            <a:avLst/>
+          </a:prstGeom>
+          <a:solidFill>
+            <a:schemeClr val="accent1"/>
+          </a:solidFill>
+        </p:spPr>
+        <p:style>
+          <a:lnRef idx="2">
+            <a:schemeClr val="accent1">
+              <a:shade val="15000"/>
+            </a:schemeClr>
+          </a:lnRef>
+          <a:fillRef idx="1">
+            <a:schemeClr val="accent1"/>
+          </a:fillRef>
+          <a:effectRef idx="0">
+            <a:schemeClr val="accent1"/>
+          </a:effectRef>
+          <a:fontRef idx="minor">
+            <a:schemeClr val="lt1"/>
+          </a:fontRef>
+        </p:style>
+        <p:txBody>
+          <a:bodyPr rtlCol="0" anchor="ctr"/>
+          <a:lstStyle/>
+          <a:p>
+            <a:pPr algn="ctr"/>
+            <a:endParaRPr kumimoji="1" lang="ja-JP" altLang="en-US"/>
+          </a:p>
+        </p:txBody>
+      </p:sp>
+      <p:sp>
+        <p:nvSpPr>
+          <p:cNvPr id="13" name="正方形/長方形 12">
+            <a:extLst>
+              <a:ext uri="{FF2B5EF4-FFF2-40B4-BE49-F238E27FC236}">
+                <a16:creationId xmlns:a16="http://schemas.microsoft.com/office/drawing/2014/main" id="{BFBE8CBD-7A56-1C5E-7C64-F5E9C04B116E}"/>
+              </a:ext>
+            </a:extLst>
+          </p:cNvPr>
+          <p:cNvSpPr/>
+          <p:nvPr/>
+        </p:nvSpPr>
+        <p:spPr>
+          <a:xfrm>
+            <a:off x="5389418" y="2609273"/>
+            <a:ext cx="600364" cy="1560946"/>
+          </a:xfrm>
+          <a:prstGeom prst="rect">
+            <a:avLst/>
+          </a:prstGeom>
+          <a:noFill/>
+        </p:spPr>
+        <p:style>
+          <a:lnRef idx="2">
+            <a:schemeClr val="accent1">
+              <a:shade val="15000"/>
+            </a:schemeClr>
+          </a:lnRef>
+          <a:fillRef idx="1">
+            <a:schemeClr val="accent1"/>
+          </a:fillRef>
+          <a:effectRef idx="0">
+            <a:schemeClr val="accent1"/>
+          </a:effectRef>
+          <a:fontRef idx="minor">
+            <a:schemeClr val="lt1"/>
+          </a:fontRef>
+        </p:style>
+        <p:txBody>
+          <a:bodyPr rtlCol="0" anchor="ctr"/>
+          <a:lstStyle/>
+          <a:p>
+            <a:pPr algn="ctr"/>
+            <a:endParaRPr kumimoji="1" lang="ja-JP" altLang="en-US"/>
+          </a:p>
+        </p:txBody>
+      </p:sp>
+      <p:sp>
+        <p:nvSpPr>
+          <p:cNvPr id="18" name="楕円 17">
+            <a:extLst>
+              <a:ext uri="{FF2B5EF4-FFF2-40B4-BE49-F238E27FC236}">
+                <a16:creationId xmlns:a16="http://schemas.microsoft.com/office/drawing/2014/main" id="{B36327BC-9CC0-94DA-12F4-EB3621B00947}"/>
+              </a:ext>
+            </a:extLst>
+          </p:cNvPr>
+          <p:cNvSpPr/>
+          <p:nvPr/>
+        </p:nvSpPr>
+        <p:spPr>
+          <a:xfrm>
+            <a:off x="2105891" y="2027382"/>
+            <a:ext cx="258618" cy="258618"/>
+          </a:xfrm>
+          <a:prstGeom prst="ellipse">
+            <a:avLst/>
+          </a:prstGeom>
+          <a:solidFill>
+            <a:schemeClr val="bg1"/>
+          </a:solidFill>
+        </p:spPr>
+        <p:style>
+          <a:lnRef idx="2">
+            <a:schemeClr val="accent1">
+              <a:shade val="15000"/>
+            </a:schemeClr>
+          </a:lnRef>
+          <a:fillRef idx="1">
+            <a:schemeClr val="accent1"/>
+          </a:fillRef>
+          <a:effectRef idx="0">
+            <a:schemeClr val="accent1"/>
+          </a:effectRef>
+          <a:fontRef idx="minor">
+            <a:schemeClr val="lt1"/>
+          </a:fontRef>
+        </p:style>
+        <p:txBody>
+          <a:bodyPr rtlCol="0" anchor="ctr"/>
+          <a:lstStyle/>
+          <a:p>
+            <a:pPr algn="ctr"/>
+            <a:endParaRPr kumimoji="1" lang="ja-JP" altLang="en-US"/>
+          </a:p>
+        </p:txBody>
+      </p:sp>
+      <p:sp>
+        <p:nvSpPr>
+          <p:cNvPr id="19" name="楕円 18">
+            <a:extLst>
+              <a:ext uri="{FF2B5EF4-FFF2-40B4-BE49-F238E27FC236}">
+                <a16:creationId xmlns:a16="http://schemas.microsoft.com/office/drawing/2014/main" id="{4F63D794-D2D2-B523-363D-1347E438D362}"/>
+              </a:ext>
+            </a:extLst>
+          </p:cNvPr>
+          <p:cNvSpPr/>
+          <p:nvPr/>
+        </p:nvSpPr>
+        <p:spPr>
+          <a:xfrm>
+            <a:off x="2105891" y="2350655"/>
+            <a:ext cx="258618" cy="258618"/>
+          </a:xfrm>
+          <a:prstGeom prst="ellipse">
+            <a:avLst/>
+          </a:prstGeom>
+          <a:solidFill>
+            <a:schemeClr val="bg1"/>
+          </a:solidFill>
+        </p:spPr>
+        <p:style>
+          <a:lnRef idx="2">
+            <a:schemeClr val="accent1">
+              <a:shade val="15000"/>
+            </a:schemeClr>
+          </a:lnRef>
+          <a:fillRef idx="1">
+            <a:schemeClr val="accent1"/>
+          </a:fillRef>
+          <a:effectRef idx="0">
+            <a:schemeClr val="accent1"/>
+          </a:effectRef>
+          <a:fontRef idx="minor">
+            <a:schemeClr val="lt1"/>
+          </a:fontRef>
+        </p:style>
+        <p:txBody>
+          <a:bodyPr rtlCol="0" anchor="ctr"/>
+          <a:lstStyle/>
+          <a:p>
+            <a:pPr algn="ctr"/>
+            <a:endParaRPr kumimoji="1" lang="ja-JP" altLang="en-US"/>
+          </a:p>
+        </p:txBody>
+      </p:sp>
+      <p:sp>
+        <p:nvSpPr>
+          <p:cNvPr id="20" name="楕円 19">
+            <a:extLst>
+              <a:ext uri="{FF2B5EF4-FFF2-40B4-BE49-F238E27FC236}">
+                <a16:creationId xmlns:a16="http://schemas.microsoft.com/office/drawing/2014/main" id="{488AA1C2-12CF-386E-C5C5-83B55C58B2E8}"/>
+              </a:ext>
+            </a:extLst>
+          </p:cNvPr>
+          <p:cNvSpPr/>
+          <p:nvPr/>
+        </p:nvSpPr>
+        <p:spPr>
+          <a:xfrm>
+            <a:off x="2105891" y="2673928"/>
+            <a:ext cx="258618" cy="258618"/>
+          </a:xfrm>
+          <a:prstGeom prst="ellipse">
+            <a:avLst/>
+          </a:prstGeom>
+          <a:solidFill>
+            <a:schemeClr val="bg1"/>
+          </a:solidFill>
+        </p:spPr>
+        <p:style>
+          <a:lnRef idx="2">
+            <a:schemeClr val="accent1">
+              <a:shade val="15000"/>
+            </a:schemeClr>
+          </a:lnRef>
+          <a:fillRef idx="1">
+            <a:schemeClr val="accent1"/>
+          </a:fillRef>
+          <a:effectRef idx="0">
+            <a:schemeClr val="accent1"/>
+          </a:effectRef>
+          <a:fontRef idx="minor">
+            <a:schemeClr val="lt1"/>
+          </a:fontRef>
+        </p:style>
+        <p:txBody>
+          <a:bodyPr rtlCol="0" anchor="ctr"/>
+          <a:lstStyle/>
+          <a:p>
+            <a:pPr algn="ctr"/>
+            <a:endParaRPr kumimoji="1" lang="ja-JP" altLang="en-US"/>
+          </a:p>
+        </p:txBody>
+      </p:sp>
+      <p:sp>
+        <p:nvSpPr>
+          <p:cNvPr id="21" name="楕円 20">
+            <a:extLst>
+              <a:ext uri="{FF2B5EF4-FFF2-40B4-BE49-F238E27FC236}">
+                <a16:creationId xmlns:a16="http://schemas.microsoft.com/office/drawing/2014/main" id="{F0C4BDF2-1904-BBF1-C3D1-E5785774276B}"/>
+              </a:ext>
+            </a:extLst>
+          </p:cNvPr>
+          <p:cNvSpPr/>
+          <p:nvPr/>
+        </p:nvSpPr>
+        <p:spPr>
+          <a:xfrm>
+            <a:off x="2105891" y="5019963"/>
+            <a:ext cx="258618" cy="258618"/>
+          </a:xfrm>
+          <a:prstGeom prst="ellipse">
+            <a:avLst/>
+          </a:prstGeom>
+          <a:solidFill>
+            <a:schemeClr val="bg1"/>
+          </a:solidFill>
+        </p:spPr>
+        <p:style>
+          <a:lnRef idx="2">
+            <a:schemeClr val="accent1">
+              <a:shade val="15000"/>
+            </a:schemeClr>
+          </a:lnRef>
+          <a:fillRef idx="1">
+            <a:schemeClr val="accent1"/>
+          </a:fillRef>
+          <a:effectRef idx="0">
+            <a:schemeClr val="accent1"/>
+          </a:effectRef>
+          <a:fontRef idx="minor">
+            <a:schemeClr val="lt1"/>
+          </a:fontRef>
+        </p:style>
+        <p:txBody>
+          <a:bodyPr rtlCol="0" anchor="ctr"/>
+          <a:lstStyle/>
+          <a:p>
+            <a:pPr algn="ctr"/>
+            <a:endParaRPr kumimoji="1" lang="ja-JP" altLang="en-US"/>
+          </a:p>
+        </p:txBody>
+      </p:sp>
+      <p:sp>
+        <p:nvSpPr>
+          <p:cNvPr id="22" name="楕円 21">
+            <a:extLst>
+              <a:ext uri="{FF2B5EF4-FFF2-40B4-BE49-F238E27FC236}">
+                <a16:creationId xmlns:a16="http://schemas.microsoft.com/office/drawing/2014/main" id="{97BECDE8-798F-FC21-5709-951B7D69D553}"/>
+              </a:ext>
+            </a:extLst>
+          </p:cNvPr>
+          <p:cNvSpPr/>
+          <p:nvPr/>
+        </p:nvSpPr>
+        <p:spPr>
+          <a:xfrm>
+            <a:off x="2105891" y="5343236"/>
+            <a:ext cx="258618" cy="258618"/>
+          </a:xfrm>
+          <a:prstGeom prst="ellipse">
+            <a:avLst/>
+          </a:prstGeom>
+          <a:solidFill>
+            <a:schemeClr val="bg1"/>
+          </a:solidFill>
+        </p:spPr>
+        <p:style>
+          <a:lnRef idx="2">
+            <a:schemeClr val="accent1">
+              <a:shade val="15000"/>
+            </a:schemeClr>
+          </a:lnRef>
+          <a:fillRef idx="1">
+            <a:schemeClr val="accent1"/>
+          </a:fillRef>
+          <a:effectRef idx="0">
+            <a:schemeClr val="accent1"/>
+          </a:effectRef>
+          <a:fontRef idx="minor">
+            <a:schemeClr val="lt1"/>
+          </a:fontRef>
+        </p:style>
+        <p:txBody>
+          <a:bodyPr rtlCol="0" anchor="ctr"/>
+          <a:lstStyle/>
+          <a:p>
+            <a:pPr algn="ctr"/>
+            <a:endParaRPr kumimoji="1" lang="ja-JP" altLang="en-US"/>
+          </a:p>
+        </p:txBody>
+      </p:sp>
+      <p:sp>
+        <p:nvSpPr>
+          <p:cNvPr id="23" name="楕円 22">
+            <a:extLst>
+              <a:ext uri="{FF2B5EF4-FFF2-40B4-BE49-F238E27FC236}">
+                <a16:creationId xmlns:a16="http://schemas.microsoft.com/office/drawing/2014/main" id="{364671A2-7A8C-EF06-5B14-27E07F6FE5A8}"/>
+              </a:ext>
+            </a:extLst>
+          </p:cNvPr>
+          <p:cNvSpPr/>
+          <p:nvPr/>
+        </p:nvSpPr>
+        <p:spPr>
+          <a:xfrm>
+            <a:off x="2105891" y="5666509"/>
+            <a:ext cx="258618" cy="258618"/>
+          </a:xfrm>
+          <a:prstGeom prst="ellipse">
+            <a:avLst/>
+          </a:prstGeom>
+          <a:solidFill>
+            <a:schemeClr val="bg1"/>
+          </a:solidFill>
+        </p:spPr>
+        <p:style>
+          <a:lnRef idx="2">
+            <a:schemeClr val="accent1">
+              <a:shade val="15000"/>
+            </a:schemeClr>
+          </a:lnRef>
+          <a:fillRef idx="1">
+            <a:schemeClr val="accent1"/>
+          </a:fillRef>
+          <a:effectRef idx="0">
+            <a:schemeClr val="accent1"/>
+          </a:effectRef>
+          <a:fontRef idx="minor">
+            <a:schemeClr val="lt1"/>
+          </a:fontRef>
+        </p:style>
+        <p:txBody>
+          <a:bodyPr rtlCol="0" anchor="ctr"/>
+          <a:lstStyle/>
+          <a:p>
+            <a:pPr algn="ctr"/>
+            <a:endParaRPr kumimoji="1" lang="ja-JP" altLang="en-US"/>
+          </a:p>
+        </p:txBody>
+      </p:sp>
+      <p:sp>
+        <p:nvSpPr>
+          <p:cNvPr id="24" name="楕円 23">
+            <a:extLst>
+              <a:ext uri="{FF2B5EF4-FFF2-40B4-BE49-F238E27FC236}">
+                <a16:creationId xmlns:a16="http://schemas.microsoft.com/office/drawing/2014/main" id="{86365B97-0536-5A8C-0790-DC84FA8236B0}"/>
+              </a:ext>
+            </a:extLst>
+          </p:cNvPr>
+          <p:cNvSpPr/>
+          <p:nvPr/>
+        </p:nvSpPr>
+        <p:spPr>
+          <a:xfrm>
+            <a:off x="9028548" y="2341421"/>
+            <a:ext cx="258618" cy="258618"/>
+          </a:xfrm>
+          <a:prstGeom prst="ellipse">
+            <a:avLst/>
+          </a:prstGeom>
+          <a:solidFill>
+            <a:schemeClr val="bg1"/>
+          </a:solidFill>
+        </p:spPr>
+        <p:style>
+          <a:lnRef idx="2">
+            <a:schemeClr val="accent1">
+              <a:shade val="15000"/>
+            </a:schemeClr>
+          </a:lnRef>
+          <a:fillRef idx="1">
+            <a:schemeClr val="accent1"/>
+          </a:fillRef>
+          <a:effectRef idx="0">
+            <a:schemeClr val="accent1"/>
+          </a:effectRef>
+          <a:fontRef idx="minor">
+            <a:schemeClr val="lt1"/>
+          </a:fontRef>
+        </p:style>
+        <p:txBody>
+          <a:bodyPr rtlCol="0" anchor="ctr"/>
+          <a:lstStyle/>
+          <a:p>
+            <a:pPr algn="ctr"/>
+            <a:endParaRPr kumimoji="1" lang="ja-JP" altLang="en-US"/>
+          </a:p>
+        </p:txBody>
+      </p:sp>
+      <p:sp>
+        <p:nvSpPr>
+          <p:cNvPr id="25" name="楕円 24">
+            <a:extLst>
+              <a:ext uri="{FF2B5EF4-FFF2-40B4-BE49-F238E27FC236}">
+                <a16:creationId xmlns:a16="http://schemas.microsoft.com/office/drawing/2014/main" id="{BD7774EE-AD9A-3CAC-D3E7-E3D8C6BD329B}"/>
+              </a:ext>
+            </a:extLst>
+          </p:cNvPr>
+          <p:cNvSpPr/>
+          <p:nvPr/>
+        </p:nvSpPr>
+        <p:spPr>
+          <a:xfrm>
+            <a:off x="9028548" y="2664694"/>
+            <a:ext cx="258618" cy="258618"/>
+          </a:xfrm>
+          <a:prstGeom prst="ellipse">
+            <a:avLst/>
+          </a:prstGeom>
+          <a:solidFill>
+            <a:schemeClr val="accent1"/>
+          </a:solidFill>
+        </p:spPr>
+        <p:style>
+          <a:lnRef idx="2">
+            <a:schemeClr val="accent1">
+              <a:shade val="15000"/>
+            </a:schemeClr>
+          </a:lnRef>
+          <a:fillRef idx="1">
+            <a:schemeClr val="accent1"/>
+          </a:fillRef>
+          <a:effectRef idx="0">
+            <a:schemeClr val="accent1"/>
+          </a:effectRef>
+          <a:fontRef idx="minor">
+            <a:schemeClr val="lt1"/>
+          </a:fontRef>
+        </p:style>
+        <p:txBody>
+          <a:bodyPr rtlCol="0" anchor="ctr"/>
+          <a:lstStyle/>
+          <a:p>
+            <a:pPr algn="ctr"/>
+            <a:endParaRPr kumimoji="1" lang="ja-JP" altLang="en-US"/>
+          </a:p>
+        </p:txBody>
+      </p:sp>
+      <p:sp>
+        <p:nvSpPr>
+          <p:cNvPr id="26" name="楕円 25">
+            <a:extLst>
+              <a:ext uri="{FF2B5EF4-FFF2-40B4-BE49-F238E27FC236}">
+                <a16:creationId xmlns:a16="http://schemas.microsoft.com/office/drawing/2014/main" id="{9A3C764A-31BE-AA3A-EDDC-CE300C5D5C9C}"/>
+              </a:ext>
+            </a:extLst>
+          </p:cNvPr>
+          <p:cNvSpPr/>
+          <p:nvPr/>
+        </p:nvSpPr>
+        <p:spPr>
+          <a:xfrm>
+            <a:off x="9028548" y="2987967"/>
+            <a:ext cx="258618" cy="258618"/>
+          </a:xfrm>
+          <a:prstGeom prst="ellipse">
+            <a:avLst/>
+          </a:prstGeom>
+          <a:solidFill>
+            <a:schemeClr val="bg1"/>
+          </a:solidFill>
+        </p:spPr>
+        <p:style>
+          <a:lnRef idx="2">
+            <a:schemeClr val="accent1">
+              <a:shade val="15000"/>
+            </a:schemeClr>
+          </a:lnRef>
+          <a:fillRef idx="1">
+            <a:schemeClr val="accent1"/>
+          </a:fillRef>
+          <a:effectRef idx="0">
+            <a:schemeClr val="accent1"/>
+          </a:effectRef>
+          <a:fontRef idx="minor">
+            <a:schemeClr val="lt1"/>
+          </a:fontRef>
+        </p:style>
+        <p:txBody>
+          <a:bodyPr rtlCol="0" anchor="ctr"/>
+          <a:lstStyle/>
+          <a:p>
+            <a:pPr algn="ctr"/>
+            <a:endParaRPr kumimoji="1" lang="ja-JP" altLang="en-US"/>
+          </a:p>
+        </p:txBody>
+      </p:sp>
+      <p:sp>
+        <p:nvSpPr>
+          <p:cNvPr id="27" name="正方形/長方形 26">
+            <a:extLst>
+              <a:ext uri="{FF2B5EF4-FFF2-40B4-BE49-F238E27FC236}">
+                <a16:creationId xmlns:a16="http://schemas.microsoft.com/office/drawing/2014/main" id="{98532F49-2E3B-7949-10C7-666589EB0F3D}"/>
+              </a:ext>
+            </a:extLst>
+          </p:cNvPr>
+          <p:cNvSpPr/>
+          <p:nvPr/>
+        </p:nvSpPr>
+        <p:spPr>
+          <a:xfrm>
+            <a:off x="8857675" y="2133601"/>
+            <a:ext cx="600364" cy="2419927"/>
+          </a:xfrm>
+          <a:prstGeom prst="rect">
+            <a:avLst/>
+          </a:prstGeom>
+          <a:noFill/>
+        </p:spPr>
+        <p:style>
+          <a:lnRef idx="2">
+            <a:schemeClr val="accent1">
+              <a:shade val="15000"/>
+            </a:schemeClr>
+          </a:lnRef>
+          <a:fillRef idx="1">
+            <a:schemeClr val="accent1"/>
+          </a:fillRef>
+          <a:effectRef idx="0">
+            <a:schemeClr val="accent1"/>
+          </a:effectRef>
+          <a:fontRef idx="minor">
+            <a:schemeClr val="lt1"/>
+          </a:fontRef>
+        </p:style>
+        <p:txBody>
+          <a:bodyPr rtlCol="0" anchor="ctr"/>
+          <a:lstStyle/>
+          <a:p>
+            <a:pPr algn="ctr"/>
+            <a:endParaRPr kumimoji="1" lang="ja-JP" altLang="en-US"/>
+          </a:p>
+        </p:txBody>
+      </p:sp>
+      <p:sp>
+        <p:nvSpPr>
+          <p:cNvPr id="28" name="楕円 27">
+            <a:extLst>
+              <a:ext uri="{FF2B5EF4-FFF2-40B4-BE49-F238E27FC236}">
+                <a16:creationId xmlns:a16="http://schemas.microsoft.com/office/drawing/2014/main" id="{295C5BC2-6C9E-9E30-82DC-678DED3A00D3}"/>
+              </a:ext>
+            </a:extLst>
+          </p:cNvPr>
+          <p:cNvSpPr/>
+          <p:nvPr/>
+        </p:nvSpPr>
+        <p:spPr>
+          <a:xfrm>
+            <a:off x="9028548" y="3343565"/>
+            <a:ext cx="258618" cy="258618"/>
+          </a:xfrm>
+          <a:prstGeom prst="ellipse">
+            <a:avLst/>
+          </a:prstGeom>
+          <a:solidFill>
+            <a:schemeClr val="bg1"/>
+          </a:solidFill>
+        </p:spPr>
+        <p:style>
+          <a:lnRef idx="2">
+            <a:schemeClr val="accent1">
+              <a:shade val="15000"/>
+            </a:schemeClr>
+          </a:lnRef>
+          <a:fillRef idx="1">
+            <a:schemeClr val="accent1"/>
+          </a:fillRef>
+          <a:effectRef idx="0">
+            <a:schemeClr val="accent1"/>
+          </a:effectRef>
+          <a:fontRef idx="minor">
+            <a:schemeClr val="lt1"/>
+          </a:fontRef>
+        </p:style>
+        <p:txBody>
+          <a:bodyPr rtlCol="0" anchor="ctr"/>
+          <a:lstStyle/>
+          <a:p>
+            <a:pPr algn="ctr"/>
+            <a:endParaRPr kumimoji="1" lang="ja-JP" altLang="en-US"/>
+          </a:p>
+        </p:txBody>
+      </p:sp>
+      <p:sp>
+        <p:nvSpPr>
+          <p:cNvPr id="29" name="楕円 28">
+            <a:extLst>
+              <a:ext uri="{FF2B5EF4-FFF2-40B4-BE49-F238E27FC236}">
+                <a16:creationId xmlns:a16="http://schemas.microsoft.com/office/drawing/2014/main" id="{61A51B89-D33F-6AD4-BD00-CC48D89164E6}"/>
+              </a:ext>
+            </a:extLst>
+          </p:cNvPr>
+          <p:cNvSpPr/>
+          <p:nvPr/>
+        </p:nvSpPr>
+        <p:spPr>
+          <a:xfrm>
+            <a:off x="9028548" y="3666838"/>
+            <a:ext cx="258618" cy="258618"/>
+          </a:xfrm>
+          <a:prstGeom prst="ellipse">
+            <a:avLst/>
+          </a:prstGeom>
+          <a:solidFill>
+            <a:schemeClr val="bg1"/>
+          </a:solidFill>
+        </p:spPr>
+        <p:style>
+          <a:lnRef idx="2">
+            <a:schemeClr val="accent1">
+              <a:shade val="15000"/>
+            </a:schemeClr>
+          </a:lnRef>
+          <a:fillRef idx="1">
+            <a:schemeClr val="accent1"/>
+          </a:fillRef>
+          <a:effectRef idx="0">
+            <a:schemeClr val="accent1"/>
+          </a:effectRef>
+          <a:fontRef idx="minor">
+            <a:schemeClr val="lt1"/>
+          </a:fontRef>
+        </p:style>
+        <p:txBody>
+          <a:bodyPr rtlCol="0" anchor="ctr"/>
+          <a:lstStyle/>
+          <a:p>
+            <a:pPr algn="ctr"/>
+            <a:endParaRPr kumimoji="1" lang="ja-JP" altLang="en-US"/>
+          </a:p>
+        </p:txBody>
+      </p:sp>
+      <p:sp>
+        <p:nvSpPr>
+          <p:cNvPr id="30" name="楕円 29">
+            <a:extLst>
+              <a:ext uri="{FF2B5EF4-FFF2-40B4-BE49-F238E27FC236}">
+                <a16:creationId xmlns:a16="http://schemas.microsoft.com/office/drawing/2014/main" id="{640648AB-5CD9-C7CC-D585-260D067B99CD}"/>
+              </a:ext>
+            </a:extLst>
+          </p:cNvPr>
+          <p:cNvSpPr/>
+          <p:nvPr/>
+        </p:nvSpPr>
+        <p:spPr>
+          <a:xfrm>
+            <a:off x="9028548" y="3990111"/>
+            <a:ext cx="258618" cy="258618"/>
+          </a:xfrm>
+          <a:prstGeom prst="ellipse">
+            <a:avLst/>
+          </a:prstGeom>
+          <a:solidFill>
+            <a:schemeClr val="bg1"/>
+          </a:solidFill>
+        </p:spPr>
+        <p:style>
+          <a:lnRef idx="2">
+            <a:schemeClr val="accent1">
+              <a:shade val="15000"/>
+            </a:schemeClr>
+          </a:lnRef>
+          <a:fillRef idx="1">
+            <a:schemeClr val="accent1"/>
+          </a:fillRef>
+          <a:effectRef idx="0">
+            <a:schemeClr val="accent1"/>
+          </a:effectRef>
+          <a:fontRef idx="minor">
+            <a:schemeClr val="lt1"/>
+          </a:fontRef>
+        </p:style>
+        <p:txBody>
+          <a:bodyPr rtlCol="0" anchor="ctr"/>
+          <a:lstStyle/>
+          <a:p>
+            <a:pPr algn="ctr"/>
+            <a:endParaRPr kumimoji="1" lang="ja-JP" altLang="en-US"/>
+          </a:p>
+        </p:txBody>
+      </p:sp>
+      <p:cxnSp>
+        <p:nvCxnSpPr>
+          <p:cNvPr id="32" name="直線コネクタ 31">
+            <a:extLst>
+              <a:ext uri="{FF2B5EF4-FFF2-40B4-BE49-F238E27FC236}">
+                <a16:creationId xmlns:a16="http://schemas.microsoft.com/office/drawing/2014/main" id="{A272143B-F54A-8AA3-9F6B-1C3D42F9B0CC}"/>
+              </a:ext>
+            </a:extLst>
+          </p:cNvPr>
+          <p:cNvCxnSpPr>
+            <a:stCxn id="8" idx="0"/>
+            <a:endCxn id="13" idx="0"/>
+          </p:cNvCxnSpPr>
+          <p:nvPr/>
+        </p:nvCxnSpPr>
+        <p:spPr>
+          <a:xfrm>
+            <a:off x="2235200" y="748145"/>
+            <a:ext cx="3454400" cy="1861128"/>
+          </a:xfrm>
+          <a:prstGeom prst="line">
+            <a:avLst/>
+          </a:prstGeom>
+        </p:spPr>
+        <p:style>
+          <a:lnRef idx="1">
+            <a:schemeClr val="accent1"/>
+          </a:lnRef>
+          <a:fillRef idx="0">
+            <a:schemeClr val="accent1"/>
+          </a:fillRef>
+          <a:effectRef idx="0">
+            <a:schemeClr val="accent1"/>
+          </a:effectRef>
+          <a:fontRef idx="minor">
+            <a:schemeClr val="tx1"/>
+          </a:fontRef>
+        </p:style>
+      </p:cxnSp>
+      <p:cxnSp>
+        <p:nvCxnSpPr>
+          <p:cNvPr id="34" name="直線矢印コネクタ 33">
+            <a:extLst>
+              <a:ext uri="{FF2B5EF4-FFF2-40B4-BE49-F238E27FC236}">
+                <a16:creationId xmlns:a16="http://schemas.microsoft.com/office/drawing/2014/main" id="{37B17D53-2AD5-700A-9DB7-7A4947715411}"/>
+              </a:ext>
+            </a:extLst>
+          </p:cNvPr>
+          <p:cNvCxnSpPr>
+            <a:stCxn id="8" idx="2"/>
+            <a:endCxn id="13" idx="2"/>
+          </p:cNvCxnSpPr>
+          <p:nvPr/>
+        </p:nvCxnSpPr>
+        <p:spPr>
+          <a:xfrm>
+            <a:off x="2235200" y="3218873"/>
+            <a:ext cx="3454400" cy="951346"/>
+          </a:xfrm>
+          <a:prstGeom prst="straightConnector1">
+            <a:avLst/>
+          </a:prstGeom>
+          <a:ln>
+            <a:tailEnd type="triangle"/>
+          </a:ln>
+        </p:spPr>
+        <p:style>
+          <a:lnRef idx="1">
+            <a:schemeClr val="accent1"/>
+          </a:lnRef>
+          <a:fillRef idx="0">
+            <a:schemeClr val="accent1"/>
+          </a:fillRef>
+          <a:effectRef idx="0">
+            <a:schemeClr val="accent1"/>
+          </a:effectRef>
+          <a:fontRef idx="minor">
+            <a:schemeClr val="tx1"/>
+          </a:fontRef>
+        </p:style>
+      </p:cxnSp>
+      <p:cxnSp>
+        <p:nvCxnSpPr>
+          <p:cNvPr id="36" name="直線矢印コネクタ 35">
+            <a:extLst>
+              <a:ext uri="{FF2B5EF4-FFF2-40B4-BE49-F238E27FC236}">
+                <a16:creationId xmlns:a16="http://schemas.microsoft.com/office/drawing/2014/main" id="{01DACF0A-2440-5396-7849-348FF2796338}"/>
+              </a:ext>
+            </a:extLst>
+          </p:cNvPr>
+          <p:cNvCxnSpPr>
+            <a:stCxn id="9" idx="0"/>
+            <a:endCxn id="13" idx="0"/>
+          </p:cNvCxnSpPr>
+          <p:nvPr/>
+        </p:nvCxnSpPr>
+        <p:spPr>
+          <a:xfrm flipV="1">
+            <a:off x="2235200" y="2609273"/>
+            <a:ext cx="3454400" cy="1080654"/>
+          </a:xfrm>
+          <a:prstGeom prst="straightConnector1">
+            <a:avLst/>
+          </a:prstGeom>
+          <a:ln>
+            <a:tailEnd type="triangle"/>
+          </a:ln>
+        </p:spPr>
+        <p:style>
+          <a:lnRef idx="1">
+            <a:schemeClr val="accent1"/>
+          </a:lnRef>
+          <a:fillRef idx="0">
+            <a:schemeClr val="accent1"/>
+          </a:fillRef>
+          <a:effectRef idx="0">
+            <a:schemeClr val="accent1"/>
+          </a:effectRef>
+          <a:fontRef idx="minor">
+            <a:schemeClr val="tx1"/>
+          </a:fontRef>
+        </p:style>
+      </p:cxnSp>
+      <p:cxnSp>
+        <p:nvCxnSpPr>
+          <p:cNvPr id="38" name="直線矢印コネクタ 37">
+            <a:extLst>
+              <a:ext uri="{FF2B5EF4-FFF2-40B4-BE49-F238E27FC236}">
+                <a16:creationId xmlns:a16="http://schemas.microsoft.com/office/drawing/2014/main" id="{8A63D978-6DE1-A1C8-B2DF-D63A80949D56}"/>
+              </a:ext>
+            </a:extLst>
+          </p:cNvPr>
+          <p:cNvCxnSpPr>
+            <a:stCxn id="9" idx="2"/>
+            <a:endCxn id="13" idx="2"/>
+          </p:cNvCxnSpPr>
+          <p:nvPr/>
+        </p:nvCxnSpPr>
+        <p:spPr>
+          <a:xfrm flipV="1">
+            <a:off x="2235200" y="4170219"/>
+            <a:ext cx="3454400" cy="1939635"/>
+          </a:xfrm>
+          <a:prstGeom prst="straightConnector1">
+            <a:avLst/>
+          </a:prstGeom>
+          <a:ln>
+            <a:tailEnd type="triangle"/>
+          </a:ln>
+        </p:spPr>
+        <p:style>
+          <a:lnRef idx="1">
+            <a:schemeClr val="accent1"/>
+          </a:lnRef>
+          <a:fillRef idx="0">
+            <a:schemeClr val="accent1"/>
+          </a:fillRef>
+          <a:effectRef idx="0">
+            <a:schemeClr val="accent1"/>
+          </a:effectRef>
+          <a:fontRef idx="minor">
+            <a:schemeClr val="tx1"/>
+          </a:fontRef>
+        </p:style>
+      </p:cxnSp>
+      <p:cxnSp>
+        <p:nvCxnSpPr>
+          <p:cNvPr id="40" name="直線矢印コネクタ 39">
+            <a:extLst>
+              <a:ext uri="{FF2B5EF4-FFF2-40B4-BE49-F238E27FC236}">
+                <a16:creationId xmlns:a16="http://schemas.microsoft.com/office/drawing/2014/main" id="{5A76CE72-13F0-BE05-9126-06BD4A46B5B8}"/>
+              </a:ext>
+            </a:extLst>
+          </p:cNvPr>
+          <p:cNvCxnSpPr>
+            <a:stCxn id="13" idx="0"/>
+            <a:endCxn id="27" idx="0"/>
+          </p:cNvCxnSpPr>
+          <p:nvPr/>
+        </p:nvCxnSpPr>
+        <p:spPr>
+          <a:xfrm flipV="1">
+            <a:off x="5689600" y="2133601"/>
+            <a:ext cx="3468257" cy="475672"/>
+          </a:xfrm>
+          <a:prstGeom prst="straightConnector1">
+            <a:avLst/>
+          </a:prstGeom>
+          <a:ln>
+            <a:tailEnd type="triangle"/>
+          </a:ln>
+        </p:spPr>
+        <p:style>
+          <a:lnRef idx="1">
+            <a:schemeClr val="accent1"/>
+          </a:lnRef>
+          <a:fillRef idx="0">
+            <a:schemeClr val="accent1"/>
+          </a:fillRef>
+          <a:effectRef idx="0">
+            <a:schemeClr val="accent1"/>
+          </a:effectRef>
+          <a:fontRef idx="minor">
+            <a:schemeClr val="tx1"/>
+          </a:fontRef>
+        </p:style>
+      </p:cxnSp>
+      <p:cxnSp>
+        <p:nvCxnSpPr>
+          <p:cNvPr id="42" name="直線矢印コネクタ 41">
+            <a:extLst>
+              <a:ext uri="{FF2B5EF4-FFF2-40B4-BE49-F238E27FC236}">
+                <a16:creationId xmlns:a16="http://schemas.microsoft.com/office/drawing/2014/main" id="{6E38092F-6B6A-AABD-B4EF-8AF4F2B80D90}"/>
+              </a:ext>
+            </a:extLst>
+          </p:cNvPr>
+          <p:cNvCxnSpPr>
+            <a:stCxn id="13" idx="2"/>
+            <a:endCxn id="27" idx="2"/>
+          </p:cNvCxnSpPr>
+          <p:nvPr/>
+        </p:nvCxnSpPr>
+        <p:spPr>
+          <a:xfrm>
+            <a:off x="5689600" y="4170219"/>
+            <a:ext cx="3468257" cy="383309"/>
+          </a:xfrm>
+          <a:prstGeom prst="straightConnector1">
+            <a:avLst/>
+          </a:prstGeom>
+          <a:ln>
+            <a:tailEnd type="triangle"/>
+          </a:ln>
+        </p:spPr>
+        <p:style>
+          <a:lnRef idx="1">
+            <a:schemeClr val="accent1"/>
+          </a:lnRef>
+          <a:fillRef idx="0">
+            <a:schemeClr val="accent1"/>
+          </a:fillRef>
+          <a:effectRef idx="0">
+            <a:schemeClr val="accent1"/>
+          </a:effectRef>
+          <a:fontRef idx="minor">
+            <a:schemeClr val="tx1"/>
+          </a:fontRef>
+        </p:style>
+      </p:cxnSp>
+      <p:sp>
+        <p:nvSpPr>
+          <p:cNvPr id="43" name="テキスト ボックス 42">
+            <a:extLst>
+              <a:ext uri="{FF2B5EF4-FFF2-40B4-BE49-F238E27FC236}">
+                <a16:creationId xmlns:a16="http://schemas.microsoft.com/office/drawing/2014/main" id="{8658DF8B-22E2-1E8E-D7DF-1DF898A61C99}"/>
+              </a:ext>
+            </a:extLst>
+          </p:cNvPr>
+          <p:cNvSpPr txBox="1"/>
+          <p:nvPr/>
+        </p:nvSpPr>
+        <p:spPr>
+          <a:xfrm>
+            <a:off x="3046668" y="2184461"/>
+            <a:ext cx="1208985" cy="369332"/>
+          </a:xfrm>
+          <a:prstGeom prst="rect">
+            <a:avLst/>
+          </a:prstGeom>
+          <a:noFill/>
+        </p:spPr>
+        <p:txBody>
+          <a:bodyPr wrap="none" rtlCol="0">
+            <a:spAutoFit/>
+          </a:bodyPr>
+          <a:lstStyle/>
+          <a:p>
+            <a:r>
+              <a:rPr kumimoji="1" lang="en-US" altLang="ja-JP" dirty="0"/>
+              <a:t>Win (9x3)</a:t>
+            </a:r>
+            <a:endParaRPr kumimoji="1" lang="ja-JP" altLang="en-US" dirty="0"/>
+          </a:p>
+        </p:txBody>
+      </p:sp>
+      <p:sp>
+        <p:nvSpPr>
+          <p:cNvPr id="44" name="テキスト ボックス 43">
+            <a:extLst>
+              <a:ext uri="{FF2B5EF4-FFF2-40B4-BE49-F238E27FC236}">
+                <a16:creationId xmlns:a16="http://schemas.microsoft.com/office/drawing/2014/main" id="{F561DFBD-C521-C5A1-6786-76394816239B}"/>
+              </a:ext>
+            </a:extLst>
+          </p:cNvPr>
+          <p:cNvSpPr txBox="1"/>
+          <p:nvPr/>
+        </p:nvSpPr>
+        <p:spPr>
+          <a:xfrm>
+            <a:off x="3046667" y="4244173"/>
+            <a:ext cx="1208985" cy="369332"/>
+          </a:xfrm>
+          <a:prstGeom prst="rect">
+            <a:avLst/>
+          </a:prstGeom>
+          <a:noFill/>
+        </p:spPr>
+        <p:txBody>
+          <a:bodyPr wrap="none" rtlCol="0">
+            <a:spAutoFit/>
+          </a:bodyPr>
+          <a:lstStyle/>
+          <a:p>
+            <a:r>
+              <a:rPr kumimoji="1" lang="en-US" altLang="ja-JP" dirty="0"/>
+              <a:t>Win (9x3)</a:t>
+            </a:r>
+            <a:endParaRPr kumimoji="1" lang="ja-JP" altLang="en-US" dirty="0"/>
+          </a:p>
+        </p:txBody>
+      </p:sp>
+      <p:sp>
+        <p:nvSpPr>
+          <p:cNvPr id="45" name="テキスト ボックス 44">
+            <a:extLst>
+              <a:ext uri="{FF2B5EF4-FFF2-40B4-BE49-F238E27FC236}">
+                <a16:creationId xmlns:a16="http://schemas.microsoft.com/office/drawing/2014/main" id="{6328C6A9-0545-D939-EB06-141D15E6DD67}"/>
+              </a:ext>
+            </a:extLst>
+          </p:cNvPr>
+          <p:cNvSpPr txBox="1"/>
+          <p:nvPr/>
+        </p:nvSpPr>
+        <p:spPr>
+          <a:xfrm>
+            <a:off x="6803563" y="3260437"/>
+            <a:ext cx="1359668" cy="369332"/>
+          </a:xfrm>
+          <a:prstGeom prst="rect">
+            <a:avLst/>
+          </a:prstGeom>
+          <a:noFill/>
+        </p:spPr>
+        <p:txBody>
+          <a:bodyPr wrap="none" rtlCol="0">
+            <a:spAutoFit/>
+          </a:bodyPr>
+          <a:lstStyle/>
+          <a:p>
+            <a:r>
+              <a:rPr kumimoji="1" lang="en-US" altLang="ja-JP" dirty="0" err="1"/>
+              <a:t>Wout</a:t>
+            </a:r>
+            <a:r>
+              <a:rPr kumimoji="1" lang="en-US" altLang="ja-JP" dirty="0"/>
+              <a:t> (3x9)</a:t>
+            </a:r>
+            <a:endParaRPr kumimoji="1" lang="ja-JP" altLang="en-US" dirty="0"/>
+          </a:p>
+        </p:txBody>
+      </p:sp>
+      <p:sp>
+        <p:nvSpPr>
+          <p:cNvPr id="46" name="テキスト ボックス 45">
+            <a:extLst>
+              <a:ext uri="{FF2B5EF4-FFF2-40B4-BE49-F238E27FC236}">
+                <a16:creationId xmlns:a16="http://schemas.microsoft.com/office/drawing/2014/main" id="{724D5E4F-4679-FF31-006D-3345CB5A9F6D}"/>
+              </a:ext>
+            </a:extLst>
+          </p:cNvPr>
+          <p:cNvSpPr txBox="1"/>
+          <p:nvPr/>
+        </p:nvSpPr>
+        <p:spPr>
+          <a:xfrm>
+            <a:off x="997527" y="1385455"/>
+            <a:ext cx="845103" cy="369332"/>
+          </a:xfrm>
+          <a:prstGeom prst="rect">
+            <a:avLst/>
+          </a:prstGeom>
+          <a:noFill/>
+        </p:spPr>
+        <p:txBody>
+          <a:bodyPr wrap="none" rtlCol="0">
+            <a:spAutoFit/>
+          </a:bodyPr>
+          <a:lstStyle/>
+          <a:p>
+            <a:r>
+              <a:rPr kumimoji="1" lang="en-US" altLang="ja-JP" dirty="0"/>
+              <a:t>prince</a:t>
+            </a:r>
+            <a:endParaRPr kumimoji="1" lang="ja-JP" altLang="en-US" dirty="0"/>
+          </a:p>
+        </p:txBody>
+      </p:sp>
+      <p:sp>
+        <p:nvSpPr>
+          <p:cNvPr id="47" name="テキスト ボックス 46">
+            <a:extLst>
+              <a:ext uri="{FF2B5EF4-FFF2-40B4-BE49-F238E27FC236}">
+                <a16:creationId xmlns:a16="http://schemas.microsoft.com/office/drawing/2014/main" id="{4CE5CC2E-126D-F3C1-7E64-B47E347FC849}"/>
+              </a:ext>
+            </a:extLst>
+          </p:cNvPr>
+          <p:cNvSpPr txBox="1"/>
+          <p:nvPr/>
+        </p:nvSpPr>
+        <p:spPr>
+          <a:xfrm>
+            <a:off x="876658" y="4613505"/>
+            <a:ext cx="1079142" cy="369332"/>
+          </a:xfrm>
+          <a:prstGeom prst="rect">
+            <a:avLst/>
+          </a:prstGeom>
+          <a:noFill/>
+        </p:spPr>
+        <p:txBody>
+          <a:bodyPr wrap="none" rtlCol="0">
+            <a:spAutoFit/>
+          </a:bodyPr>
+          <a:lstStyle/>
+          <a:p>
+            <a:r>
+              <a:rPr kumimoji="1" lang="en-US" altLang="ja-JP" dirty="0"/>
+              <a:t>princess</a:t>
+            </a:r>
+            <a:endParaRPr kumimoji="1" lang="ja-JP" altLang="en-US" dirty="0"/>
+          </a:p>
+        </p:txBody>
+      </p:sp>
+      <p:sp>
+        <p:nvSpPr>
+          <p:cNvPr id="48" name="テキスト ボックス 47">
+            <a:extLst>
+              <a:ext uri="{FF2B5EF4-FFF2-40B4-BE49-F238E27FC236}">
+                <a16:creationId xmlns:a16="http://schemas.microsoft.com/office/drawing/2014/main" id="{53D9D0D4-F44F-5BC6-0050-C32C6C3A5081}"/>
+              </a:ext>
+            </a:extLst>
+          </p:cNvPr>
+          <p:cNvSpPr txBox="1"/>
+          <p:nvPr/>
+        </p:nvSpPr>
+        <p:spPr>
+          <a:xfrm>
+            <a:off x="9628912" y="2964934"/>
+            <a:ext cx="748923" cy="369332"/>
+          </a:xfrm>
+          <a:prstGeom prst="rect">
+            <a:avLst/>
+          </a:prstGeom>
+          <a:noFill/>
+        </p:spPr>
+        <p:txBody>
+          <a:bodyPr wrap="none" rtlCol="0">
+            <a:spAutoFit/>
+          </a:bodyPr>
+          <a:lstStyle/>
+          <a:p>
+            <a:r>
+              <a:rPr kumimoji="1" lang="en-US" altLang="ja-JP" dirty="0"/>
+              <a:t>loved</a:t>
+            </a:r>
+            <a:endParaRPr kumimoji="1" lang="ja-JP" altLang="en-US" dirty="0"/>
+          </a:p>
+        </p:txBody>
+      </p:sp>
+    </p:spTree>
+    <p:extLst>
+      <p:ext uri="{BB962C8B-B14F-4D97-AF65-F5344CB8AC3E}">
+        <p14:creationId xmlns:p14="http://schemas.microsoft.com/office/powerpoint/2010/main" val="2729866815"/>
+      </p:ext>
+    </p:extLst>
+  </p:cSld>
+  <p:clrMapOvr>
+    <a:masterClrMapping/>
+  </p:clrMapOvr>
+</p:sld>
+</file>
+
+<file path=ppt/slides/slide7.xml><?xml version="1.0" encoding="utf-8"?>
+<p:sld xmlns:a="http://schemas.openxmlformats.org/drawingml/2006/main" xmlns:r="http://schemas.openxmlformats.org/officeDocument/2006/relationships" xmlns:p="http://schemas.openxmlformats.org/presentationml/2006/main">
+  <p:cSld>
+    <p:spTree>
+      <p:nvGrpSpPr>
+        <p:cNvPr id="1" name=""/>
+        <p:cNvGrpSpPr/>
+        <p:nvPr/>
+      </p:nvGrpSpPr>
+      <p:grpSpPr>
+        <a:xfrm>
+          <a:off x="0" y="0"/>
+          <a:ext cx="0" cy="0"/>
+          <a:chOff x="0" y="0"/>
+          <a:chExt cx="0" cy="0"/>
+        </a:xfrm>
+      </p:grpSpPr>
+      <p:sp>
+        <p:nvSpPr>
+          <p:cNvPr id="2" name="正方形/長方形 1">
+            <a:extLst>
+              <a:ext uri="{FF2B5EF4-FFF2-40B4-BE49-F238E27FC236}">
+                <a16:creationId xmlns:a16="http://schemas.microsoft.com/office/drawing/2014/main" id="{8B4A86EE-F2AA-3018-7047-6FCEA099CE4B}"/>
+              </a:ext>
+            </a:extLst>
+          </p:cNvPr>
+          <p:cNvSpPr/>
+          <p:nvPr/>
+        </p:nvSpPr>
+        <p:spPr>
+          <a:xfrm>
+            <a:off x="1330039" y="858982"/>
+            <a:ext cx="1616364" cy="1985818"/>
+          </a:xfrm>
+          <a:prstGeom prst="rect">
+            <a:avLst/>
+          </a:prstGeom>
+        </p:spPr>
+        <p:style>
+          <a:lnRef idx="2">
+            <a:schemeClr val="accent1">
+              <a:shade val="15000"/>
+            </a:schemeClr>
+          </a:lnRef>
+          <a:fillRef idx="1">
+            <a:schemeClr val="accent1"/>
+          </a:fillRef>
+          <a:effectRef idx="0">
+            <a:schemeClr val="accent1"/>
+          </a:effectRef>
+          <a:fontRef idx="minor">
+            <a:schemeClr val="lt1"/>
+          </a:fontRef>
+        </p:style>
+        <p:txBody>
+          <a:bodyPr rtlCol="0" anchor="ctr"/>
+          <a:lstStyle/>
+          <a:p>
+            <a:pPr algn="ctr"/>
+            <a:r>
+              <a:rPr kumimoji="1" lang="en-US" altLang="ja-JP" dirty="0" err="1"/>
+              <a:t>MatMul</a:t>
+            </a:r>
+            <a:endParaRPr kumimoji="1" lang="en-US" altLang="ja-JP" dirty="0"/>
+          </a:p>
+          <a:p>
+            <a:pPr algn="ctr"/>
+            <a:endParaRPr lang="en-US" altLang="ja-JP" dirty="0"/>
+          </a:p>
+          <a:p>
+            <a:pPr algn="ctr"/>
+            <a:r>
+              <a:rPr kumimoji="1" lang="en-US" altLang="ja-JP" dirty="0"/>
+              <a:t>Win</a:t>
+            </a:r>
+            <a:endParaRPr kumimoji="1" lang="ja-JP" altLang="en-US" dirty="0"/>
+          </a:p>
+        </p:txBody>
+      </p:sp>
+      <p:sp>
+        <p:nvSpPr>
+          <p:cNvPr id="3" name="正方形/長方形 2">
+            <a:extLst>
+              <a:ext uri="{FF2B5EF4-FFF2-40B4-BE49-F238E27FC236}">
+                <a16:creationId xmlns:a16="http://schemas.microsoft.com/office/drawing/2014/main" id="{75FEDE04-2E93-C1B9-C32A-837C22C97245}"/>
+              </a:ext>
+            </a:extLst>
+          </p:cNvPr>
+          <p:cNvSpPr/>
+          <p:nvPr/>
+        </p:nvSpPr>
+        <p:spPr>
+          <a:xfrm>
+            <a:off x="1330039" y="3906982"/>
+            <a:ext cx="1616364" cy="1985818"/>
+          </a:xfrm>
+          <a:prstGeom prst="rect">
+            <a:avLst/>
+          </a:prstGeom>
+        </p:spPr>
+        <p:style>
+          <a:lnRef idx="2">
+            <a:schemeClr val="accent1">
+              <a:shade val="15000"/>
+            </a:schemeClr>
+          </a:lnRef>
+          <a:fillRef idx="1">
+            <a:schemeClr val="accent1"/>
+          </a:fillRef>
+          <a:effectRef idx="0">
+            <a:schemeClr val="accent1"/>
+          </a:effectRef>
+          <a:fontRef idx="minor">
+            <a:schemeClr val="lt1"/>
+          </a:fontRef>
+        </p:style>
+        <p:txBody>
+          <a:bodyPr rtlCol="0" anchor="ctr"/>
+          <a:lstStyle/>
+          <a:p>
+            <a:pPr algn="ctr"/>
+            <a:r>
+              <a:rPr kumimoji="1" lang="en-US" altLang="ja-JP" dirty="0" err="1"/>
+              <a:t>MatMul</a:t>
+            </a:r>
+            <a:endParaRPr kumimoji="1" lang="en-US" altLang="ja-JP" dirty="0"/>
+          </a:p>
+          <a:p>
+            <a:pPr algn="ctr"/>
+            <a:endParaRPr lang="en-US" altLang="ja-JP" dirty="0"/>
+          </a:p>
+          <a:p>
+            <a:pPr algn="ctr"/>
+            <a:r>
+              <a:rPr kumimoji="1" lang="en-US" altLang="ja-JP" dirty="0"/>
+              <a:t>Win</a:t>
+            </a:r>
+            <a:endParaRPr kumimoji="1" lang="ja-JP" altLang="en-US" dirty="0"/>
+          </a:p>
+        </p:txBody>
+      </p:sp>
+      <p:sp>
+        <p:nvSpPr>
+          <p:cNvPr id="4" name="楕円 3">
+            <a:extLst>
+              <a:ext uri="{FF2B5EF4-FFF2-40B4-BE49-F238E27FC236}">
+                <a16:creationId xmlns:a16="http://schemas.microsoft.com/office/drawing/2014/main" id="{F360F8DA-C288-F327-DFFC-0E469EE0594F}"/>
+              </a:ext>
+            </a:extLst>
+          </p:cNvPr>
+          <p:cNvSpPr/>
+          <p:nvPr/>
+        </p:nvSpPr>
+        <p:spPr>
+          <a:xfrm>
+            <a:off x="3620655" y="3068782"/>
+            <a:ext cx="683490" cy="720436"/>
+          </a:xfrm>
+          <a:prstGeom prst="ellipse">
+            <a:avLst/>
+          </a:prstGeom>
+        </p:spPr>
+        <p:style>
+          <a:lnRef idx="2">
+            <a:schemeClr val="accent1">
+              <a:shade val="15000"/>
+            </a:schemeClr>
+          </a:lnRef>
+          <a:fillRef idx="1">
+            <a:schemeClr val="accent1"/>
+          </a:fillRef>
+          <a:effectRef idx="0">
+            <a:schemeClr val="accent1"/>
+          </a:effectRef>
+          <a:fontRef idx="minor">
+            <a:schemeClr val="lt1"/>
+          </a:fontRef>
+        </p:style>
+        <p:txBody>
+          <a:bodyPr rtlCol="0" anchor="ctr"/>
+          <a:lstStyle/>
+          <a:p>
+            <a:pPr algn="ctr"/>
+            <a:r>
+              <a:rPr kumimoji="1" lang="en-US" altLang="ja-JP" dirty="0"/>
+              <a:t>+</a:t>
+            </a:r>
+            <a:endParaRPr kumimoji="1" lang="ja-JP" altLang="en-US" dirty="0"/>
+          </a:p>
+        </p:txBody>
+      </p:sp>
+      <p:sp>
+        <p:nvSpPr>
+          <p:cNvPr id="5" name="楕円 4">
+            <a:extLst>
+              <a:ext uri="{FF2B5EF4-FFF2-40B4-BE49-F238E27FC236}">
+                <a16:creationId xmlns:a16="http://schemas.microsoft.com/office/drawing/2014/main" id="{DE00B325-4331-A3CA-05B1-E9FC4EF51C3B}"/>
+              </a:ext>
+            </a:extLst>
+          </p:cNvPr>
+          <p:cNvSpPr/>
+          <p:nvPr/>
+        </p:nvSpPr>
+        <p:spPr>
+          <a:xfrm>
+            <a:off x="5033818" y="3068782"/>
+            <a:ext cx="683490" cy="720436"/>
+          </a:xfrm>
+          <a:prstGeom prst="ellipse">
+            <a:avLst/>
+          </a:prstGeom>
+        </p:spPr>
+        <p:style>
+          <a:lnRef idx="2">
+            <a:schemeClr val="accent1">
+              <a:shade val="15000"/>
+            </a:schemeClr>
+          </a:lnRef>
+          <a:fillRef idx="1">
+            <a:schemeClr val="accent1"/>
+          </a:fillRef>
+          <a:effectRef idx="0">
+            <a:schemeClr val="accent1"/>
+          </a:effectRef>
+          <a:fontRef idx="minor">
+            <a:schemeClr val="lt1"/>
+          </a:fontRef>
+        </p:style>
+        <p:txBody>
+          <a:bodyPr rtlCol="0" anchor="ctr"/>
+          <a:lstStyle/>
+          <a:p>
+            <a:pPr algn="ctr"/>
+            <a:r>
+              <a:rPr kumimoji="1" lang="en-US" altLang="ja-JP" dirty="0"/>
+              <a:t>x</a:t>
+            </a:r>
+            <a:endParaRPr kumimoji="1" lang="ja-JP" altLang="en-US" dirty="0"/>
+          </a:p>
+        </p:txBody>
+      </p:sp>
+      <p:sp>
+        <p:nvSpPr>
+          <p:cNvPr id="6" name="正方形/長方形 5">
+            <a:extLst>
+              <a:ext uri="{FF2B5EF4-FFF2-40B4-BE49-F238E27FC236}">
+                <a16:creationId xmlns:a16="http://schemas.microsoft.com/office/drawing/2014/main" id="{440374F0-42DB-9675-C761-CA81743FE1A9}"/>
+              </a:ext>
+            </a:extLst>
+          </p:cNvPr>
+          <p:cNvSpPr/>
+          <p:nvPr/>
+        </p:nvSpPr>
+        <p:spPr>
+          <a:xfrm>
+            <a:off x="6197601" y="2436091"/>
+            <a:ext cx="1415346" cy="1985818"/>
+          </a:xfrm>
+          <a:prstGeom prst="rect">
+            <a:avLst/>
+          </a:prstGeom>
+        </p:spPr>
+        <p:style>
+          <a:lnRef idx="2">
+            <a:schemeClr val="accent1">
+              <a:shade val="15000"/>
+            </a:schemeClr>
+          </a:lnRef>
+          <a:fillRef idx="1">
+            <a:schemeClr val="accent1"/>
+          </a:fillRef>
+          <a:effectRef idx="0">
+            <a:schemeClr val="accent1"/>
+          </a:effectRef>
+          <a:fontRef idx="minor">
+            <a:schemeClr val="lt1"/>
+          </a:fontRef>
+        </p:style>
+        <p:txBody>
+          <a:bodyPr rtlCol="0" anchor="ctr"/>
+          <a:lstStyle/>
+          <a:p>
+            <a:pPr algn="ctr"/>
+            <a:r>
+              <a:rPr kumimoji="1" lang="en-US" altLang="ja-JP" dirty="0" err="1"/>
+              <a:t>MatMul</a:t>
+            </a:r>
+            <a:endParaRPr kumimoji="1" lang="en-US" altLang="ja-JP" dirty="0"/>
+          </a:p>
+          <a:p>
+            <a:pPr algn="ctr"/>
+            <a:endParaRPr lang="en-US" altLang="ja-JP" dirty="0"/>
+          </a:p>
+          <a:p>
+            <a:pPr algn="ctr"/>
+            <a:r>
+              <a:rPr kumimoji="1" lang="en-US" altLang="ja-JP" dirty="0" err="1"/>
+              <a:t>Wout</a:t>
+            </a:r>
+            <a:endParaRPr kumimoji="1" lang="ja-JP" altLang="en-US" dirty="0"/>
+          </a:p>
+        </p:txBody>
+      </p:sp>
+      <p:sp>
+        <p:nvSpPr>
+          <p:cNvPr id="7" name="正方形/長方形 6">
+            <a:extLst>
+              <a:ext uri="{FF2B5EF4-FFF2-40B4-BE49-F238E27FC236}">
+                <a16:creationId xmlns:a16="http://schemas.microsoft.com/office/drawing/2014/main" id="{E29B5C03-4787-5F0B-A43B-4F248D121388}"/>
+              </a:ext>
+            </a:extLst>
+          </p:cNvPr>
+          <p:cNvSpPr/>
+          <p:nvPr/>
+        </p:nvSpPr>
+        <p:spPr>
+          <a:xfrm>
+            <a:off x="9072186" y="2436091"/>
+            <a:ext cx="1115523" cy="1985818"/>
+          </a:xfrm>
+          <a:prstGeom prst="rect">
+            <a:avLst/>
+          </a:prstGeom>
+        </p:spPr>
+        <p:style>
+          <a:lnRef idx="2">
+            <a:schemeClr val="accent1">
+              <a:shade val="15000"/>
+            </a:schemeClr>
+          </a:lnRef>
+          <a:fillRef idx="1">
+            <a:schemeClr val="accent1"/>
+          </a:fillRef>
+          <a:effectRef idx="0">
+            <a:schemeClr val="accent1"/>
+          </a:effectRef>
+          <a:fontRef idx="minor">
+            <a:schemeClr val="lt1"/>
+          </a:fontRef>
+        </p:style>
+        <p:txBody>
+          <a:bodyPr rtlCol="0" anchor="ctr"/>
+          <a:lstStyle/>
+          <a:p>
+            <a:pPr algn="ctr"/>
+            <a:r>
+              <a:rPr kumimoji="1" lang="en-US" altLang="ja-JP" dirty="0" err="1"/>
+              <a:t>Softmax</a:t>
+            </a:r>
+            <a:endParaRPr kumimoji="1" lang="ja-JP" altLang="en-US" dirty="0"/>
+          </a:p>
+        </p:txBody>
+      </p:sp>
+      <p:cxnSp>
+        <p:nvCxnSpPr>
+          <p:cNvPr id="9" name="直線矢印コネクタ 8">
+            <a:extLst>
+              <a:ext uri="{FF2B5EF4-FFF2-40B4-BE49-F238E27FC236}">
+                <a16:creationId xmlns:a16="http://schemas.microsoft.com/office/drawing/2014/main" id="{545174C6-462A-E15A-1BCB-3385C296B497}"/>
+              </a:ext>
+            </a:extLst>
+          </p:cNvPr>
+          <p:cNvCxnSpPr>
+            <a:stCxn id="2" idx="3"/>
+            <a:endCxn id="4" idx="0"/>
+          </p:cNvCxnSpPr>
+          <p:nvPr/>
+        </p:nvCxnSpPr>
+        <p:spPr>
+          <a:xfrm>
+            <a:off x="2946403" y="1851891"/>
+            <a:ext cx="1015997" cy="1216891"/>
+          </a:xfrm>
+          <a:prstGeom prst="straightConnector1">
+            <a:avLst/>
+          </a:prstGeom>
+          <a:ln>
+            <a:tailEnd type="triangle"/>
+          </a:ln>
+        </p:spPr>
+        <p:style>
+          <a:lnRef idx="1">
+            <a:schemeClr val="accent1"/>
+          </a:lnRef>
+          <a:fillRef idx="0">
+            <a:schemeClr val="accent1"/>
+          </a:fillRef>
+          <a:effectRef idx="0">
+            <a:schemeClr val="accent1"/>
+          </a:effectRef>
+          <a:fontRef idx="minor">
+            <a:schemeClr val="tx1"/>
+          </a:fontRef>
+        </p:style>
+      </p:cxnSp>
+      <p:cxnSp>
+        <p:nvCxnSpPr>
+          <p:cNvPr id="11" name="直線矢印コネクタ 10">
+            <a:extLst>
+              <a:ext uri="{FF2B5EF4-FFF2-40B4-BE49-F238E27FC236}">
+                <a16:creationId xmlns:a16="http://schemas.microsoft.com/office/drawing/2014/main" id="{7797477C-5D2E-E6C3-DC54-27DDE31E969E}"/>
+              </a:ext>
+            </a:extLst>
+          </p:cNvPr>
+          <p:cNvCxnSpPr>
+            <a:stCxn id="3" idx="3"/>
+            <a:endCxn id="4" idx="4"/>
+          </p:cNvCxnSpPr>
+          <p:nvPr/>
+        </p:nvCxnSpPr>
+        <p:spPr>
+          <a:xfrm flipV="1">
+            <a:off x="2946403" y="3789218"/>
+            <a:ext cx="1015997" cy="1110673"/>
+          </a:xfrm>
+          <a:prstGeom prst="straightConnector1">
+            <a:avLst/>
+          </a:prstGeom>
+          <a:ln>
+            <a:tailEnd type="triangle"/>
+          </a:ln>
+        </p:spPr>
+        <p:style>
+          <a:lnRef idx="1">
+            <a:schemeClr val="accent1"/>
+          </a:lnRef>
+          <a:fillRef idx="0">
+            <a:schemeClr val="accent1"/>
+          </a:fillRef>
+          <a:effectRef idx="0">
+            <a:schemeClr val="accent1"/>
+          </a:effectRef>
+          <a:fontRef idx="minor">
+            <a:schemeClr val="tx1"/>
+          </a:fontRef>
+        </p:style>
+      </p:cxnSp>
+      <p:cxnSp>
+        <p:nvCxnSpPr>
+          <p:cNvPr id="13" name="直線コネクタ 12">
+            <a:extLst>
+              <a:ext uri="{FF2B5EF4-FFF2-40B4-BE49-F238E27FC236}">
+                <a16:creationId xmlns:a16="http://schemas.microsoft.com/office/drawing/2014/main" id="{EF6312EC-4657-B3A3-3F2C-CA561D9C84C5}"/>
+              </a:ext>
+            </a:extLst>
+          </p:cNvPr>
+          <p:cNvCxnSpPr/>
+          <p:nvPr/>
+        </p:nvCxnSpPr>
+        <p:spPr>
+          <a:xfrm>
+            <a:off x="3796145" y="4899891"/>
+            <a:ext cx="895928" cy="0"/>
+          </a:xfrm>
+          <a:prstGeom prst="line">
+            <a:avLst/>
+          </a:prstGeom>
+        </p:spPr>
+        <p:style>
+          <a:lnRef idx="1">
+            <a:schemeClr val="accent1"/>
+          </a:lnRef>
+          <a:fillRef idx="0">
+            <a:schemeClr val="accent1"/>
+          </a:fillRef>
+          <a:effectRef idx="0">
+            <a:schemeClr val="accent1"/>
+          </a:effectRef>
+          <a:fontRef idx="minor">
+            <a:schemeClr val="tx1"/>
+          </a:fontRef>
+        </p:style>
+      </p:cxnSp>
+      <p:cxnSp>
+        <p:nvCxnSpPr>
+          <p:cNvPr id="15" name="直線矢印コネクタ 14">
+            <a:extLst>
+              <a:ext uri="{FF2B5EF4-FFF2-40B4-BE49-F238E27FC236}">
+                <a16:creationId xmlns:a16="http://schemas.microsoft.com/office/drawing/2014/main" id="{6E3DAA09-C5EC-9C9D-1218-615B609CC645}"/>
+              </a:ext>
+            </a:extLst>
+          </p:cNvPr>
+          <p:cNvCxnSpPr>
+            <a:endCxn id="5" idx="4"/>
+          </p:cNvCxnSpPr>
+          <p:nvPr/>
+        </p:nvCxnSpPr>
+        <p:spPr>
+          <a:xfrm flipV="1">
+            <a:off x="4710545" y="3789218"/>
+            <a:ext cx="665018" cy="1110673"/>
+          </a:xfrm>
+          <a:prstGeom prst="straightConnector1">
+            <a:avLst/>
+          </a:prstGeom>
+          <a:ln>
+            <a:tailEnd type="triangle"/>
+          </a:ln>
+        </p:spPr>
+        <p:style>
+          <a:lnRef idx="1">
+            <a:schemeClr val="accent1"/>
+          </a:lnRef>
+          <a:fillRef idx="0">
+            <a:schemeClr val="accent1"/>
+          </a:fillRef>
+          <a:effectRef idx="0">
+            <a:schemeClr val="accent1"/>
+          </a:effectRef>
+          <a:fontRef idx="minor">
+            <a:schemeClr val="tx1"/>
+          </a:fontRef>
+        </p:style>
+      </p:cxnSp>
+      <p:cxnSp>
+        <p:nvCxnSpPr>
+          <p:cNvPr id="17" name="直線矢印コネクタ 16">
+            <a:extLst>
+              <a:ext uri="{FF2B5EF4-FFF2-40B4-BE49-F238E27FC236}">
+                <a16:creationId xmlns:a16="http://schemas.microsoft.com/office/drawing/2014/main" id="{599E10FD-9E49-69EF-9786-95D47CF9CDA2}"/>
+              </a:ext>
+            </a:extLst>
+          </p:cNvPr>
+          <p:cNvCxnSpPr>
+            <a:stCxn id="4" idx="6"/>
+            <a:endCxn id="5" idx="2"/>
+          </p:cNvCxnSpPr>
+          <p:nvPr/>
+        </p:nvCxnSpPr>
+        <p:spPr>
+          <a:xfrm>
+            <a:off x="4304145" y="3429000"/>
+            <a:ext cx="729673" cy="0"/>
+          </a:xfrm>
+          <a:prstGeom prst="straightConnector1">
+            <a:avLst/>
+          </a:prstGeom>
+          <a:ln>
+            <a:tailEnd type="triangle"/>
+          </a:ln>
+        </p:spPr>
+        <p:style>
+          <a:lnRef idx="1">
+            <a:schemeClr val="accent1"/>
+          </a:lnRef>
+          <a:fillRef idx="0">
+            <a:schemeClr val="accent1"/>
+          </a:fillRef>
+          <a:effectRef idx="0">
+            <a:schemeClr val="accent1"/>
+          </a:effectRef>
+          <a:fontRef idx="minor">
+            <a:schemeClr val="tx1"/>
+          </a:fontRef>
+        </p:style>
+      </p:cxnSp>
+      <p:cxnSp>
+        <p:nvCxnSpPr>
+          <p:cNvPr id="19" name="直線矢印コネクタ 18">
+            <a:extLst>
+              <a:ext uri="{FF2B5EF4-FFF2-40B4-BE49-F238E27FC236}">
+                <a16:creationId xmlns:a16="http://schemas.microsoft.com/office/drawing/2014/main" id="{648A8DEA-AF2D-FF59-077D-7A274437868A}"/>
+              </a:ext>
+            </a:extLst>
+          </p:cNvPr>
+          <p:cNvCxnSpPr>
+            <a:cxnSpLocks/>
+            <a:stCxn id="5" idx="6"/>
+            <a:endCxn id="6" idx="1"/>
+          </p:cNvCxnSpPr>
+          <p:nvPr/>
+        </p:nvCxnSpPr>
+        <p:spPr>
+          <a:xfrm>
+            <a:off x="5717308" y="3429000"/>
+            <a:ext cx="480293" cy="0"/>
+          </a:xfrm>
+          <a:prstGeom prst="straightConnector1">
+            <a:avLst/>
+          </a:prstGeom>
+          <a:ln>
+            <a:tailEnd type="triangle"/>
+          </a:ln>
+        </p:spPr>
+        <p:style>
+          <a:lnRef idx="1">
+            <a:schemeClr val="accent1"/>
+          </a:lnRef>
+          <a:fillRef idx="0">
+            <a:schemeClr val="accent1"/>
+          </a:fillRef>
+          <a:effectRef idx="0">
+            <a:schemeClr val="accent1"/>
+          </a:effectRef>
+          <a:fontRef idx="minor">
+            <a:schemeClr val="tx1"/>
+          </a:fontRef>
+        </p:style>
+      </p:cxnSp>
+      <p:cxnSp>
+        <p:nvCxnSpPr>
+          <p:cNvPr id="21" name="直線矢印コネクタ 20">
+            <a:extLst>
+              <a:ext uri="{FF2B5EF4-FFF2-40B4-BE49-F238E27FC236}">
+                <a16:creationId xmlns:a16="http://schemas.microsoft.com/office/drawing/2014/main" id="{E6939E61-288C-85CC-A0FD-5C5D97EBED62}"/>
+              </a:ext>
+            </a:extLst>
+          </p:cNvPr>
+          <p:cNvCxnSpPr>
+            <a:cxnSpLocks/>
+            <a:stCxn id="6" idx="3"/>
+            <a:endCxn id="7" idx="1"/>
+          </p:cNvCxnSpPr>
+          <p:nvPr/>
+        </p:nvCxnSpPr>
+        <p:spPr>
+          <a:xfrm>
+            <a:off x="7612947" y="3429000"/>
+            <a:ext cx="1459239" cy="0"/>
+          </a:xfrm>
+          <a:prstGeom prst="straightConnector1">
+            <a:avLst/>
+          </a:prstGeom>
+          <a:ln>
+            <a:tailEnd type="triangle"/>
+          </a:ln>
+        </p:spPr>
+        <p:style>
+          <a:lnRef idx="1">
+            <a:schemeClr val="accent1"/>
+          </a:lnRef>
+          <a:fillRef idx="0">
+            <a:schemeClr val="accent1"/>
+          </a:fillRef>
+          <a:effectRef idx="0">
+            <a:schemeClr val="accent1"/>
+          </a:effectRef>
+          <a:fontRef idx="minor">
+            <a:schemeClr val="tx1"/>
+          </a:fontRef>
+        </p:style>
+      </p:cxnSp>
+      <p:cxnSp>
+        <p:nvCxnSpPr>
+          <p:cNvPr id="24" name="直線矢印コネクタ 23">
+            <a:extLst>
+              <a:ext uri="{FF2B5EF4-FFF2-40B4-BE49-F238E27FC236}">
+                <a16:creationId xmlns:a16="http://schemas.microsoft.com/office/drawing/2014/main" id="{A22FB335-A0D8-39BF-DCFB-46B2880716BC}"/>
+              </a:ext>
+            </a:extLst>
+          </p:cNvPr>
+          <p:cNvCxnSpPr>
+            <a:cxnSpLocks/>
+            <a:stCxn id="7" idx="3"/>
+          </p:cNvCxnSpPr>
+          <p:nvPr/>
+        </p:nvCxnSpPr>
+        <p:spPr>
+          <a:xfrm>
+            <a:off x="10187709" y="3429000"/>
+            <a:ext cx="1062182" cy="0"/>
+          </a:xfrm>
+          <a:prstGeom prst="straightConnector1">
+            <a:avLst/>
+          </a:prstGeom>
+          <a:ln>
+            <a:tailEnd type="triangle"/>
+          </a:ln>
+        </p:spPr>
+        <p:style>
+          <a:lnRef idx="1">
+            <a:schemeClr val="accent1"/>
+          </a:lnRef>
+          <a:fillRef idx="0">
+            <a:schemeClr val="accent1"/>
+          </a:fillRef>
+          <a:effectRef idx="0">
+            <a:schemeClr val="accent1"/>
+          </a:effectRef>
+          <a:fontRef idx="minor">
+            <a:schemeClr val="tx1"/>
+          </a:fontRef>
+        </p:style>
+      </p:cxnSp>
+      <p:cxnSp>
+        <p:nvCxnSpPr>
+          <p:cNvPr id="26" name="直線矢印コネクタ 25">
+            <a:extLst>
+              <a:ext uri="{FF2B5EF4-FFF2-40B4-BE49-F238E27FC236}">
+                <a16:creationId xmlns:a16="http://schemas.microsoft.com/office/drawing/2014/main" id="{70D56149-CBC8-A23F-3303-97A67588929C}"/>
+              </a:ext>
+            </a:extLst>
+          </p:cNvPr>
+          <p:cNvCxnSpPr>
+            <a:endCxn id="2" idx="1"/>
+          </p:cNvCxnSpPr>
+          <p:nvPr/>
+        </p:nvCxnSpPr>
+        <p:spPr>
+          <a:xfrm>
+            <a:off x="350982" y="1851891"/>
+            <a:ext cx="979057" cy="0"/>
+          </a:xfrm>
+          <a:prstGeom prst="straightConnector1">
+            <a:avLst/>
+          </a:prstGeom>
+          <a:ln>
+            <a:tailEnd type="triangle"/>
+          </a:ln>
+        </p:spPr>
+        <p:style>
+          <a:lnRef idx="1">
+            <a:schemeClr val="accent1"/>
+          </a:lnRef>
+          <a:fillRef idx="0">
+            <a:schemeClr val="accent1"/>
+          </a:fillRef>
+          <a:effectRef idx="0">
+            <a:schemeClr val="accent1"/>
+          </a:effectRef>
+          <a:fontRef idx="minor">
+            <a:schemeClr val="tx1"/>
+          </a:fontRef>
+        </p:style>
+      </p:cxnSp>
+      <p:cxnSp>
+        <p:nvCxnSpPr>
+          <p:cNvPr id="28" name="直線矢印コネクタ 27">
+            <a:extLst>
+              <a:ext uri="{FF2B5EF4-FFF2-40B4-BE49-F238E27FC236}">
+                <a16:creationId xmlns:a16="http://schemas.microsoft.com/office/drawing/2014/main" id="{64F9A03E-108C-F09A-A658-4C8E91E95430}"/>
+              </a:ext>
+            </a:extLst>
+          </p:cNvPr>
+          <p:cNvCxnSpPr>
+            <a:cxnSpLocks/>
+            <a:endCxn id="3" idx="1"/>
+          </p:cNvCxnSpPr>
+          <p:nvPr/>
+        </p:nvCxnSpPr>
+        <p:spPr>
+          <a:xfrm>
+            <a:off x="461816" y="4899891"/>
+            <a:ext cx="868223" cy="0"/>
+          </a:xfrm>
+          <a:prstGeom prst="straightConnector1">
+            <a:avLst/>
+          </a:prstGeom>
+          <a:ln>
+            <a:tailEnd type="triangle"/>
+          </a:ln>
+        </p:spPr>
+        <p:style>
+          <a:lnRef idx="1">
+            <a:schemeClr val="accent1"/>
+          </a:lnRef>
+          <a:fillRef idx="0">
+            <a:schemeClr val="accent1"/>
+          </a:fillRef>
+          <a:effectRef idx="0">
+            <a:schemeClr val="accent1"/>
+          </a:effectRef>
+          <a:fontRef idx="minor">
+            <a:schemeClr val="tx1"/>
+          </a:fontRef>
+        </p:style>
+      </p:cxnSp>
+      <p:sp>
+        <p:nvSpPr>
+          <p:cNvPr id="30" name="テキスト ボックス 29">
+            <a:extLst>
+              <a:ext uri="{FF2B5EF4-FFF2-40B4-BE49-F238E27FC236}">
+                <a16:creationId xmlns:a16="http://schemas.microsoft.com/office/drawing/2014/main" id="{DF6F8A15-AF27-EE30-B1AB-0B7A4D3EDC34}"/>
+              </a:ext>
+            </a:extLst>
+          </p:cNvPr>
+          <p:cNvSpPr txBox="1"/>
+          <p:nvPr/>
+        </p:nvSpPr>
+        <p:spPr>
+          <a:xfrm>
+            <a:off x="350982" y="1293091"/>
+            <a:ext cx="939681" cy="523220"/>
+          </a:xfrm>
+          <a:prstGeom prst="rect">
+            <a:avLst/>
+          </a:prstGeom>
+          <a:noFill/>
+        </p:spPr>
+        <p:txBody>
+          <a:bodyPr wrap="none" rtlCol="0">
+            <a:spAutoFit/>
+          </a:bodyPr>
+          <a:lstStyle/>
+          <a:p>
+            <a:r>
+              <a:rPr kumimoji="1" lang="en-US" altLang="ja-JP" sz="1400" dirty="0"/>
+              <a:t>prince</a:t>
+            </a:r>
+          </a:p>
+          <a:p>
+            <a:r>
+              <a:rPr lang="en-US" altLang="ja-JP" sz="1400" dirty="0"/>
+              <a:t>[1,0,0,…]</a:t>
+            </a:r>
+            <a:endParaRPr kumimoji="1" lang="ja-JP" altLang="en-US" sz="1400" dirty="0"/>
+          </a:p>
+        </p:txBody>
+      </p:sp>
+      <p:sp>
+        <p:nvSpPr>
+          <p:cNvPr id="31" name="テキスト ボックス 30">
+            <a:extLst>
+              <a:ext uri="{FF2B5EF4-FFF2-40B4-BE49-F238E27FC236}">
+                <a16:creationId xmlns:a16="http://schemas.microsoft.com/office/drawing/2014/main" id="{E895A835-62C3-475E-87A4-4DD6553AADAF}"/>
+              </a:ext>
+            </a:extLst>
+          </p:cNvPr>
+          <p:cNvSpPr txBox="1"/>
+          <p:nvPr/>
+        </p:nvSpPr>
+        <p:spPr>
+          <a:xfrm>
+            <a:off x="350982" y="4248727"/>
+            <a:ext cx="939681" cy="523220"/>
+          </a:xfrm>
+          <a:prstGeom prst="rect">
+            <a:avLst/>
+          </a:prstGeom>
+          <a:noFill/>
+        </p:spPr>
+        <p:txBody>
+          <a:bodyPr wrap="none" rtlCol="0">
+            <a:spAutoFit/>
+          </a:bodyPr>
+          <a:lstStyle/>
+          <a:p>
+            <a:r>
+              <a:rPr kumimoji="1" lang="en-US" altLang="ja-JP" sz="1400" dirty="0"/>
+              <a:t>princess</a:t>
+            </a:r>
+          </a:p>
+          <a:p>
+            <a:r>
+              <a:rPr lang="en-US" altLang="ja-JP" sz="1400" dirty="0"/>
+              <a:t>[0,0,1,…]</a:t>
+            </a:r>
+            <a:endParaRPr kumimoji="1" lang="ja-JP" altLang="en-US" sz="1400" dirty="0"/>
+          </a:p>
+        </p:txBody>
+      </p:sp>
+      <p:sp>
+        <p:nvSpPr>
+          <p:cNvPr id="32" name="テキスト ボックス 31">
+            <a:extLst>
+              <a:ext uri="{FF2B5EF4-FFF2-40B4-BE49-F238E27FC236}">
+                <a16:creationId xmlns:a16="http://schemas.microsoft.com/office/drawing/2014/main" id="{FBEC68FD-CAB2-ACB8-823B-EC293ECFCF8A}"/>
+              </a:ext>
+            </a:extLst>
+          </p:cNvPr>
+          <p:cNvSpPr txBox="1"/>
+          <p:nvPr/>
+        </p:nvSpPr>
+        <p:spPr>
+          <a:xfrm>
+            <a:off x="4143727" y="4510337"/>
+            <a:ext cx="500458" cy="369332"/>
+          </a:xfrm>
+          <a:prstGeom prst="rect">
+            <a:avLst/>
+          </a:prstGeom>
+          <a:noFill/>
+        </p:spPr>
+        <p:txBody>
+          <a:bodyPr wrap="none" rtlCol="0">
+            <a:spAutoFit/>
+          </a:bodyPr>
+          <a:lstStyle/>
+          <a:p>
+            <a:r>
+              <a:rPr kumimoji="1" lang="en-US" altLang="ja-JP" dirty="0"/>
+              <a:t>0.5</a:t>
+            </a:r>
+            <a:endParaRPr kumimoji="1" lang="ja-JP" altLang="en-US" dirty="0"/>
+          </a:p>
+        </p:txBody>
+      </p:sp>
+      <p:sp>
+        <p:nvSpPr>
+          <p:cNvPr id="33" name="テキスト ボックス 32">
+            <a:extLst>
+              <a:ext uri="{FF2B5EF4-FFF2-40B4-BE49-F238E27FC236}">
+                <a16:creationId xmlns:a16="http://schemas.microsoft.com/office/drawing/2014/main" id="{0B01D6BC-417C-EDFC-F043-FD1012618806}"/>
+              </a:ext>
+            </a:extLst>
+          </p:cNvPr>
+          <p:cNvSpPr txBox="1"/>
+          <p:nvPr/>
+        </p:nvSpPr>
+        <p:spPr>
+          <a:xfrm>
+            <a:off x="7656840" y="2801142"/>
+            <a:ext cx="1415346" cy="646331"/>
+          </a:xfrm>
+          <a:prstGeom prst="rect">
+            <a:avLst/>
+          </a:prstGeom>
+          <a:noFill/>
+        </p:spPr>
+        <p:txBody>
+          <a:bodyPr wrap="square" rtlCol="0">
+            <a:spAutoFit/>
+          </a:bodyPr>
+          <a:lstStyle/>
+          <a:p>
+            <a:r>
+              <a:rPr kumimoji="1" lang="en-US" altLang="ja-JP" dirty="0"/>
+              <a:t>scores</a:t>
+            </a:r>
+          </a:p>
+          <a:p>
+            <a:r>
+              <a:rPr lang="en-US" altLang="ja-JP" dirty="0"/>
+              <a:t>[1,99,2,…]</a:t>
+            </a:r>
+            <a:endParaRPr kumimoji="1" lang="ja-JP" altLang="en-US" dirty="0"/>
+          </a:p>
+        </p:txBody>
+      </p:sp>
+      <p:sp>
+        <p:nvSpPr>
+          <p:cNvPr id="34" name="テキスト ボックス 33">
+            <a:extLst>
+              <a:ext uri="{FF2B5EF4-FFF2-40B4-BE49-F238E27FC236}">
+                <a16:creationId xmlns:a16="http://schemas.microsoft.com/office/drawing/2014/main" id="{D791EC90-ED5C-4ED6-96BB-8855E7C605AE}"/>
+              </a:ext>
+            </a:extLst>
+          </p:cNvPr>
+          <p:cNvSpPr txBox="1"/>
+          <p:nvPr/>
+        </p:nvSpPr>
+        <p:spPr>
+          <a:xfrm>
+            <a:off x="10296365" y="2766613"/>
+            <a:ext cx="1443054" cy="646331"/>
+          </a:xfrm>
+          <a:prstGeom prst="rect">
+            <a:avLst/>
+          </a:prstGeom>
+          <a:noFill/>
+        </p:spPr>
+        <p:txBody>
+          <a:bodyPr wrap="square" rtlCol="0">
+            <a:spAutoFit/>
+          </a:bodyPr>
+          <a:lstStyle/>
+          <a:p>
+            <a:r>
+              <a:rPr kumimoji="1" lang="en-US" altLang="ja-JP" dirty="0"/>
+              <a:t>output</a:t>
+            </a:r>
+          </a:p>
+          <a:p>
+            <a:r>
+              <a:rPr lang="en-US" altLang="ja-JP" dirty="0"/>
+              <a:t>[0,1,0,…]</a:t>
+            </a:r>
+            <a:endParaRPr kumimoji="1" lang="ja-JP" altLang="en-US" dirty="0"/>
+          </a:p>
+        </p:txBody>
+      </p:sp>
+    </p:spTree>
+    <p:extLst>
+      <p:ext uri="{BB962C8B-B14F-4D97-AF65-F5344CB8AC3E}">
+        <p14:creationId xmlns:p14="http://schemas.microsoft.com/office/powerpoint/2010/main" val="3131034584"/>
+      </p:ext>
+    </p:extLst>
+  </p:cSld>
+  <p:clrMapOvr>
+    <a:masterClrMapping/>
+  </p:clrMapOvr>
+</p:sld>
+</file>
+
 <file path=ppt/theme/theme1.xml><?xml version="1.0" encoding="utf-8"?>
 <a:theme xmlns:a="http://schemas.openxmlformats.org/drawingml/2006/main" name="Office テーマ">
   <a:themeElements>

--- a/docs/inference_based_method_slides.pptx
+++ b/docs/inference_based_method_slides.pptx
@@ -12,6 +12,8 @@
     <p:sldId id="260" r:id="rId6"/>
     <p:sldId id="261" r:id="rId7"/>
     <p:sldId id="262" r:id="rId8"/>
+    <p:sldId id="263" r:id="rId9"/>
+    <p:sldId id="264" r:id="rId10"/>
   </p:sldIdLst>
   <p:sldSz cx="12192000" cy="6858000"/>
   <p:notesSz cx="6858000" cy="9144000"/>
@@ -1140,7 +1142,7 @@
           <a:p>
             <a:fld id="{19C033E0-6099-4D6E-9C24-DDF1966CD57D}" type="datetimeFigureOut">
               <a:rPr kumimoji="1" lang="ja-JP" altLang="en-US" smtClean="0"/>
-              <a:t>2024/5/10</a:t>
+              <a:t>2024/5/11</a:t>
             </a:fld>
             <a:endParaRPr kumimoji="1" lang="ja-JP" altLang="en-US"/>
           </a:p>
@@ -1370,7 +1372,7 @@
           <a:p>
             <a:fld id="{19C033E0-6099-4D6E-9C24-DDF1966CD57D}" type="datetimeFigureOut">
               <a:rPr kumimoji="1" lang="ja-JP" altLang="en-US" smtClean="0"/>
-              <a:t>2024/5/10</a:t>
+              <a:t>2024/5/11</a:t>
             </a:fld>
             <a:endParaRPr kumimoji="1" lang="ja-JP" altLang="en-US"/>
           </a:p>
@@ -1610,7 +1612,7 @@
           <a:p>
             <a:fld id="{19C033E0-6099-4D6E-9C24-DDF1966CD57D}" type="datetimeFigureOut">
               <a:rPr kumimoji="1" lang="ja-JP" altLang="en-US" smtClean="0"/>
-              <a:t>2024/5/10</a:t>
+              <a:t>2024/5/11</a:t>
             </a:fld>
             <a:endParaRPr kumimoji="1" lang="ja-JP" altLang="en-US"/>
           </a:p>
@@ -1840,7 +1842,7 @@
           <a:p>
             <a:fld id="{19C033E0-6099-4D6E-9C24-DDF1966CD57D}" type="datetimeFigureOut">
               <a:rPr kumimoji="1" lang="ja-JP" altLang="en-US" smtClean="0"/>
-              <a:t>2024/5/10</a:t>
+              <a:t>2024/5/11</a:t>
             </a:fld>
             <a:endParaRPr kumimoji="1" lang="ja-JP" altLang="en-US"/>
           </a:p>
@@ -2115,7 +2117,7 @@
           <a:p>
             <a:fld id="{19C033E0-6099-4D6E-9C24-DDF1966CD57D}" type="datetimeFigureOut">
               <a:rPr kumimoji="1" lang="ja-JP" altLang="en-US" smtClean="0"/>
-              <a:t>2024/5/10</a:t>
+              <a:t>2024/5/11</a:t>
             </a:fld>
             <a:endParaRPr kumimoji="1" lang="ja-JP" altLang="en-US"/>
           </a:p>
@@ -2444,7 +2446,7 @@
           <a:p>
             <a:fld id="{19C033E0-6099-4D6E-9C24-DDF1966CD57D}" type="datetimeFigureOut">
               <a:rPr kumimoji="1" lang="ja-JP" altLang="en-US" smtClean="0"/>
-              <a:t>2024/5/10</a:t>
+              <a:t>2024/5/11</a:t>
             </a:fld>
             <a:endParaRPr kumimoji="1" lang="ja-JP" altLang="en-US"/>
           </a:p>
@@ -2920,7 +2922,7 @@
           <a:p>
             <a:fld id="{19C033E0-6099-4D6E-9C24-DDF1966CD57D}" type="datetimeFigureOut">
               <a:rPr kumimoji="1" lang="ja-JP" altLang="en-US" smtClean="0"/>
-              <a:t>2024/5/10</a:t>
+              <a:t>2024/5/11</a:t>
             </a:fld>
             <a:endParaRPr kumimoji="1" lang="ja-JP" altLang="en-US"/>
           </a:p>
@@ -3061,7 +3063,7 @@
           <a:p>
             <a:fld id="{19C033E0-6099-4D6E-9C24-DDF1966CD57D}" type="datetimeFigureOut">
               <a:rPr kumimoji="1" lang="ja-JP" altLang="en-US" smtClean="0"/>
-              <a:t>2024/5/10</a:t>
+              <a:t>2024/5/11</a:t>
             </a:fld>
             <a:endParaRPr kumimoji="1" lang="ja-JP" altLang="en-US"/>
           </a:p>
@@ -3174,7 +3176,7 @@
           <a:p>
             <a:fld id="{19C033E0-6099-4D6E-9C24-DDF1966CD57D}" type="datetimeFigureOut">
               <a:rPr kumimoji="1" lang="ja-JP" altLang="en-US" smtClean="0"/>
-              <a:t>2024/5/10</a:t>
+              <a:t>2024/5/11</a:t>
             </a:fld>
             <a:endParaRPr kumimoji="1" lang="ja-JP" altLang="en-US"/>
           </a:p>
@@ -3517,7 +3519,7 @@
           <a:p>
             <a:fld id="{19C033E0-6099-4D6E-9C24-DDF1966CD57D}" type="datetimeFigureOut">
               <a:rPr kumimoji="1" lang="ja-JP" altLang="en-US" smtClean="0"/>
-              <a:t>2024/5/10</a:t>
+              <a:t>2024/5/11</a:t>
             </a:fld>
             <a:endParaRPr kumimoji="1" lang="ja-JP" altLang="en-US"/>
           </a:p>
@@ -3805,7 +3807,7 @@
           <a:p>
             <a:fld id="{19C033E0-6099-4D6E-9C24-DDF1966CD57D}" type="datetimeFigureOut">
               <a:rPr kumimoji="1" lang="ja-JP" altLang="en-US" smtClean="0"/>
-              <a:t>2024/5/10</a:t>
+              <a:t>2024/5/11</a:t>
             </a:fld>
             <a:endParaRPr kumimoji="1" lang="ja-JP" altLang="en-US"/>
           </a:p>
@@ -4078,7 +4080,7 @@
           <a:p>
             <a:fld id="{19C033E0-6099-4D6E-9C24-DDF1966CD57D}" type="datetimeFigureOut">
               <a:rPr kumimoji="1" lang="ja-JP" altLang="en-US" smtClean="0"/>
-              <a:t>2024/5/10</a:t>
+              <a:t>2024/5/11</a:t>
             </a:fld>
             <a:endParaRPr kumimoji="1" lang="ja-JP" altLang="en-US"/>
           </a:p>
@@ -13411,6 +13413,3224 @@
 </p:sld>
 </file>
 
+<file path=ppt/slides/slide8.xml><?xml version="1.0" encoding="utf-8"?>
+<p:sld xmlns:a="http://schemas.openxmlformats.org/drawingml/2006/main" xmlns:r="http://schemas.openxmlformats.org/officeDocument/2006/relationships" xmlns:p="http://schemas.openxmlformats.org/presentationml/2006/main">
+  <p:cSld>
+    <p:spTree>
+      <p:nvGrpSpPr>
+        <p:cNvPr id="1" name=""/>
+        <p:cNvGrpSpPr/>
+        <p:nvPr/>
+      </p:nvGrpSpPr>
+      <p:grpSpPr>
+        <a:xfrm>
+          <a:off x="0" y="0"/>
+          <a:ext cx="0" cy="0"/>
+          <a:chOff x="0" y="0"/>
+          <a:chExt cx="0" cy="0"/>
+        </a:xfrm>
+      </p:grpSpPr>
+      <p:sp>
+        <p:nvSpPr>
+          <p:cNvPr id="2" name="正方形/長方形 1">
+            <a:extLst>
+              <a:ext uri="{FF2B5EF4-FFF2-40B4-BE49-F238E27FC236}">
+                <a16:creationId xmlns:a16="http://schemas.microsoft.com/office/drawing/2014/main" id="{98DC866D-DAE4-1959-2E4F-9674EBF8361D}"/>
+              </a:ext>
+            </a:extLst>
+          </p:cNvPr>
+          <p:cNvSpPr/>
+          <p:nvPr/>
+        </p:nvSpPr>
+        <p:spPr>
+          <a:xfrm>
+            <a:off x="1330039" y="858982"/>
+            <a:ext cx="782662" cy="1985818"/>
+          </a:xfrm>
+          <a:prstGeom prst="rect">
+            <a:avLst/>
+          </a:prstGeom>
+        </p:spPr>
+        <p:style>
+          <a:lnRef idx="2">
+            <a:schemeClr val="accent1">
+              <a:shade val="15000"/>
+            </a:schemeClr>
+          </a:lnRef>
+          <a:fillRef idx="1">
+            <a:schemeClr val="accent1"/>
+          </a:fillRef>
+          <a:effectRef idx="0">
+            <a:schemeClr val="accent1"/>
+          </a:effectRef>
+          <a:fontRef idx="minor">
+            <a:schemeClr val="lt1"/>
+          </a:fontRef>
+        </p:style>
+        <p:txBody>
+          <a:bodyPr rtlCol="0" anchor="ctr"/>
+          <a:lstStyle/>
+          <a:p>
+            <a:pPr algn="ctr"/>
+            <a:r>
+              <a:rPr kumimoji="1" lang="en-US" altLang="ja-JP" sz="1600" dirty="0"/>
+              <a:t>Mat</a:t>
+            </a:r>
+          </a:p>
+          <a:p>
+            <a:pPr algn="ctr"/>
+            <a:r>
+              <a:rPr kumimoji="1" lang="en-US" altLang="ja-JP" sz="1600" dirty="0"/>
+              <a:t>Mul</a:t>
+            </a:r>
+          </a:p>
+          <a:p>
+            <a:pPr algn="ctr"/>
+            <a:endParaRPr lang="en-US" altLang="ja-JP" sz="1600" dirty="0"/>
+          </a:p>
+          <a:p>
+            <a:pPr algn="ctr"/>
+            <a:r>
+              <a:rPr kumimoji="1" lang="en-US" altLang="ja-JP" sz="1600" dirty="0"/>
+              <a:t>Win</a:t>
+            </a:r>
+            <a:endParaRPr kumimoji="1" lang="ja-JP" altLang="en-US" sz="1600" dirty="0"/>
+          </a:p>
+        </p:txBody>
+      </p:sp>
+      <p:sp>
+        <p:nvSpPr>
+          <p:cNvPr id="3" name="正方形/長方形 2">
+            <a:extLst>
+              <a:ext uri="{FF2B5EF4-FFF2-40B4-BE49-F238E27FC236}">
+                <a16:creationId xmlns:a16="http://schemas.microsoft.com/office/drawing/2014/main" id="{4DC786BD-0BA2-062A-D76A-5279A65932F4}"/>
+              </a:ext>
+            </a:extLst>
+          </p:cNvPr>
+          <p:cNvSpPr/>
+          <p:nvPr/>
+        </p:nvSpPr>
+        <p:spPr>
+          <a:xfrm>
+            <a:off x="1330039" y="3906982"/>
+            <a:ext cx="782662" cy="1985818"/>
+          </a:xfrm>
+          <a:prstGeom prst="rect">
+            <a:avLst/>
+          </a:prstGeom>
+        </p:spPr>
+        <p:style>
+          <a:lnRef idx="2">
+            <a:schemeClr val="accent1">
+              <a:shade val="15000"/>
+            </a:schemeClr>
+          </a:lnRef>
+          <a:fillRef idx="1">
+            <a:schemeClr val="accent1"/>
+          </a:fillRef>
+          <a:effectRef idx="0">
+            <a:schemeClr val="accent1"/>
+          </a:effectRef>
+          <a:fontRef idx="minor">
+            <a:schemeClr val="lt1"/>
+          </a:fontRef>
+        </p:style>
+        <p:txBody>
+          <a:bodyPr rtlCol="0" anchor="ctr"/>
+          <a:lstStyle/>
+          <a:p>
+            <a:pPr algn="ctr"/>
+            <a:r>
+              <a:rPr kumimoji="1" lang="en-US" altLang="ja-JP" sz="1600" dirty="0"/>
+              <a:t>Mat</a:t>
+            </a:r>
+          </a:p>
+          <a:p>
+            <a:pPr algn="ctr"/>
+            <a:r>
+              <a:rPr kumimoji="1" lang="en-US" altLang="ja-JP" sz="1600" dirty="0"/>
+              <a:t>Mul</a:t>
+            </a:r>
+          </a:p>
+          <a:p>
+            <a:pPr algn="ctr"/>
+            <a:endParaRPr lang="en-US" altLang="ja-JP" sz="1600" dirty="0"/>
+          </a:p>
+          <a:p>
+            <a:pPr algn="ctr"/>
+            <a:r>
+              <a:rPr kumimoji="1" lang="en-US" altLang="ja-JP" sz="1600" dirty="0"/>
+              <a:t>Win</a:t>
+            </a:r>
+            <a:endParaRPr kumimoji="1" lang="ja-JP" altLang="en-US" sz="1600" dirty="0"/>
+          </a:p>
+        </p:txBody>
+      </p:sp>
+      <p:sp>
+        <p:nvSpPr>
+          <p:cNvPr id="4" name="楕円 3">
+            <a:extLst>
+              <a:ext uri="{FF2B5EF4-FFF2-40B4-BE49-F238E27FC236}">
+                <a16:creationId xmlns:a16="http://schemas.microsoft.com/office/drawing/2014/main" id="{E0B46C53-0681-02AB-4420-C413BD4F10D8}"/>
+              </a:ext>
+            </a:extLst>
+          </p:cNvPr>
+          <p:cNvSpPr/>
+          <p:nvPr/>
+        </p:nvSpPr>
+        <p:spPr>
+          <a:xfrm>
+            <a:off x="2447464" y="3068782"/>
+            <a:ext cx="683490" cy="720436"/>
+          </a:xfrm>
+          <a:prstGeom prst="ellipse">
+            <a:avLst/>
+          </a:prstGeom>
+        </p:spPr>
+        <p:style>
+          <a:lnRef idx="2">
+            <a:schemeClr val="accent1">
+              <a:shade val="15000"/>
+            </a:schemeClr>
+          </a:lnRef>
+          <a:fillRef idx="1">
+            <a:schemeClr val="accent1"/>
+          </a:fillRef>
+          <a:effectRef idx="0">
+            <a:schemeClr val="accent1"/>
+          </a:effectRef>
+          <a:fontRef idx="minor">
+            <a:schemeClr val="lt1"/>
+          </a:fontRef>
+        </p:style>
+        <p:txBody>
+          <a:bodyPr rtlCol="0" anchor="ctr"/>
+          <a:lstStyle/>
+          <a:p>
+            <a:pPr algn="ctr"/>
+            <a:r>
+              <a:rPr kumimoji="1" lang="en-US" altLang="ja-JP" dirty="0"/>
+              <a:t>+</a:t>
+            </a:r>
+            <a:endParaRPr kumimoji="1" lang="ja-JP" altLang="en-US" dirty="0"/>
+          </a:p>
+        </p:txBody>
+      </p:sp>
+      <p:sp>
+        <p:nvSpPr>
+          <p:cNvPr id="5" name="楕円 4">
+            <a:extLst>
+              <a:ext uri="{FF2B5EF4-FFF2-40B4-BE49-F238E27FC236}">
+                <a16:creationId xmlns:a16="http://schemas.microsoft.com/office/drawing/2014/main" id="{33952173-7288-A0B4-EDFB-5C9CA85F4E78}"/>
+              </a:ext>
+            </a:extLst>
+          </p:cNvPr>
+          <p:cNvSpPr/>
+          <p:nvPr/>
+        </p:nvSpPr>
+        <p:spPr>
+          <a:xfrm>
+            <a:off x="3860627" y="3068782"/>
+            <a:ext cx="683490" cy="720436"/>
+          </a:xfrm>
+          <a:prstGeom prst="ellipse">
+            <a:avLst/>
+          </a:prstGeom>
+        </p:spPr>
+        <p:style>
+          <a:lnRef idx="2">
+            <a:schemeClr val="accent1">
+              <a:shade val="15000"/>
+            </a:schemeClr>
+          </a:lnRef>
+          <a:fillRef idx="1">
+            <a:schemeClr val="accent1"/>
+          </a:fillRef>
+          <a:effectRef idx="0">
+            <a:schemeClr val="accent1"/>
+          </a:effectRef>
+          <a:fontRef idx="minor">
+            <a:schemeClr val="lt1"/>
+          </a:fontRef>
+        </p:style>
+        <p:txBody>
+          <a:bodyPr rtlCol="0" anchor="ctr"/>
+          <a:lstStyle/>
+          <a:p>
+            <a:pPr algn="ctr"/>
+            <a:r>
+              <a:rPr kumimoji="1" lang="en-US" altLang="ja-JP" dirty="0"/>
+              <a:t>x</a:t>
+            </a:r>
+            <a:endParaRPr kumimoji="1" lang="ja-JP" altLang="en-US" dirty="0"/>
+          </a:p>
+        </p:txBody>
+      </p:sp>
+      <p:sp>
+        <p:nvSpPr>
+          <p:cNvPr id="6" name="正方形/長方形 5">
+            <a:extLst>
+              <a:ext uri="{FF2B5EF4-FFF2-40B4-BE49-F238E27FC236}">
+                <a16:creationId xmlns:a16="http://schemas.microsoft.com/office/drawing/2014/main" id="{D9BF8836-531E-EC8A-C329-FC2EA8CEEBD6}"/>
+              </a:ext>
+            </a:extLst>
+          </p:cNvPr>
+          <p:cNvSpPr/>
+          <p:nvPr/>
+        </p:nvSpPr>
+        <p:spPr>
+          <a:xfrm>
+            <a:off x="4924023" y="2436091"/>
+            <a:ext cx="782731" cy="1985818"/>
+          </a:xfrm>
+          <a:prstGeom prst="rect">
+            <a:avLst/>
+          </a:prstGeom>
+        </p:spPr>
+        <p:style>
+          <a:lnRef idx="2">
+            <a:schemeClr val="accent1">
+              <a:shade val="15000"/>
+            </a:schemeClr>
+          </a:lnRef>
+          <a:fillRef idx="1">
+            <a:schemeClr val="accent1"/>
+          </a:fillRef>
+          <a:effectRef idx="0">
+            <a:schemeClr val="accent1"/>
+          </a:effectRef>
+          <a:fontRef idx="minor">
+            <a:schemeClr val="lt1"/>
+          </a:fontRef>
+        </p:style>
+        <p:txBody>
+          <a:bodyPr rtlCol="0" anchor="ctr"/>
+          <a:lstStyle/>
+          <a:p>
+            <a:pPr algn="ctr"/>
+            <a:r>
+              <a:rPr kumimoji="1" lang="en-US" altLang="ja-JP" dirty="0"/>
+              <a:t>Mat</a:t>
+            </a:r>
+          </a:p>
+          <a:p>
+            <a:pPr algn="ctr"/>
+            <a:r>
+              <a:rPr kumimoji="1" lang="en-US" altLang="ja-JP" dirty="0"/>
+              <a:t>Mul</a:t>
+            </a:r>
+          </a:p>
+          <a:p>
+            <a:pPr algn="ctr"/>
+            <a:endParaRPr lang="en-US" altLang="ja-JP" dirty="0"/>
+          </a:p>
+          <a:p>
+            <a:pPr algn="ctr"/>
+            <a:r>
+              <a:rPr kumimoji="1" lang="en-US" altLang="ja-JP" dirty="0" err="1"/>
+              <a:t>Wout</a:t>
+            </a:r>
+            <a:endParaRPr kumimoji="1" lang="ja-JP" altLang="en-US" dirty="0"/>
+          </a:p>
+        </p:txBody>
+      </p:sp>
+      <p:sp>
+        <p:nvSpPr>
+          <p:cNvPr id="7" name="正方形/長方形 6">
+            <a:extLst>
+              <a:ext uri="{FF2B5EF4-FFF2-40B4-BE49-F238E27FC236}">
+                <a16:creationId xmlns:a16="http://schemas.microsoft.com/office/drawing/2014/main" id="{4F635301-F897-3ED4-B5D8-A54ED806DB02}"/>
+              </a:ext>
+            </a:extLst>
+          </p:cNvPr>
+          <p:cNvSpPr/>
+          <p:nvPr/>
+        </p:nvSpPr>
+        <p:spPr>
+          <a:xfrm>
+            <a:off x="6993034" y="2436091"/>
+            <a:ext cx="672350" cy="1985818"/>
+          </a:xfrm>
+          <a:prstGeom prst="rect">
+            <a:avLst/>
+          </a:prstGeom>
+        </p:spPr>
+        <p:style>
+          <a:lnRef idx="2">
+            <a:schemeClr val="accent1">
+              <a:shade val="15000"/>
+            </a:schemeClr>
+          </a:lnRef>
+          <a:fillRef idx="1">
+            <a:schemeClr val="accent1"/>
+          </a:fillRef>
+          <a:effectRef idx="0">
+            <a:schemeClr val="accent1"/>
+          </a:effectRef>
+          <a:fontRef idx="minor">
+            <a:schemeClr val="lt1"/>
+          </a:fontRef>
+        </p:style>
+        <p:txBody>
+          <a:bodyPr rtlCol="0" anchor="ctr"/>
+          <a:lstStyle/>
+          <a:p>
+            <a:pPr algn="ctr"/>
+            <a:r>
+              <a:rPr kumimoji="1" lang="en-US" altLang="ja-JP" dirty="0" err="1"/>
+              <a:t>Softmax</a:t>
+            </a:r>
+            <a:endParaRPr kumimoji="1" lang="ja-JP" altLang="en-US" dirty="0"/>
+          </a:p>
+        </p:txBody>
+      </p:sp>
+      <p:cxnSp>
+        <p:nvCxnSpPr>
+          <p:cNvPr id="8" name="直線矢印コネクタ 7">
+            <a:extLst>
+              <a:ext uri="{FF2B5EF4-FFF2-40B4-BE49-F238E27FC236}">
+                <a16:creationId xmlns:a16="http://schemas.microsoft.com/office/drawing/2014/main" id="{81D3BA53-746F-7556-B2A8-D504600FD1A8}"/>
+              </a:ext>
+            </a:extLst>
+          </p:cNvPr>
+          <p:cNvCxnSpPr>
+            <a:cxnSpLocks/>
+            <a:stCxn id="2" idx="3"/>
+            <a:endCxn id="4" idx="0"/>
+          </p:cNvCxnSpPr>
+          <p:nvPr/>
+        </p:nvCxnSpPr>
+        <p:spPr>
+          <a:xfrm>
+            <a:off x="2112701" y="1851891"/>
+            <a:ext cx="676508" cy="1216891"/>
+          </a:xfrm>
+          <a:prstGeom prst="straightConnector1">
+            <a:avLst/>
+          </a:prstGeom>
+          <a:ln>
+            <a:tailEnd type="triangle"/>
+          </a:ln>
+        </p:spPr>
+        <p:style>
+          <a:lnRef idx="1">
+            <a:schemeClr val="accent1"/>
+          </a:lnRef>
+          <a:fillRef idx="0">
+            <a:schemeClr val="accent1"/>
+          </a:fillRef>
+          <a:effectRef idx="0">
+            <a:schemeClr val="accent1"/>
+          </a:effectRef>
+          <a:fontRef idx="minor">
+            <a:schemeClr val="tx1"/>
+          </a:fontRef>
+        </p:style>
+      </p:cxnSp>
+      <p:cxnSp>
+        <p:nvCxnSpPr>
+          <p:cNvPr id="9" name="直線矢印コネクタ 8">
+            <a:extLst>
+              <a:ext uri="{FF2B5EF4-FFF2-40B4-BE49-F238E27FC236}">
+                <a16:creationId xmlns:a16="http://schemas.microsoft.com/office/drawing/2014/main" id="{C080EC56-EBB3-4054-DFA1-212C4759C154}"/>
+              </a:ext>
+            </a:extLst>
+          </p:cNvPr>
+          <p:cNvCxnSpPr>
+            <a:cxnSpLocks/>
+            <a:stCxn id="3" idx="3"/>
+            <a:endCxn id="4" idx="4"/>
+          </p:cNvCxnSpPr>
+          <p:nvPr/>
+        </p:nvCxnSpPr>
+        <p:spPr>
+          <a:xfrm flipV="1">
+            <a:off x="2112701" y="3789218"/>
+            <a:ext cx="676508" cy="1110673"/>
+          </a:xfrm>
+          <a:prstGeom prst="straightConnector1">
+            <a:avLst/>
+          </a:prstGeom>
+          <a:ln>
+            <a:tailEnd type="triangle"/>
+          </a:ln>
+        </p:spPr>
+        <p:style>
+          <a:lnRef idx="1">
+            <a:schemeClr val="accent1"/>
+          </a:lnRef>
+          <a:fillRef idx="0">
+            <a:schemeClr val="accent1"/>
+          </a:fillRef>
+          <a:effectRef idx="0">
+            <a:schemeClr val="accent1"/>
+          </a:effectRef>
+          <a:fontRef idx="minor">
+            <a:schemeClr val="tx1"/>
+          </a:fontRef>
+        </p:style>
+      </p:cxnSp>
+      <p:cxnSp>
+        <p:nvCxnSpPr>
+          <p:cNvPr id="10" name="直線コネクタ 9">
+            <a:extLst>
+              <a:ext uri="{FF2B5EF4-FFF2-40B4-BE49-F238E27FC236}">
+                <a16:creationId xmlns:a16="http://schemas.microsoft.com/office/drawing/2014/main" id="{D9410918-8C51-3735-B4BE-4EA8FD66EF02}"/>
+              </a:ext>
+            </a:extLst>
+          </p:cNvPr>
+          <p:cNvCxnSpPr/>
+          <p:nvPr/>
+        </p:nvCxnSpPr>
+        <p:spPr>
+          <a:xfrm>
+            <a:off x="2622954" y="4899891"/>
+            <a:ext cx="895928" cy="0"/>
+          </a:xfrm>
+          <a:prstGeom prst="line">
+            <a:avLst/>
+          </a:prstGeom>
+        </p:spPr>
+        <p:style>
+          <a:lnRef idx="1">
+            <a:schemeClr val="accent1"/>
+          </a:lnRef>
+          <a:fillRef idx="0">
+            <a:schemeClr val="accent1"/>
+          </a:fillRef>
+          <a:effectRef idx="0">
+            <a:schemeClr val="accent1"/>
+          </a:effectRef>
+          <a:fontRef idx="minor">
+            <a:schemeClr val="tx1"/>
+          </a:fontRef>
+        </p:style>
+      </p:cxnSp>
+      <p:cxnSp>
+        <p:nvCxnSpPr>
+          <p:cNvPr id="11" name="直線矢印コネクタ 10">
+            <a:extLst>
+              <a:ext uri="{FF2B5EF4-FFF2-40B4-BE49-F238E27FC236}">
+                <a16:creationId xmlns:a16="http://schemas.microsoft.com/office/drawing/2014/main" id="{E7BB7C92-419D-D2BF-92B4-EE38749E3198}"/>
+              </a:ext>
+            </a:extLst>
+          </p:cNvPr>
+          <p:cNvCxnSpPr>
+            <a:endCxn id="5" idx="4"/>
+          </p:cNvCxnSpPr>
+          <p:nvPr/>
+        </p:nvCxnSpPr>
+        <p:spPr>
+          <a:xfrm flipV="1">
+            <a:off x="3537354" y="3789218"/>
+            <a:ext cx="665018" cy="1110673"/>
+          </a:xfrm>
+          <a:prstGeom prst="straightConnector1">
+            <a:avLst/>
+          </a:prstGeom>
+          <a:ln>
+            <a:tailEnd type="triangle"/>
+          </a:ln>
+        </p:spPr>
+        <p:style>
+          <a:lnRef idx="1">
+            <a:schemeClr val="accent1"/>
+          </a:lnRef>
+          <a:fillRef idx="0">
+            <a:schemeClr val="accent1"/>
+          </a:fillRef>
+          <a:effectRef idx="0">
+            <a:schemeClr val="accent1"/>
+          </a:effectRef>
+          <a:fontRef idx="minor">
+            <a:schemeClr val="tx1"/>
+          </a:fontRef>
+        </p:style>
+      </p:cxnSp>
+      <p:cxnSp>
+        <p:nvCxnSpPr>
+          <p:cNvPr id="12" name="直線矢印コネクタ 11">
+            <a:extLst>
+              <a:ext uri="{FF2B5EF4-FFF2-40B4-BE49-F238E27FC236}">
+                <a16:creationId xmlns:a16="http://schemas.microsoft.com/office/drawing/2014/main" id="{0D3744A9-8EC5-F72B-5C41-D71237ACD925}"/>
+              </a:ext>
+            </a:extLst>
+          </p:cNvPr>
+          <p:cNvCxnSpPr>
+            <a:stCxn id="4" idx="6"/>
+            <a:endCxn id="5" idx="2"/>
+          </p:cNvCxnSpPr>
+          <p:nvPr/>
+        </p:nvCxnSpPr>
+        <p:spPr>
+          <a:xfrm>
+            <a:off x="3130954" y="3429000"/>
+            <a:ext cx="729673" cy="0"/>
+          </a:xfrm>
+          <a:prstGeom prst="straightConnector1">
+            <a:avLst/>
+          </a:prstGeom>
+          <a:ln>
+            <a:tailEnd type="triangle"/>
+          </a:ln>
+        </p:spPr>
+        <p:style>
+          <a:lnRef idx="1">
+            <a:schemeClr val="accent1"/>
+          </a:lnRef>
+          <a:fillRef idx="0">
+            <a:schemeClr val="accent1"/>
+          </a:fillRef>
+          <a:effectRef idx="0">
+            <a:schemeClr val="accent1"/>
+          </a:effectRef>
+          <a:fontRef idx="minor">
+            <a:schemeClr val="tx1"/>
+          </a:fontRef>
+        </p:style>
+      </p:cxnSp>
+      <p:cxnSp>
+        <p:nvCxnSpPr>
+          <p:cNvPr id="13" name="直線矢印コネクタ 12">
+            <a:extLst>
+              <a:ext uri="{FF2B5EF4-FFF2-40B4-BE49-F238E27FC236}">
+                <a16:creationId xmlns:a16="http://schemas.microsoft.com/office/drawing/2014/main" id="{7AD6457C-3E2E-DBB5-CA07-106ADF195F41}"/>
+              </a:ext>
+            </a:extLst>
+          </p:cNvPr>
+          <p:cNvCxnSpPr>
+            <a:cxnSpLocks/>
+            <a:stCxn id="5" idx="6"/>
+            <a:endCxn id="6" idx="1"/>
+          </p:cNvCxnSpPr>
+          <p:nvPr/>
+        </p:nvCxnSpPr>
+        <p:spPr>
+          <a:xfrm>
+            <a:off x="4544117" y="3429000"/>
+            <a:ext cx="379906" cy="0"/>
+          </a:xfrm>
+          <a:prstGeom prst="straightConnector1">
+            <a:avLst/>
+          </a:prstGeom>
+          <a:ln>
+            <a:tailEnd type="triangle"/>
+          </a:ln>
+        </p:spPr>
+        <p:style>
+          <a:lnRef idx="1">
+            <a:schemeClr val="accent1"/>
+          </a:lnRef>
+          <a:fillRef idx="0">
+            <a:schemeClr val="accent1"/>
+          </a:fillRef>
+          <a:effectRef idx="0">
+            <a:schemeClr val="accent1"/>
+          </a:effectRef>
+          <a:fontRef idx="minor">
+            <a:schemeClr val="tx1"/>
+          </a:fontRef>
+        </p:style>
+      </p:cxnSp>
+      <p:cxnSp>
+        <p:nvCxnSpPr>
+          <p:cNvPr id="14" name="直線矢印コネクタ 13">
+            <a:extLst>
+              <a:ext uri="{FF2B5EF4-FFF2-40B4-BE49-F238E27FC236}">
+                <a16:creationId xmlns:a16="http://schemas.microsoft.com/office/drawing/2014/main" id="{7DD44E48-FFC2-2272-B0AB-B3EB9194541E}"/>
+              </a:ext>
+            </a:extLst>
+          </p:cNvPr>
+          <p:cNvCxnSpPr>
+            <a:cxnSpLocks/>
+            <a:stCxn id="6" idx="3"/>
+            <a:endCxn id="7" idx="1"/>
+          </p:cNvCxnSpPr>
+          <p:nvPr/>
+        </p:nvCxnSpPr>
+        <p:spPr>
+          <a:xfrm>
+            <a:off x="5706754" y="3429000"/>
+            <a:ext cx="1286280" cy="0"/>
+          </a:xfrm>
+          <a:prstGeom prst="straightConnector1">
+            <a:avLst/>
+          </a:prstGeom>
+          <a:ln>
+            <a:tailEnd type="triangle"/>
+          </a:ln>
+        </p:spPr>
+        <p:style>
+          <a:lnRef idx="1">
+            <a:schemeClr val="accent1"/>
+          </a:lnRef>
+          <a:fillRef idx="0">
+            <a:schemeClr val="accent1"/>
+          </a:fillRef>
+          <a:effectRef idx="0">
+            <a:schemeClr val="accent1"/>
+          </a:effectRef>
+          <a:fontRef idx="minor">
+            <a:schemeClr val="tx1"/>
+          </a:fontRef>
+        </p:style>
+      </p:cxnSp>
+      <p:cxnSp>
+        <p:nvCxnSpPr>
+          <p:cNvPr id="15" name="直線矢印コネクタ 14">
+            <a:extLst>
+              <a:ext uri="{FF2B5EF4-FFF2-40B4-BE49-F238E27FC236}">
+                <a16:creationId xmlns:a16="http://schemas.microsoft.com/office/drawing/2014/main" id="{C63F139B-0EA9-7396-E9BB-1008B970394A}"/>
+              </a:ext>
+            </a:extLst>
+          </p:cNvPr>
+          <p:cNvCxnSpPr>
+            <a:cxnSpLocks/>
+            <a:stCxn id="7" idx="3"/>
+            <a:endCxn id="40" idx="1"/>
+          </p:cNvCxnSpPr>
+          <p:nvPr/>
+        </p:nvCxnSpPr>
+        <p:spPr>
+          <a:xfrm>
+            <a:off x="7665384" y="3429000"/>
+            <a:ext cx="1505353" cy="0"/>
+          </a:xfrm>
+          <a:prstGeom prst="straightConnector1">
+            <a:avLst/>
+          </a:prstGeom>
+          <a:ln>
+            <a:tailEnd type="triangle"/>
+          </a:ln>
+        </p:spPr>
+        <p:style>
+          <a:lnRef idx="1">
+            <a:schemeClr val="accent1"/>
+          </a:lnRef>
+          <a:fillRef idx="0">
+            <a:schemeClr val="accent1"/>
+          </a:fillRef>
+          <a:effectRef idx="0">
+            <a:schemeClr val="accent1"/>
+          </a:effectRef>
+          <a:fontRef idx="minor">
+            <a:schemeClr val="tx1"/>
+          </a:fontRef>
+        </p:style>
+      </p:cxnSp>
+      <p:cxnSp>
+        <p:nvCxnSpPr>
+          <p:cNvPr id="16" name="直線矢印コネクタ 15">
+            <a:extLst>
+              <a:ext uri="{FF2B5EF4-FFF2-40B4-BE49-F238E27FC236}">
+                <a16:creationId xmlns:a16="http://schemas.microsoft.com/office/drawing/2014/main" id="{72AE06D5-F976-5288-8F25-957CF05E2E46}"/>
+              </a:ext>
+            </a:extLst>
+          </p:cNvPr>
+          <p:cNvCxnSpPr>
+            <a:cxnSpLocks/>
+            <a:endCxn id="2" idx="1"/>
+          </p:cNvCxnSpPr>
+          <p:nvPr/>
+        </p:nvCxnSpPr>
+        <p:spPr>
+          <a:xfrm>
+            <a:off x="350982" y="1851891"/>
+            <a:ext cx="979057" cy="0"/>
+          </a:xfrm>
+          <a:prstGeom prst="straightConnector1">
+            <a:avLst/>
+          </a:prstGeom>
+          <a:ln>
+            <a:tailEnd type="triangle"/>
+          </a:ln>
+        </p:spPr>
+        <p:style>
+          <a:lnRef idx="1">
+            <a:schemeClr val="accent1"/>
+          </a:lnRef>
+          <a:fillRef idx="0">
+            <a:schemeClr val="accent1"/>
+          </a:fillRef>
+          <a:effectRef idx="0">
+            <a:schemeClr val="accent1"/>
+          </a:effectRef>
+          <a:fontRef idx="minor">
+            <a:schemeClr val="tx1"/>
+          </a:fontRef>
+        </p:style>
+      </p:cxnSp>
+      <p:cxnSp>
+        <p:nvCxnSpPr>
+          <p:cNvPr id="17" name="直線矢印コネクタ 16">
+            <a:extLst>
+              <a:ext uri="{FF2B5EF4-FFF2-40B4-BE49-F238E27FC236}">
+                <a16:creationId xmlns:a16="http://schemas.microsoft.com/office/drawing/2014/main" id="{FBB8683D-F2C6-7B46-CB77-50B5D8FDE75A}"/>
+              </a:ext>
+            </a:extLst>
+          </p:cNvPr>
+          <p:cNvCxnSpPr>
+            <a:cxnSpLocks/>
+            <a:endCxn id="3" idx="1"/>
+          </p:cNvCxnSpPr>
+          <p:nvPr/>
+        </p:nvCxnSpPr>
+        <p:spPr>
+          <a:xfrm>
+            <a:off x="461816" y="4899891"/>
+            <a:ext cx="868223" cy="0"/>
+          </a:xfrm>
+          <a:prstGeom prst="straightConnector1">
+            <a:avLst/>
+          </a:prstGeom>
+          <a:ln>
+            <a:tailEnd type="triangle"/>
+          </a:ln>
+        </p:spPr>
+        <p:style>
+          <a:lnRef idx="1">
+            <a:schemeClr val="accent1"/>
+          </a:lnRef>
+          <a:fillRef idx="0">
+            <a:schemeClr val="accent1"/>
+          </a:fillRef>
+          <a:effectRef idx="0">
+            <a:schemeClr val="accent1"/>
+          </a:effectRef>
+          <a:fontRef idx="minor">
+            <a:schemeClr val="tx1"/>
+          </a:fontRef>
+        </p:style>
+      </p:cxnSp>
+      <p:sp>
+        <p:nvSpPr>
+          <p:cNvPr id="18" name="テキスト ボックス 17">
+            <a:extLst>
+              <a:ext uri="{FF2B5EF4-FFF2-40B4-BE49-F238E27FC236}">
+                <a16:creationId xmlns:a16="http://schemas.microsoft.com/office/drawing/2014/main" id="{B9D301C0-FED5-035C-F373-59534C7F72A8}"/>
+              </a:ext>
+            </a:extLst>
+          </p:cNvPr>
+          <p:cNvSpPr txBox="1"/>
+          <p:nvPr/>
+        </p:nvSpPr>
+        <p:spPr>
+          <a:xfrm>
+            <a:off x="350982" y="1293091"/>
+            <a:ext cx="939681" cy="523220"/>
+          </a:xfrm>
+          <a:prstGeom prst="rect">
+            <a:avLst/>
+          </a:prstGeom>
+          <a:noFill/>
+        </p:spPr>
+        <p:txBody>
+          <a:bodyPr wrap="none" rtlCol="0">
+            <a:spAutoFit/>
+          </a:bodyPr>
+          <a:lstStyle/>
+          <a:p>
+            <a:r>
+              <a:rPr kumimoji="1" lang="en-US" altLang="ja-JP" sz="1400" dirty="0"/>
+              <a:t>prince</a:t>
+            </a:r>
+          </a:p>
+          <a:p>
+            <a:r>
+              <a:rPr lang="en-US" altLang="ja-JP" sz="1400" dirty="0"/>
+              <a:t>[1,0,0,…]</a:t>
+            </a:r>
+            <a:endParaRPr kumimoji="1" lang="ja-JP" altLang="en-US" sz="1400" dirty="0"/>
+          </a:p>
+        </p:txBody>
+      </p:sp>
+      <p:sp>
+        <p:nvSpPr>
+          <p:cNvPr id="19" name="テキスト ボックス 18">
+            <a:extLst>
+              <a:ext uri="{FF2B5EF4-FFF2-40B4-BE49-F238E27FC236}">
+                <a16:creationId xmlns:a16="http://schemas.microsoft.com/office/drawing/2014/main" id="{3ED195B8-A453-677C-FB56-05958F1FC809}"/>
+              </a:ext>
+            </a:extLst>
+          </p:cNvPr>
+          <p:cNvSpPr txBox="1"/>
+          <p:nvPr/>
+        </p:nvSpPr>
+        <p:spPr>
+          <a:xfrm>
+            <a:off x="350982" y="4248727"/>
+            <a:ext cx="939681" cy="523220"/>
+          </a:xfrm>
+          <a:prstGeom prst="rect">
+            <a:avLst/>
+          </a:prstGeom>
+          <a:noFill/>
+        </p:spPr>
+        <p:txBody>
+          <a:bodyPr wrap="none" rtlCol="0">
+            <a:spAutoFit/>
+          </a:bodyPr>
+          <a:lstStyle/>
+          <a:p>
+            <a:r>
+              <a:rPr kumimoji="1" lang="en-US" altLang="ja-JP" sz="1400" dirty="0"/>
+              <a:t>princess</a:t>
+            </a:r>
+          </a:p>
+          <a:p>
+            <a:r>
+              <a:rPr lang="en-US" altLang="ja-JP" sz="1400" dirty="0"/>
+              <a:t>[0,0,1,…]</a:t>
+            </a:r>
+            <a:endParaRPr kumimoji="1" lang="ja-JP" altLang="en-US" sz="1400" dirty="0"/>
+          </a:p>
+        </p:txBody>
+      </p:sp>
+      <p:sp>
+        <p:nvSpPr>
+          <p:cNvPr id="20" name="テキスト ボックス 19">
+            <a:extLst>
+              <a:ext uri="{FF2B5EF4-FFF2-40B4-BE49-F238E27FC236}">
+                <a16:creationId xmlns:a16="http://schemas.microsoft.com/office/drawing/2014/main" id="{2583FEE7-BF52-F5C8-D950-5D6E63B6A801}"/>
+              </a:ext>
+            </a:extLst>
+          </p:cNvPr>
+          <p:cNvSpPr txBox="1"/>
+          <p:nvPr/>
+        </p:nvSpPr>
+        <p:spPr>
+          <a:xfrm>
+            <a:off x="2970536" y="4510337"/>
+            <a:ext cx="500458" cy="369332"/>
+          </a:xfrm>
+          <a:prstGeom prst="rect">
+            <a:avLst/>
+          </a:prstGeom>
+          <a:noFill/>
+        </p:spPr>
+        <p:txBody>
+          <a:bodyPr wrap="none" rtlCol="0">
+            <a:spAutoFit/>
+          </a:bodyPr>
+          <a:lstStyle/>
+          <a:p>
+            <a:r>
+              <a:rPr kumimoji="1" lang="en-US" altLang="ja-JP" dirty="0"/>
+              <a:t>0.5</a:t>
+            </a:r>
+            <a:endParaRPr kumimoji="1" lang="ja-JP" altLang="en-US" dirty="0"/>
+          </a:p>
+        </p:txBody>
+      </p:sp>
+      <p:sp>
+        <p:nvSpPr>
+          <p:cNvPr id="21" name="テキスト ボックス 20">
+            <a:extLst>
+              <a:ext uri="{FF2B5EF4-FFF2-40B4-BE49-F238E27FC236}">
+                <a16:creationId xmlns:a16="http://schemas.microsoft.com/office/drawing/2014/main" id="{3E11A002-1BB5-EC13-CE4B-D4E6A8B21D28}"/>
+              </a:ext>
+            </a:extLst>
+          </p:cNvPr>
+          <p:cNvSpPr txBox="1"/>
+          <p:nvPr/>
+        </p:nvSpPr>
+        <p:spPr>
+          <a:xfrm>
+            <a:off x="5702724" y="2743844"/>
+            <a:ext cx="1415346" cy="646331"/>
+          </a:xfrm>
+          <a:prstGeom prst="rect">
+            <a:avLst/>
+          </a:prstGeom>
+          <a:noFill/>
+        </p:spPr>
+        <p:txBody>
+          <a:bodyPr wrap="square" rtlCol="0">
+            <a:spAutoFit/>
+          </a:bodyPr>
+          <a:lstStyle/>
+          <a:p>
+            <a:r>
+              <a:rPr kumimoji="1" lang="en-US" altLang="ja-JP" dirty="0"/>
+              <a:t>scores</a:t>
+            </a:r>
+          </a:p>
+          <a:p>
+            <a:r>
+              <a:rPr lang="en-US" altLang="ja-JP" dirty="0"/>
+              <a:t>[1,99,2,…]</a:t>
+            </a:r>
+            <a:endParaRPr kumimoji="1" lang="ja-JP" altLang="en-US" dirty="0"/>
+          </a:p>
+        </p:txBody>
+      </p:sp>
+      <p:sp>
+        <p:nvSpPr>
+          <p:cNvPr id="22" name="テキスト ボックス 21">
+            <a:extLst>
+              <a:ext uri="{FF2B5EF4-FFF2-40B4-BE49-F238E27FC236}">
+                <a16:creationId xmlns:a16="http://schemas.microsoft.com/office/drawing/2014/main" id="{C8E44BC6-C84D-24D9-E729-56A80DADF5FB}"/>
+              </a:ext>
+            </a:extLst>
+          </p:cNvPr>
+          <p:cNvSpPr txBox="1"/>
+          <p:nvPr/>
+        </p:nvSpPr>
+        <p:spPr>
+          <a:xfrm>
+            <a:off x="7727684" y="2755604"/>
+            <a:ext cx="1443054" cy="646331"/>
+          </a:xfrm>
+          <a:prstGeom prst="rect">
+            <a:avLst/>
+          </a:prstGeom>
+          <a:noFill/>
+        </p:spPr>
+        <p:txBody>
+          <a:bodyPr wrap="square" rtlCol="0">
+            <a:spAutoFit/>
+          </a:bodyPr>
+          <a:lstStyle/>
+          <a:p>
+            <a:r>
+              <a:rPr kumimoji="1" lang="en-US" altLang="ja-JP" dirty="0"/>
+              <a:t>probs</a:t>
+            </a:r>
+          </a:p>
+          <a:p>
+            <a:r>
+              <a:rPr lang="en-US" altLang="ja-JP" dirty="0"/>
+              <a:t>[0,0.9,0,…]</a:t>
+            </a:r>
+            <a:endParaRPr kumimoji="1" lang="ja-JP" altLang="en-US" dirty="0"/>
+          </a:p>
+        </p:txBody>
+      </p:sp>
+      <p:sp>
+        <p:nvSpPr>
+          <p:cNvPr id="40" name="正方形/長方形 39">
+            <a:extLst>
+              <a:ext uri="{FF2B5EF4-FFF2-40B4-BE49-F238E27FC236}">
+                <a16:creationId xmlns:a16="http://schemas.microsoft.com/office/drawing/2014/main" id="{E63B5F03-F8F6-29DA-6F7F-5BE2C6D4C1F7}"/>
+              </a:ext>
+            </a:extLst>
+          </p:cNvPr>
+          <p:cNvSpPr/>
+          <p:nvPr/>
+        </p:nvSpPr>
+        <p:spPr>
+          <a:xfrm>
+            <a:off x="9170737" y="2436091"/>
+            <a:ext cx="908562" cy="1985818"/>
+          </a:xfrm>
+          <a:prstGeom prst="rect">
+            <a:avLst/>
+          </a:prstGeom>
+        </p:spPr>
+        <p:style>
+          <a:lnRef idx="2">
+            <a:schemeClr val="accent1">
+              <a:shade val="15000"/>
+            </a:schemeClr>
+          </a:lnRef>
+          <a:fillRef idx="1">
+            <a:schemeClr val="accent1"/>
+          </a:fillRef>
+          <a:effectRef idx="0">
+            <a:schemeClr val="accent1"/>
+          </a:effectRef>
+          <a:fontRef idx="minor">
+            <a:schemeClr val="lt1"/>
+          </a:fontRef>
+        </p:style>
+        <p:txBody>
+          <a:bodyPr rtlCol="0" anchor="ctr"/>
+          <a:lstStyle/>
+          <a:p>
+            <a:pPr algn="ctr"/>
+            <a:r>
+              <a:rPr kumimoji="1" lang="en-US" altLang="ja-JP" sz="1600" dirty="0"/>
+              <a:t>Cross Entropy Loss</a:t>
+            </a:r>
+            <a:endParaRPr kumimoji="1" lang="ja-JP" altLang="en-US" sz="1600" dirty="0"/>
+          </a:p>
+        </p:txBody>
+      </p:sp>
+      <p:cxnSp>
+        <p:nvCxnSpPr>
+          <p:cNvPr id="44" name="直線矢印コネクタ 43">
+            <a:extLst>
+              <a:ext uri="{FF2B5EF4-FFF2-40B4-BE49-F238E27FC236}">
+                <a16:creationId xmlns:a16="http://schemas.microsoft.com/office/drawing/2014/main" id="{0A7A0FC3-BA35-18EB-403B-85CC8C6B8A37}"/>
+              </a:ext>
+            </a:extLst>
+          </p:cNvPr>
+          <p:cNvCxnSpPr>
+            <a:cxnSpLocks/>
+            <a:stCxn id="40" idx="3"/>
+          </p:cNvCxnSpPr>
+          <p:nvPr/>
+        </p:nvCxnSpPr>
+        <p:spPr>
+          <a:xfrm>
+            <a:off x="10079299" y="3429000"/>
+            <a:ext cx="1505353" cy="0"/>
+          </a:xfrm>
+          <a:prstGeom prst="straightConnector1">
+            <a:avLst/>
+          </a:prstGeom>
+          <a:ln>
+            <a:tailEnd type="triangle"/>
+          </a:ln>
+        </p:spPr>
+        <p:style>
+          <a:lnRef idx="1">
+            <a:schemeClr val="accent1"/>
+          </a:lnRef>
+          <a:fillRef idx="0">
+            <a:schemeClr val="accent1"/>
+          </a:fillRef>
+          <a:effectRef idx="0">
+            <a:schemeClr val="accent1"/>
+          </a:effectRef>
+          <a:fontRef idx="minor">
+            <a:schemeClr val="tx1"/>
+          </a:fontRef>
+        </p:style>
+      </p:cxnSp>
+      <p:sp>
+        <p:nvSpPr>
+          <p:cNvPr id="46" name="テキスト ボックス 45">
+            <a:extLst>
+              <a:ext uri="{FF2B5EF4-FFF2-40B4-BE49-F238E27FC236}">
+                <a16:creationId xmlns:a16="http://schemas.microsoft.com/office/drawing/2014/main" id="{6F5F0360-87A0-0423-27DD-FABA91B5315B}"/>
+              </a:ext>
+            </a:extLst>
+          </p:cNvPr>
+          <p:cNvSpPr txBox="1"/>
+          <p:nvPr/>
+        </p:nvSpPr>
+        <p:spPr>
+          <a:xfrm>
+            <a:off x="10341575" y="2755604"/>
+            <a:ext cx="1443054" cy="646331"/>
+          </a:xfrm>
+          <a:prstGeom prst="rect">
+            <a:avLst/>
+          </a:prstGeom>
+          <a:noFill/>
+        </p:spPr>
+        <p:txBody>
+          <a:bodyPr wrap="square" rtlCol="0">
+            <a:spAutoFit/>
+          </a:bodyPr>
+          <a:lstStyle/>
+          <a:p>
+            <a:r>
+              <a:rPr kumimoji="1" lang="en-US" altLang="ja-JP" dirty="0"/>
+              <a:t>Loss</a:t>
+            </a:r>
+            <a:endParaRPr lang="en-US" altLang="ja-JP" dirty="0"/>
+          </a:p>
+          <a:p>
+            <a:r>
+              <a:rPr kumimoji="1" lang="en-US" altLang="ja-JP" dirty="0"/>
+              <a:t>0.001</a:t>
+            </a:r>
+          </a:p>
+        </p:txBody>
+      </p:sp>
+      <p:cxnSp>
+        <p:nvCxnSpPr>
+          <p:cNvPr id="48" name="直線コネクタ 47">
+            <a:extLst>
+              <a:ext uri="{FF2B5EF4-FFF2-40B4-BE49-F238E27FC236}">
+                <a16:creationId xmlns:a16="http://schemas.microsoft.com/office/drawing/2014/main" id="{D6E742FD-56CB-BF91-0431-0FD31AB17E1E}"/>
+              </a:ext>
+            </a:extLst>
+          </p:cNvPr>
+          <p:cNvCxnSpPr/>
+          <p:nvPr/>
+        </p:nvCxnSpPr>
+        <p:spPr>
+          <a:xfrm>
+            <a:off x="7943273" y="1554701"/>
+            <a:ext cx="674254" cy="0"/>
+          </a:xfrm>
+          <a:prstGeom prst="line">
+            <a:avLst/>
+          </a:prstGeom>
+        </p:spPr>
+        <p:style>
+          <a:lnRef idx="1">
+            <a:schemeClr val="accent1"/>
+          </a:lnRef>
+          <a:fillRef idx="0">
+            <a:schemeClr val="accent1"/>
+          </a:fillRef>
+          <a:effectRef idx="0">
+            <a:schemeClr val="accent1"/>
+          </a:effectRef>
+          <a:fontRef idx="minor">
+            <a:schemeClr val="tx1"/>
+          </a:fontRef>
+        </p:style>
+      </p:cxnSp>
+      <p:cxnSp>
+        <p:nvCxnSpPr>
+          <p:cNvPr id="50" name="直線コネクタ 49">
+            <a:extLst>
+              <a:ext uri="{FF2B5EF4-FFF2-40B4-BE49-F238E27FC236}">
+                <a16:creationId xmlns:a16="http://schemas.microsoft.com/office/drawing/2014/main" id="{1A3CFF4C-6CD6-4069-B357-E1D861CDF02B}"/>
+              </a:ext>
+            </a:extLst>
+          </p:cNvPr>
+          <p:cNvCxnSpPr/>
+          <p:nvPr/>
+        </p:nvCxnSpPr>
+        <p:spPr>
+          <a:xfrm>
+            <a:off x="8617527" y="1554701"/>
+            <a:ext cx="0" cy="1200903"/>
+          </a:xfrm>
+          <a:prstGeom prst="line">
+            <a:avLst/>
+          </a:prstGeom>
+        </p:spPr>
+        <p:style>
+          <a:lnRef idx="1">
+            <a:schemeClr val="accent1"/>
+          </a:lnRef>
+          <a:fillRef idx="0">
+            <a:schemeClr val="accent1"/>
+          </a:fillRef>
+          <a:effectRef idx="0">
+            <a:schemeClr val="accent1"/>
+          </a:effectRef>
+          <a:fontRef idx="minor">
+            <a:schemeClr val="tx1"/>
+          </a:fontRef>
+        </p:style>
+      </p:cxnSp>
+      <p:cxnSp>
+        <p:nvCxnSpPr>
+          <p:cNvPr id="52" name="直線矢印コネクタ 51">
+            <a:extLst>
+              <a:ext uri="{FF2B5EF4-FFF2-40B4-BE49-F238E27FC236}">
+                <a16:creationId xmlns:a16="http://schemas.microsoft.com/office/drawing/2014/main" id="{FA9D5222-5AD2-E83F-0AE5-C3A969012D0D}"/>
+              </a:ext>
+            </a:extLst>
+          </p:cNvPr>
+          <p:cNvCxnSpPr/>
+          <p:nvPr/>
+        </p:nvCxnSpPr>
+        <p:spPr>
+          <a:xfrm flipV="1">
+            <a:off x="8617527" y="2743844"/>
+            <a:ext cx="553210" cy="11760"/>
+          </a:xfrm>
+          <a:prstGeom prst="straightConnector1">
+            <a:avLst/>
+          </a:prstGeom>
+          <a:ln>
+            <a:tailEnd type="triangle"/>
+          </a:ln>
+        </p:spPr>
+        <p:style>
+          <a:lnRef idx="1">
+            <a:schemeClr val="accent1"/>
+          </a:lnRef>
+          <a:fillRef idx="0">
+            <a:schemeClr val="accent1"/>
+          </a:fillRef>
+          <a:effectRef idx="0">
+            <a:schemeClr val="accent1"/>
+          </a:effectRef>
+          <a:fontRef idx="minor">
+            <a:schemeClr val="tx1"/>
+          </a:fontRef>
+        </p:style>
+      </p:cxnSp>
+      <p:sp>
+        <p:nvSpPr>
+          <p:cNvPr id="53" name="テキスト ボックス 52">
+            <a:extLst>
+              <a:ext uri="{FF2B5EF4-FFF2-40B4-BE49-F238E27FC236}">
+                <a16:creationId xmlns:a16="http://schemas.microsoft.com/office/drawing/2014/main" id="{23F3A527-3F93-FBC4-4BB3-0792C3D66F44}"/>
+              </a:ext>
+            </a:extLst>
+          </p:cNvPr>
+          <p:cNvSpPr txBox="1"/>
+          <p:nvPr/>
+        </p:nvSpPr>
+        <p:spPr>
+          <a:xfrm>
+            <a:off x="7727684" y="766241"/>
+            <a:ext cx="1443054" cy="646331"/>
+          </a:xfrm>
+          <a:prstGeom prst="rect">
+            <a:avLst/>
+          </a:prstGeom>
+          <a:noFill/>
+        </p:spPr>
+        <p:txBody>
+          <a:bodyPr wrap="square" rtlCol="0">
+            <a:spAutoFit/>
+          </a:bodyPr>
+          <a:lstStyle/>
+          <a:p>
+            <a:r>
+              <a:rPr kumimoji="1" lang="en-US" altLang="ja-JP" dirty="0"/>
+              <a:t>loved</a:t>
+            </a:r>
+          </a:p>
+          <a:p>
+            <a:r>
+              <a:rPr lang="en-US" altLang="ja-JP" dirty="0"/>
+              <a:t>[0,1,0,…]</a:t>
+            </a:r>
+            <a:endParaRPr kumimoji="1" lang="ja-JP" altLang="en-US" dirty="0"/>
+          </a:p>
+        </p:txBody>
+      </p:sp>
+    </p:spTree>
+    <p:extLst>
+      <p:ext uri="{BB962C8B-B14F-4D97-AF65-F5344CB8AC3E}">
+        <p14:creationId xmlns:p14="http://schemas.microsoft.com/office/powerpoint/2010/main" val="471055978"/>
+      </p:ext>
+    </p:extLst>
+  </p:cSld>
+  <p:clrMapOvr>
+    <a:masterClrMapping/>
+  </p:clrMapOvr>
+</p:sld>
+</file>
+
+<file path=ppt/slides/slide9.xml><?xml version="1.0" encoding="utf-8"?>
+<p:sld xmlns:a="http://schemas.openxmlformats.org/drawingml/2006/main" xmlns:r="http://schemas.openxmlformats.org/officeDocument/2006/relationships" xmlns:p="http://schemas.openxmlformats.org/presentationml/2006/main">
+  <p:cSld>
+    <p:spTree>
+      <p:nvGrpSpPr>
+        <p:cNvPr id="1" name=""/>
+        <p:cNvGrpSpPr/>
+        <p:nvPr/>
+      </p:nvGrpSpPr>
+      <p:grpSpPr>
+        <a:xfrm>
+          <a:off x="0" y="0"/>
+          <a:ext cx="0" cy="0"/>
+          <a:chOff x="0" y="0"/>
+          <a:chExt cx="0" cy="0"/>
+        </a:xfrm>
+      </p:grpSpPr>
+      <p:sp>
+        <p:nvSpPr>
+          <p:cNvPr id="2" name="テキスト ボックス 1">
+            <a:extLst>
+              <a:ext uri="{FF2B5EF4-FFF2-40B4-BE49-F238E27FC236}">
+                <a16:creationId xmlns:a16="http://schemas.microsoft.com/office/drawing/2014/main" id="{A82CB786-F3AF-B572-F742-F073A4190902}"/>
+              </a:ext>
+            </a:extLst>
+          </p:cNvPr>
+          <p:cNvSpPr txBox="1"/>
+          <p:nvPr/>
+        </p:nvSpPr>
+        <p:spPr>
+          <a:xfrm>
+            <a:off x="2207490" y="1311564"/>
+            <a:ext cx="845103" cy="369332"/>
+          </a:xfrm>
+          <a:prstGeom prst="rect">
+            <a:avLst/>
+          </a:prstGeom>
+          <a:noFill/>
+          <a:ln w="19050">
+            <a:solidFill>
+              <a:schemeClr val="tx1"/>
+            </a:solidFill>
+            <a:prstDash val="dash"/>
+          </a:ln>
+        </p:spPr>
+        <p:txBody>
+          <a:bodyPr wrap="none" rtlCol="0">
+            <a:spAutoFit/>
+          </a:bodyPr>
+          <a:lstStyle/>
+          <a:p>
+            <a:r>
+              <a:rPr kumimoji="1" lang="en-US" altLang="ja-JP" dirty="0"/>
+              <a:t>prince</a:t>
+            </a:r>
+            <a:endParaRPr kumimoji="1" lang="ja-JP" altLang="en-US" dirty="0"/>
+          </a:p>
+        </p:txBody>
+      </p:sp>
+      <p:sp>
+        <p:nvSpPr>
+          <p:cNvPr id="3" name="テキスト ボックス 2">
+            <a:extLst>
+              <a:ext uri="{FF2B5EF4-FFF2-40B4-BE49-F238E27FC236}">
+                <a16:creationId xmlns:a16="http://schemas.microsoft.com/office/drawing/2014/main" id="{EF790F39-DCF9-BC88-04DD-D24EAD4ED303}"/>
+              </a:ext>
+            </a:extLst>
+          </p:cNvPr>
+          <p:cNvSpPr txBox="1"/>
+          <p:nvPr/>
+        </p:nvSpPr>
+        <p:spPr>
+          <a:xfrm>
+            <a:off x="3158836" y="1311564"/>
+            <a:ext cx="748923" cy="369332"/>
+          </a:xfrm>
+          <a:prstGeom prst="rect">
+            <a:avLst/>
+          </a:prstGeom>
+          <a:noFill/>
+          <a:ln w="19050">
+            <a:solidFill>
+              <a:schemeClr val="tx1"/>
+            </a:solidFill>
+          </a:ln>
+        </p:spPr>
+        <p:txBody>
+          <a:bodyPr wrap="none" rtlCol="0">
+            <a:spAutoFit/>
+          </a:bodyPr>
+          <a:lstStyle/>
+          <a:p>
+            <a:r>
+              <a:rPr kumimoji="1" lang="en-US" altLang="ja-JP" dirty="0"/>
+              <a:t>loved</a:t>
+            </a:r>
+            <a:endParaRPr kumimoji="1" lang="ja-JP" altLang="en-US" dirty="0"/>
+          </a:p>
+        </p:txBody>
+      </p:sp>
+      <p:sp>
+        <p:nvSpPr>
+          <p:cNvPr id="4" name="テキスト ボックス 3">
+            <a:extLst>
+              <a:ext uri="{FF2B5EF4-FFF2-40B4-BE49-F238E27FC236}">
+                <a16:creationId xmlns:a16="http://schemas.microsoft.com/office/drawing/2014/main" id="{FFEA0BA1-A76D-0DE8-C9EC-ACDF9952CDAE}"/>
+              </a:ext>
+            </a:extLst>
+          </p:cNvPr>
+          <p:cNvSpPr txBox="1"/>
+          <p:nvPr/>
+        </p:nvSpPr>
+        <p:spPr>
+          <a:xfrm>
+            <a:off x="4014002" y="1311564"/>
+            <a:ext cx="1079142" cy="369332"/>
+          </a:xfrm>
+          <a:prstGeom prst="rect">
+            <a:avLst/>
+          </a:prstGeom>
+          <a:noFill/>
+          <a:ln w="19050">
+            <a:solidFill>
+              <a:schemeClr val="tx1"/>
+            </a:solidFill>
+            <a:prstDash val="dash"/>
+          </a:ln>
+        </p:spPr>
+        <p:txBody>
+          <a:bodyPr wrap="none" rtlCol="0">
+            <a:spAutoFit/>
+          </a:bodyPr>
+          <a:lstStyle/>
+          <a:p>
+            <a:r>
+              <a:rPr kumimoji="1" lang="en-US" altLang="ja-JP" dirty="0"/>
+              <a:t>princess</a:t>
+            </a:r>
+            <a:endParaRPr kumimoji="1" lang="ja-JP" altLang="en-US" dirty="0"/>
+          </a:p>
+        </p:txBody>
+      </p:sp>
+      <p:sp>
+        <p:nvSpPr>
+          <p:cNvPr id="5" name="テキスト ボックス 4">
+            <a:extLst>
+              <a:ext uri="{FF2B5EF4-FFF2-40B4-BE49-F238E27FC236}">
+                <a16:creationId xmlns:a16="http://schemas.microsoft.com/office/drawing/2014/main" id="{6A3BEA73-EF2E-5C59-B6DB-6BCC15F22013}"/>
+              </a:ext>
+            </a:extLst>
+          </p:cNvPr>
+          <p:cNvSpPr txBox="1"/>
+          <p:nvPr/>
+        </p:nvSpPr>
+        <p:spPr>
+          <a:xfrm>
+            <a:off x="5199387" y="1320800"/>
+            <a:ext cx="676788" cy="369332"/>
+          </a:xfrm>
+          <a:prstGeom prst="rect">
+            <a:avLst/>
+          </a:prstGeom>
+          <a:noFill/>
+        </p:spPr>
+        <p:txBody>
+          <a:bodyPr wrap="none" rtlCol="0">
+            <a:spAutoFit/>
+          </a:bodyPr>
+          <a:lstStyle/>
+          <a:p>
+            <a:r>
+              <a:rPr kumimoji="1" lang="en-US" altLang="ja-JP" dirty="0"/>
+              <a:t>from</a:t>
+            </a:r>
+            <a:endParaRPr kumimoji="1" lang="ja-JP" altLang="en-US" dirty="0"/>
+          </a:p>
+        </p:txBody>
+      </p:sp>
+      <p:sp>
+        <p:nvSpPr>
+          <p:cNvPr id="6" name="テキスト ボックス 5">
+            <a:extLst>
+              <a:ext uri="{FF2B5EF4-FFF2-40B4-BE49-F238E27FC236}">
+                <a16:creationId xmlns:a16="http://schemas.microsoft.com/office/drawing/2014/main" id="{608A16D4-92AE-2A61-00F0-CC4D5535E3B3}"/>
+              </a:ext>
+            </a:extLst>
+          </p:cNvPr>
+          <p:cNvSpPr txBox="1"/>
+          <p:nvPr/>
+        </p:nvSpPr>
+        <p:spPr>
+          <a:xfrm>
+            <a:off x="5940135" y="1320800"/>
+            <a:ext cx="529312" cy="369332"/>
+          </a:xfrm>
+          <a:prstGeom prst="rect">
+            <a:avLst/>
+          </a:prstGeom>
+          <a:noFill/>
+        </p:spPr>
+        <p:txBody>
+          <a:bodyPr wrap="none" rtlCol="0">
+            <a:spAutoFit/>
+          </a:bodyPr>
+          <a:lstStyle/>
+          <a:p>
+            <a:r>
+              <a:rPr kumimoji="1" lang="en-US" altLang="ja-JP" dirty="0"/>
+              <a:t>the</a:t>
+            </a:r>
+            <a:endParaRPr kumimoji="1" lang="ja-JP" altLang="en-US" dirty="0"/>
+          </a:p>
+        </p:txBody>
+      </p:sp>
+      <p:sp>
+        <p:nvSpPr>
+          <p:cNvPr id="7" name="テキスト ボックス 6">
+            <a:extLst>
+              <a:ext uri="{FF2B5EF4-FFF2-40B4-BE49-F238E27FC236}">
+                <a16:creationId xmlns:a16="http://schemas.microsoft.com/office/drawing/2014/main" id="{23A11E7B-D2E2-9015-D199-4E98FFF1B9E2}"/>
+              </a:ext>
+            </a:extLst>
+          </p:cNvPr>
+          <p:cNvSpPr txBox="1"/>
+          <p:nvPr/>
+        </p:nvSpPr>
+        <p:spPr>
+          <a:xfrm>
+            <a:off x="6533407" y="1320800"/>
+            <a:ext cx="941283" cy="369332"/>
+          </a:xfrm>
+          <a:prstGeom prst="rect">
+            <a:avLst/>
+          </a:prstGeom>
+          <a:noFill/>
+        </p:spPr>
+        <p:txBody>
+          <a:bodyPr wrap="none" rtlCol="0">
+            <a:spAutoFit/>
+          </a:bodyPr>
+          <a:lstStyle/>
+          <a:p>
+            <a:r>
+              <a:rPr kumimoji="1" lang="en-US" altLang="ja-JP" dirty="0"/>
+              <a:t>bottom</a:t>
+            </a:r>
+            <a:endParaRPr kumimoji="1" lang="ja-JP" altLang="en-US" dirty="0"/>
+          </a:p>
+        </p:txBody>
+      </p:sp>
+      <p:sp>
+        <p:nvSpPr>
+          <p:cNvPr id="8" name="テキスト ボックス 7">
+            <a:extLst>
+              <a:ext uri="{FF2B5EF4-FFF2-40B4-BE49-F238E27FC236}">
+                <a16:creationId xmlns:a16="http://schemas.microsoft.com/office/drawing/2014/main" id="{AD1A4E00-7E56-F557-ADB4-894A5F989859}"/>
+              </a:ext>
+            </a:extLst>
+          </p:cNvPr>
+          <p:cNvSpPr txBox="1"/>
+          <p:nvPr/>
+        </p:nvSpPr>
+        <p:spPr>
+          <a:xfrm>
+            <a:off x="7538650" y="1320800"/>
+            <a:ext cx="497252" cy="369332"/>
+          </a:xfrm>
+          <a:prstGeom prst="rect">
+            <a:avLst/>
+          </a:prstGeom>
+          <a:noFill/>
+        </p:spPr>
+        <p:txBody>
+          <a:bodyPr wrap="none" rtlCol="0">
+            <a:spAutoFit/>
+          </a:bodyPr>
+          <a:lstStyle/>
+          <a:p>
+            <a:r>
+              <a:rPr kumimoji="1" lang="en-US" altLang="ja-JP" dirty="0"/>
+              <a:t>his</a:t>
+            </a:r>
+            <a:endParaRPr kumimoji="1" lang="ja-JP" altLang="en-US" dirty="0"/>
+          </a:p>
+        </p:txBody>
+      </p:sp>
+      <p:sp>
+        <p:nvSpPr>
+          <p:cNvPr id="9" name="テキスト ボックス 8">
+            <a:extLst>
+              <a:ext uri="{FF2B5EF4-FFF2-40B4-BE49-F238E27FC236}">
+                <a16:creationId xmlns:a16="http://schemas.microsoft.com/office/drawing/2014/main" id="{32CEA716-DF8A-BCB2-CE25-6373EABC2B88}"/>
+              </a:ext>
+            </a:extLst>
+          </p:cNvPr>
+          <p:cNvSpPr txBox="1"/>
+          <p:nvPr/>
+        </p:nvSpPr>
+        <p:spPr>
+          <a:xfrm>
+            <a:off x="8222141" y="1320800"/>
+            <a:ext cx="740908" cy="369332"/>
+          </a:xfrm>
+          <a:prstGeom prst="rect">
+            <a:avLst/>
+          </a:prstGeom>
+          <a:noFill/>
+        </p:spPr>
+        <p:txBody>
+          <a:bodyPr wrap="none" rtlCol="0">
+            <a:spAutoFit/>
+          </a:bodyPr>
+          <a:lstStyle/>
+          <a:p>
+            <a:r>
+              <a:rPr kumimoji="1" lang="en-US" altLang="ja-JP" dirty="0"/>
+              <a:t>heart</a:t>
+            </a:r>
+            <a:endParaRPr kumimoji="1" lang="ja-JP" altLang="en-US" dirty="0"/>
+          </a:p>
+        </p:txBody>
+      </p:sp>
+      <p:sp>
+        <p:nvSpPr>
+          <p:cNvPr id="10" name="テキスト ボックス 9">
+            <a:extLst>
+              <a:ext uri="{FF2B5EF4-FFF2-40B4-BE49-F238E27FC236}">
+                <a16:creationId xmlns:a16="http://schemas.microsoft.com/office/drawing/2014/main" id="{CCA1C8F2-3735-BA09-AE48-1E1634D91EF3}"/>
+              </a:ext>
+            </a:extLst>
+          </p:cNvPr>
+          <p:cNvSpPr txBox="1"/>
+          <p:nvPr/>
+        </p:nvSpPr>
+        <p:spPr>
+          <a:xfrm>
+            <a:off x="2207490" y="2110663"/>
+            <a:ext cx="845103" cy="369332"/>
+          </a:xfrm>
+          <a:prstGeom prst="rect">
+            <a:avLst/>
+          </a:prstGeom>
+          <a:noFill/>
+          <a:ln>
+            <a:noFill/>
+            <a:prstDash val="dash"/>
+          </a:ln>
+        </p:spPr>
+        <p:txBody>
+          <a:bodyPr wrap="none" rtlCol="0">
+            <a:spAutoFit/>
+          </a:bodyPr>
+          <a:lstStyle/>
+          <a:p>
+            <a:r>
+              <a:rPr kumimoji="1" lang="en-US" altLang="ja-JP" dirty="0"/>
+              <a:t>prince</a:t>
+            </a:r>
+            <a:endParaRPr kumimoji="1" lang="ja-JP" altLang="en-US" dirty="0"/>
+          </a:p>
+        </p:txBody>
+      </p:sp>
+      <p:sp>
+        <p:nvSpPr>
+          <p:cNvPr id="11" name="テキスト ボックス 10">
+            <a:extLst>
+              <a:ext uri="{FF2B5EF4-FFF2-40B4-BE49-F238E27FC236}">
+                <a16:creationId xmlns:a16="http://schemas.microsoft.com/office/drawing/2014/main" id="{0DE14DEB-6040-EC61-24E4-BBD116066B13}"/>
+              </a:ext>
+            </a:extLst>
+          </p:cNvPr>
+          <p:cNvSpPr txBox="1"/>
+          <p:nvPr/>
+        </p:nvSpPr>
+        <p:spPr>
+          <a:xfrm>
+            <a:off x="3158836" y="2110663"/>
+            <a:ext cx="748923" cy="369332"/>
+          </a:xfrm>
+          <a:prstGeom prst="rect">
+            <a:avLst/>
+          </a:prstGeom>
+          <a:noFill/>
+          <a:ln w="19050">
+            <a:solidFill>
+              <a:schemeClr val="tx1"/>
+            </a:solidFill>
+            <a:prstDash val="dash"/>
+          </a:ln>
+        </p:spPr>
+        <p:txBody>
+          <a:bodyPr wrap="none" rtlCol="0">
+            <a:spAutoFit/>
+          </a:bodyPr>
+          <a:lstStyle/>
+          <a:p>
+            <a:r>
+              <a:rPr kumimoji="1" lang="en-US" altLang="ja-JP" dirty="0"/>
+              <a:t>loved</a:t>
+            </a:r>
+            <a:endParaRPr kumimoji="1" lang="ja-JP" altLang="en-US" dirty="0"/>
+          </a:p>
+        </p:txBody>
+      </p:sp>
+      <p:sp>
+        <p:nvSpPr>
+          <p:cNvPr id="12" name="テキスト ボックス 11">
+            <a:extLst>
+              <a:ext uri="{FF2B5EF4-FFF2-40B4-BE49-F238E27FC236}">
+                <a16:creationId xmlns:a16="http://schemas.microsoft.com/office/drawing/2014/main" id="{6D265AF7-8C3C-9974-126F-3DBCF0CC6FC9}"/>
+              </a:ext>
+            </a:extLst>
+          </p:cNvPr>
+          <p:cNvSpPr txBox="1"/>
+          <p:nvPr/>
+        </p:nvSpPr>
+        <p:spPr>
+          <a:xfrm>
+            <a:off x="4014002" y="2110663"/>
+            <a:ext cx="1079142" cy="369332"/>
+          </a:xfrm>
+          <a:prstGeom prst="rect">
+            <a:avLst/>
+          </a:prstGeom>
+          <a:noFill/>
+          <a:ln w="19050">
+            <a:solidFill>
+              <a:schemeClr val="tx1"/>
+            </a:solidFill>
+            <a:prstDash val="solid"/>
+          </a:ln>
+        </p:spPr>
+        <p:txBody>
+          <a:bodyPr wrap="none" rtlCol="0">
+            <a:spAutoFit/>
+          </a:bodyPr>
+          <a:lstStyle/>
+          <a:p>
+            <a:r>
+              <a:rPr kumimoji="1" lang="en-US" altLang="ja-JP" dirty="0"/>
+              <a:t>princess</a:t>
+            </a:r>
+            <a:endParaRPr kumimoji="1" lang="ja-JP" altLang="en-US" dirty="0"/>
+          </a:p>
+        </p:txBody>
+      </p:sp>
+      <p:sp>
+        <p:nvSpPr>
+          <p:cNvPr id="13" name="テキスト ボックス 12">
+            <a:extLst>
+              <a:ext uri="{FF2B5EF4-FFF2-40B4-BE49-F238E27FC236}">
+                <a16:creationId xmlns:a16="http://schemas.microsoft.com/office/drawing/2014/main" id="{43CD9A36-FDC8-FD0E-BF48-5BDA5C39EA68}"/>
+              </a:ext>
+            </a:extLst>
+          </p:cNvPr>
+          <p:cNvSpPr txBox="1"/>
+          <p:nvPr/>
+        </p:nvSpPr>
+        <p:spPr>
+          <a:xfrm>
+            <a:off x="5199387" y="2110663"/>
+            <a:ext cx="676788" cy="369332"/>
+          </a:xfrm>
+          <a:prstGeom prst="rect">
+            <a:avLst/>
+          </a:prstGeom>
+          <a:noFill/>
+          <a:ln w="19050">
+            <a:solidFill>
+              <a:schemeClr val="tx1"/>
+            </a:solidFill>
+            <a:prstDash val="dash"/>
+          </a:ln>
+        </p:spPr>
+        <p:txBody>
+          <a:bodyPr wrap="none" rtlCol="0">
+            <a:spAutoFit/>
+          </a:bodyPr>
+          <a:lstStyle/>
+          <a:p>
+            <a:r>
+              <a:rPr kumimoji="1" lang="en-US" altLang="ja-JP" dirty="0"/>
+              <a:t>from</a:t>
+            </a:r>
+            <a:endParaRPr kumimoji="1" lang="ja-JP" altLang="en-US" dirty="0"/>
+          </a:p>
+        </p:txBody>
+      </p:sp>
+      <p:sp>
+        <p:nvSpPr>
+          <p:cNvPr id="14" name="テキスト ボックス 13">
+            <a:extLst>
+              <a:ext uri="{FF2B5EF4-FFF2-40B4-BE49-F238E27FC236}">
+                <a16:creationId xmlns:a16="http://schemas.microsoft.com/office/drawing/2014/main" id="{8929C6F3-4A22-CC6B-FDFA-9BA73E7744B8}"/>
+              </a:ext>
+            </a:extLst>
+          </p:cNvPr>
+          <p:cNvSpPr txBox="1"/>
+          <p:nvPr/>
+        </p:nvSpPr>
+        <p:spPr>
+          <a:xfrm>
+            <a:off x="5940135" y="2110663"/>
+            <a:ext cx="529312" cy="369332"/>
+          </a:xfrm>
+          <a:prstGeom prst="rect">
+            <a:avLst/>
+          </a:prstGeom>
+          <a:noFill/>
+        </p:spPr>
+        <p:txBody>
+          <a:bodyPr wrap="none" rtlCol="0">
+            <a:spAutoFit/>
+          </a:bodyPr>
+          <a:lstStyle/>
+          <a:p>
+            <a:r>
+              <a:rPr kumimoji="1" lang="en-US" altLang="ja-JP" dirty="0"/>
+              <a:t>the</a:t>
+            </a:r>
+            <a:endParaRPr kumimoji="1" lang="ja-JP" altLang="en-US" dirty="0"/>
+          </a:p>
+        </p:txBody>
+      </p:sp>
+      <p:sp>
+        <p:nvSpPr>
+          <p:cNvPr id="15" name="テキスト ボックス 14">
+            <a:extLst>
+              <a:ext uri="{FF2B5EF4-FFF2-40B4-BE49-F238E27FC236}">
+                <a16:creationId xmlns:a16="http://schemas.microsoft.com/office/drawing/2014/main" id="{912260A3-625A-EFC6-80BA-FBE3CD8AB2CC}"/>
+              </a:ext>
+            </a:extLst>
+          </p:cNvPr>
+          <p:cNvSpPr txBox="1"/>
+          <p:nvPr/>
+        </p:nvSpPr>
+        <p:spPr>
+          <a:xfrm>
+            <a:off x="6533407" y="2110663"/>
+            <a:ext cx="941283" cy="369332"/>
+          </a:xfrm>
+          <a:prstGeom prst="rect">
+            <a:avLst/>
+          </a:prstGeom>
+          <a:noFill/>
+        </p:spPr>
+        <p:txBody>
+          <a:bodyPr wrap="none" rtlCol="0">
+            <a:spAutoFit/>
+          </a:bodyPr>
+          <a:lstStyle/>
+          <a:p>
+            <a:r>
+              <a:rPr kumimoji="1" lang="en-US" altLang="ja-JP" dirty="0"/>
+              <a:t>bottom</a:t>
+            </a:r>
+            <a:endParaRPr kumimoji="1" lang="ja-JP" altLang="en-US" dirty="0"/>
+          </a:p>
+        </p:txBody>
+      </p:sp>
+      <p:sp>
+        <p:nvSpPr>
+          <p:cNvPr id="16" name="テキスト ボックス 15">
+            <a:extLst>
+              <a:ext uri="{FF2B5EF4-FFF2-40B4-BE49-F238E27FC236}">
+                <a16:creationId xmlns:a16="http://schemas.microsoft.com/office/drawing/2014/main" id="{B227350C-4A6F-734D-00DE-9F56FAF663C9}"/>
+              </a:ext>
+            </a:extLst>
+          </p:cNvPr>
+          <p:cNvSpPr txBox="1"/>
+          <p:nvPr/>
+        </p:nvSpPr>
+        <p:spPr>
+          <a:xfrm>
+            <a:off x="7538650" y="2110663"/>
+            <a:ext cx="497252" cy="369332"/>
+          </a:xfrm>
+          <a:prstGeom prst="rect">
+            <a:avLst/>
+          </a:prstGeom>
+          <a:noFill/>
+        </p:spPr>
+        <p:txBody>
+          <a:bodyPr wrap="none" rtlCol="0">
+            <a:spAutoFit/>
+          </a:bodyPr>
+          <a:lstStyle/>
+          <a:p>
+            <a:r>
+              <a:rPr kumimoji="1" lang="en-US" altLang="ja-JP" dirty="0"/>
+              <a:t>his</a:t>
+            </a:r>
+            <a:endParaRPr kumimoji="1" lang="ja-JP" altLang="en-US" dirty="0"/>
+          </a:p>
+        </p:txBody>
+      </p:sp>
+      <p:sp>
+        <p:nvSpPr>
+          <p:cNvPr id="17" name="テキスト ボックス 16">
+            <a:extLst>
+              <a:ext uri="{FF2B5EF4-FFF2-40B4-BE49-F238E27FC236}">
+                <a16:creationId xmlns:a16="http://schemas.microsoft.com/office/drawing/2014/main" id="{9A75E656-1331-98C2-6BD9-90E6817B59E6}"/>
+              </a:ext>
+            </a:extLst>
+          </p:cNvPr>
+          <p:cNvSpPr txBox="1"/>
+          <p:nvPr/>
+        </p:nvSpPr>
+        <p:spPr>
+          <a:xfrm>
+            <a:off x="8222141" y="2110663"/>
+            <a:ext cx="740908" cy="369332"/>
+          </a:xfrm>
+          <a:prstGeom prst="rect">
+            <a:avLst/>
+          </a:prstGeom>
+          <a:noFill/>
+        </p:spPr>
+        <p:txBody>
+          <a:bodyPr wrap="none" rtlCol="0">
+            <a:spAutoFit/>
+          </a:bodyPr>
+          <a:lstStyle/>
+          <a:p>
+            <a:r>
+              <a:rPr kumimoji="1" lang="en-US" altLang="ja-JP" dirty="0"/>
+              <a:t>heart</a:t>
+            </a:r>
+            <a:endParaRPr kumimoji="1" lang="ja-JP" altLang="en-US" dirty="0"/>
+          </a:p>
+        </p:txBody>
+      </p:sp>
+      <p:sp>
+        <p:nvSpPr>
+          <p:cNvPr id="18" name="テキスト ボックス 17">
+            <a:extLst>
+              <a:ext uri="{FF2B5EF4-FFF2-40B4-BE49-F238E27FC236}">
+                <a16:creationId xmlns:a16="http://schemas.microsoft.com/office/drawing/2014/main" id="{CF536FA9-C9D1-91B7-01EB-C146C0F8ABAB}"/>
+              </a:ext>
+            </a:extLst>
+          </p:cNvPr>
+          <p:cNvSpPr txBox="1"/>
+          <p:nvPr/>
+        </p:nvSpPr>
+        <p:spPr>
+          <a:xfrm>
+            <a:off x="2207490" y="2807916"/>
+            <a:ext cx="845103" cy="369332"/>
+          </a:xfrm>
+          <a:prstGeom prst="rect">
+            <a:avLst/>
+          </a:prstGeom>
+          <a:noFill/>
+          <a:ln>
+            <a:noFill/>
+            <a:prstDash val="dash"/>
+          </a:ln>
+        </p:spPr>
+        <p:txBody>
+          <a:bodyPr wrap="none" rtlCol="0">
+            <a:spAutoFit/>
+          </a:bodyPr>
+          <a:lstStyle/>
+          <a:p>
+            <a:r>
+              <a:rPr kumimoji="1" lang="en-US" altLang="ja-JP" dirty="0"/>
+              <a:t>prince</a:t>
+            </a:r>
+            <a:endParaRPr kumimoji="1" lang="ja-JP" altLang="en-US" dirty="0"/>
+          </a:p>
+        </p:txBody>
+      </p:sp>
+      <p:sp>
+        <p:nvSpPr>
+          <p:cNvPr id="19" name="テキスト ボックス 18">
+            <a:extLst>
+              <a:ext uri="{FF2B5EF4-FFF2-40B4-BE49-F238E27FC236}">
+                <a16:creationId xmlns:a16="http://schemas.microsoft.com/office/drawing/2014/main" id="{B7891F08-F3AD-BA2B-36A6-1A71AD0A98FB}"/>
+              </a:ext>
+            </a:extLst>
+          </p:cNvPr>
+          <p:cNvSpPr txBox="1"/>
+          <p:nvPr/>
+        </p:nvSpPr>
+        <p:spPr>
+          <a:xfrm>
+            <a:off x="3158836" y="2807916"/>
+            <a:ext cx="748923" cy="369332"/>
+          </a:xfrm>
+          <a:prstGeom prst="rect">
+            <a:avLst/>
+          </a:prstGeom>
+          <a:noFill/>
+          <a:ln w="19050">
+            <a:noFill/>
+            <a:prstDash val="dash"/>
+          </a:ln>
+        </p:spPr>
+        <p:txBody>
+          <a:bodyPr wrap="none" rtlCol="0">
+            <a:spAutoFit/>
+          </a:bodyPr>
+          <a:lstStyle/>
+          <a:p>
+            <a:r>
+              <a:rPr kumimoji="1" lang="en-US" altLang="ja-JP" dirty="0"/>
+              <a:t>loved</a:t>
+            </a:r>
+            <a:endParaRPr kumimoji="1" lang="ja-JP" altLang="en-US" dirty="0"/>
+          </a:p>
+        </p:txBody>
+      </p:sp>
+      <p:sp>
+        <p:nvSpPr>
+          <p:cNvPr id="20" name="テキスト ボックス 19">
+            <a:extLst>
+              <a:ext uri="{FF2B5EF4-FFF2-40B4-BE49-F238E27FC236}">
+                <a16:creationId xmlns:a16="http://schemas.microsoft.com/office/drawing/2014/main" id="{82ED3401-F078-32C1-A802-DD6CD4366B65}"/>
+              </a:ext>
+            </a:extLst>
+          </p:cNvPr>
+          <p:cNvSpPr txBox="1"/>
+          <p:nvPr/>
+        </p:nvSpPr>
+        <p:spPr>
+          <a:xfrm>
+            <a:off x="4014002" y="2807916"/>
+            <a:ext cx="1079142" cy="369332"/>
+          </a:xfrm>
+          <a:prstGeom prst="rect">
+            <a:avLst/>
+          </a:prstGeom>
+          <a:noFill/>
+          <a:ln w="19050">
+            <a:solidFill>
+              <a:schemeClr val="tx1"/>
+            </a:solidFill>
+            <a:prstDash val="dash"/>
+          </a:ln>
+        </p:spPr>
+        <p:txBody>
+          <a:bodyPr wrap="none" rtlCol="0">
+            <a:spAutoFit/>
+          </a:bodyPr>
+          <a:lstStyle/>
+          <a:p>
+            <a:r>
+              <a:rPr kumimoji="1" lang="en-US" altLang="ja-JP" dirty="0"/>
+              <a:t>princess</a:t>
+            </a:r>
+            <a:endParaRPr kumimoji="1" lang="ja-JP" altLang="en-US" dirty="0"/>
+          </a:p>
+        </p:txBody>
+      </p:sp>
+      <p:sp>
+        <p:nvSpPr>
+          <p:cNvPr id="21" name="テキスト ボックス 20">
+            <a:extLst>
+              <a:ext uri="{FF2B5EF4-FFF2-40B4-BE49-F238E27FC236}">
+                <a16:creationId xmlns:a16="http://schemas.microsoft.com/office/drawing/2014/main" id="{A2973DCE-46BE-6BF9-2877-63136457CFC0}"/>
+              </a:ext>
+            </a:extLst>
+          </p:cNvPr>
+          <p:cNvSpPr txBox="1"/>
+          <p:nvPr/>
+        </p:nvSpPr>
+        <p:spPr>
+          <a:xfrm>
+            <a:off x="5199387" y="2807916"/>
+            <a:ext cx="676788" cy="369332"/>
+          </a:xfrm>
+          <a:prstGeom prst="rect">
+            <a:avLst/>
+          </a:prstGeom>
+          <a:noFill/>
+          <a:ln w="19050">
+            <a:solidFill>
+              <a:schemeClr val="tx1"/>
+            </a:solidFill>
+            <a:prstDash val="solid"/>
+          </a:ln>
+        </p:spPr>
+        <p:txBody>
+          <a:bodyPr wrap="none" rtlCol="0">
+            <a:spAutoFit/>
+          </a:bodyPr>
+          <a:lstStyle/>
+          <a:p>
+            <a:r>
+              <a:rPr kumimoji="1" lang="en-US" altLang="ja-JP" dirty="0"/>
+              <a:t>from</a:t>
+            </a:r>
+            <a:endParaRPr kumimoji="1" lang="ja-JP" altLang="en-US" dirty="0"/>
+          </a:p>
+        </p:txBody>
+      </p:sp>
+      <p:sp>
+        <p:nvSpPr>
+          <p:cNvPr id="22" name="テキスト ボックス 21">
+            <a:extLst>
+              <a:ext uri="{FF2B5EF4-FFF2-40B4-BE49-F238E27FC236}">
+                <a16:creationId xmlns:a16="http://schemas.microsoft.com/office/drawing/2014/main" id="{53B08006-A3A2-BAEA-BC91-A58F701A0334}"/>
+              </a:ext>
+            </a:extLst>
+          </p:cNvPr>
+          <p:cNvSpPr txBox="1"/>
+          <p:nvPr/>
+        </p:nvSpPr>
+        <p:spPr>
+          <a:xfrm>
+            <a:off x="5940135" y="2807916"/>
+            <a:ext cx="529312" cy="369332"/>
+          </a:xfrm>
+          <a:prstGeom prst="rect">
+            <a:avLst/>
+          </a:prstGeom>
+          <a:noFill/>
+          <a:ln w="19050">
+            <a:solidFill>
+              <a:schemeClr val="tx1"/>
+            </a:solidFill>
+            <a:prstDash val="dash"/>
+          </a:ln>
+        </p:spPr>
+        <p:txBody>
+          <a:bodyPr wrap="none" rtlCol="0">
+            <a:spAutoFit/>
+          </a:bodyPr>
+          <a:lstStyle/>
+          <a:p>
+            <a:r>
+              <a:rPr kumimoji="1" lang="en-US" altLang="ja-JP" dirty="0"/>
+              <a:t>the</a:t>
+            </a:r>
+            <a:endParaRPr kumimoji="1" lang="ja-JP" altLang="en-US" dirty="0"/>
+          </a:p>
+        </p:txBody>
+      </p:sp>
+      <p:sp>
+        <p:nvSpPr>
+          <p:cNvPr id="23" name="テキスト ボックス 22">
+            <a:extLst>
+              <a:ext uri="{FF2B5EF4-FFF2-40B4-BE49-F238E27FC236}">
+                <a16:creationId xmlns:a16="http://schemas.microsoft.com/office/drawing/2014/main" id="{9A6F9032-1E22-D8AD-8350-177571E8CB9C}"/>
+              </a:ext>
+            </a:extLst>
+          </p:cNvPr>
+          <p:cNvSpPr txBox="1"/>
+          <p:nvPr/>
+        </p:nvSpPr>
+        <p:spPr>
+          <a:xfrm>
+            <a:off x="6533407" y="2807916"/>
+            <a:ext cx="941283" cy="369332"/>
+          </a:xfrm>
+          <a:prstGeom prst="rect">
+            <a:avLst/>
+          </a:prstGeom>
+          <a:noFill/>
+        </p:spPr>
+        <p:txBody>
+          <a:bodyPr wrap="none" rtlCol="0">
+            <a:spAutoFit/>
+          </a:bodyPr>
+          <a:lstStyle/>
+          <a:p>
+            <a:r>
+              <a:rPr kumimoji="1" lang="en-US" altLang="ja-JP" dirty="0"/>
+              <a:t>bottom</a:t>
+            </a:r>
+            <a:endParaRPr kumimoji="1" lang="ja-JP" altLang="en-US" dirty="0"/>
+          </a:p>
+        </p:txBody>
+      </p:sp>
+      <p:sp>
+        <p:nvSpPr>
+          <p:cNvPr id="24" name="テキスト ボックス 23">
+            <a:extLst>
+              <a:ext uri="{FF2B5EF4-FFF2-40B4-BE49-F238E27FC236}">
+                <a16:creationId xmlns:a16="http://schemas.microsoft.com/office/drawing/2014/main" id="{24F0FE8A-5346-6F28-85FB-1E834BEBAA9C}"/>
+              </a:ext>
+            </a:extLst>
+          </p:cNvPr>
+          <p:cNvSpPr txBox="1"/>
+          <p:nvPr/>
+        </p:nvSpPr>
+        <p:spPr>
+          <a:xfrm>
+            <a:off x="7538650" y="2807916"/>
+            <a:ext cx="497252" cy="369332"/>
+          </a:xfrm>
+          <a:prstGeom prst="rect">
+            <a:avLst/>
+          </a:prstGeom>
+          <a:noFill/>
+        </p:spPr>
+        <p:txBody>
+          <a:bodyPr wrap="none" rtlCol="0">
+            <a:spAutoFit/>
+          </a:bodyPr>
+          <a:lstStyle/>
+          <a:p>
+            <a:r>
+              <a:rPr kumimoji="1" lang="en-US" altLang="ja-JP" dirty="0"/>
+              <a:t>his</a:t>
+            </a:r>
+            <a:endParaRPr kumimoji="1" lang="ja-JP" altLang="en-US" dirty="0"/>
+          </a:p>
+        </p:txBody>
+      </p:sp>
+      <p:sp>
+        <p:nvSpPr>
+          <p:cNvPr id="25" name="テキスト ボックス 24">
+            <a:extLst>
+              <a:ext uri="{FF2B5EF4-FFF2-40B4-BE49-F238E27FC236}">
+                <a16:creationId xmlns:a16="http://schemas.microsoft.com/office/drawing/2014/main" id="{21D707B8-C631-E26C-043C-3EB45F661B96}"/>
+              </a:ext>
+            </a:extLst>
+          </p:cNvPr>
+          <p:cNvSpPr txBox="1"/>
+          <p:nvPr/>
+        </p:nvSpPr>
+        <p:spPr>
+          <a:xfrm>
+            <a:off x="8222141" y="2807916"/>
+            <a:ext cx="740908" cy="369332"/>
+          </a:xfrm>
+          <a:prstGeom prst="rect">
+            <a:avLst/>
+          </a:prstGeom>
+          <a:noFill/>
+        </p:spPr>
+        <p:txBody>
+          <a:bodyPr wrap="none" rtlCol="0">
+            <a:spAutoFit/>
+          </a:bodyPr>
+          <a:lstStyle/>
+          <a:p>
+            <a:r>
+              <a:rPr kumimoji="1" lang="en-US" altLang="ja-JP" dirty="0"/>
+              <a:t>heart</a:t>
+            </a:r>
+            <a:endParaRPr kumimoji="1" lang="ja-JP" altLang="en-US" dirty="0"/>
+          </a:p>
+        </p:txBody>
+      </p:sp>
+      <p:sp>
+        <p:nvSpPr>
+          <p:cNvPr id="26" name="テキスト ボックス 25">
+            <a:extLst>
+              <a:ext uri="{FF2B5EF4-FFF2-40B4-BE49-F238E27FC236}">
+                <a16:creationId xmlns:a16="http://schemas.microsoft.com/office/drawing/2014/main" id="{CF61D438-69AC-B18E-72EC-762C7A934D29}"/>
+              </a:ext>
+            </a:extLst>
+          </p:cNvPr>
+          <p:cNvSpPr txBox="1"/>
+          <p:nvPr/>
+        </p:nvSpPr>
+        <p:spPr>
+          <a:xfrm>
+            <a:off x="2207490" y="3505169"/>
+            <a:ext cx="845103" cy="369332"/>
+          </a:xfrm>
+          <a:prstGeom prst="rect">
+            <a:avLst/>
+          </a:prstGeom>
+          <a:noFill/>
+          <a:ln>
+            <a:noFill/>
+            <a:prstDash val="dash"/>
+          </a:ln>
+        </p:spPr>
+        <p:txBody>
+          <a:bodyPr wrap="none" rtlCol="0">
+            <a:spAutoFit/>
+          </a:bodyPr>
+          <a:lstStyle/>
+          <a:p>
+            <a:r>
+              <a:rPr kumimoji="1" lang="en-US" altLang="ja-JP" dirty="0"/>
+              <a:t>prince</a:t>
+            </a:r>
+            <a:endParaRPr kumimoji="1" lang="ja-JP" altLang="en-US" dirty="0"/>
+          </a:p>
+        </p:txBody>
+      </p:sp>
+      <p:sp>
+        <p:nvSpPr>
+          <p:cNvPr id="27" name="テキスト ボックス 26">
+            <a:extLst>
+              <a:ext uri="{FF2B5EF4-FFF2-40B4-BE49-F238E27FC236}">
+                <a16:creationId xmlns:a16="http://schemas.microsoft.com/office/drawing/2014/main" id="{9ACD7408-D488-41E6-0C43-7024433E92A9}"/>
+              </a:ext>
+            </a:extLst>
+          </p:cNvPr>
+          <p:cNvSpPr txBox="1"/>
+          <p:nvPr/>
+        </p:nvSpPr>
+        <p:spPr>
+          <a:xfrm>
+            <a:off x="3158836" y="3505169"/>
+            <a:ext cx="748923" cy="369332"/>
+          </a:xfrm>
+          <a:prstGeom prst="rect">
+            <a:avLst/>
+          </a:prstGeom>
+          <a:noFill/>
+          <a:ln w="19050">
+            <a:noFill/>
+            <a:prstDash val="dash"/>
+          </a:ln>
+        </p:spPr>
+        <p:txBody>
+          <a:bodyPr wrap="none" rtlCol="0">
+            <a:spAutoFit/>
+          </a:bodyPr>
+          <a:lstStyle/>
+          <a:p>
+            <a:r>
+              <a:rPr kumimoji="1" lang="en-US" altLang="ja-JP" dirty="0"/>
+              <a:t>loved</a:t>
+            </a:r>
+            <a:endParaRPr kumimoji="1" lang="ja-JP" altLang="en-US" dirty="0"/>
+          </a:p>
+        </p:txBody>
+      </p:sp>
+      <p:sp>
+        <p:nvSpPr>
+          <p:cNvPr id="28" name="テキスト ボックス 27">
+            <a:extLst>
+              <a:ext uri="{FF2B5EF4-FFF2-40B4-BE49-F238E27FC236}">
+                <a16:creationId xmlns:a16="http://schemas.microsoft.com/office/drawing/2014/main" id="{8659B7A5-2202-61E5-A72B-5093A73C0F97}"/>
+              </a:ext>
+            </a:extLst>
+          </p:cNvPr>
+          <p:cNvSpPr txBox="1"/>
+          <p:nvPr/>
+        </p:nvSpPr>
+        <p:spPr>
+          <a:xfrm>
+            <a:off x="4014002" y="3505169"/>
+            <a:ext cx="1079142" cy="369332"/>
+          </a:xfrm>
+          <a:prstGeom prst="rect">
+            <a:avLst/>
+          </a:prstGeom>
+          <a:noFill/>
+          <a:ln w="19050">
+            <a:noFill/>
+            <a:prstDash val="dash"/>
+          </a:ln>
+        </p:spPr>
+        <p:txBody>
+          <a:bodyPr wrap="none" rtlCol="0">
+            <a:spAutoFit/>
+          </a:bodyPr>
+          <a:lstStyle/>
+          <a:p>
+            <a:r>
+              <a:rPr kumimoji="1" lang="en-US" altLang="ja-JP" dirty="0"/>
+              <a:t>princess</a:t>
+            </a:r>
+            <a:endParaRPr kumimoji="1" lang="ja-JP" altLang="en-US" dirty="0"/>
+          </a:p>
+        </p:txBody>
+      </p:sp>
+      <p:sp>
+        <p:nvSpPr>
+          <p:cNvPr id="29" name="テキスト ボックス 28">
+            <a:extLst>
+              <a:ext uri="{FF2B5EF4-FFF2-40B4-BE49-F238E27FC236}">
+                <a16:creationId xmlns:a16="http://schemas.microsoft.com/office/drawing/2014/main" id="{81BC0A75-6754-FC77-C4EE-6A9112CF11B0}"/>
+              </a:ext>
+            </a:extLst>
+          </p:cNvPr>
+          <p:cNvSpPr txBox="1"/>
+          <p:nvPr/>
+        </p:nvSpPr>
+        <p:spPr>
+          <a:xfrm>
+            <a:off x="5199387" y="3505169"/>
+            <a:ext cx="676788" cy="369332"/>
+          </a:xfrm>
+          <a:prstGeom prst="rect">
+            <a:avLst/>
+          </a:prstGeom>
+          <a:noFill/>
+          <a:ln w="19050">
+            <a:solidFill>
+              <a:schemeClr val="tx1"/>
+            </a:solidFill>
+            <a:prstDash val="dash"/>
+          </a:ln>
+        </p:spPr>
+        <p:txBody>
+          <a:bodyPr wrap="none" rtlCol="0">
+            <a:spAutoFit/>
+          </a:bodyPr>
+          <a:lstStyle/>
+          <a:p>
+            <a:r>
+              <a:rPr kumimoji="1" lang="en-US" altLang="ja-JP" dirty="0"/>
+              <a:t>from</a:t>
+            </a:r>
+            <a:endParaRPr kumimoji="1" lang="ja-JP" altLang="en-US" dirty="0"/>
+          </a:p>
+        </p:txBody>
+      </p:sp>
+      <p:sp>
+        <p:nvSpPr>
+          <p:cNvPr id="30" name="テキスト ボックス 29">
+            <a:extLst>
+              <a:ext uri="{FF2B5EF4-FFF2-40B4-BE49-F238E27FC236}">
+                <a16:creationId xmlns:a16="http://schemas.microsoft.com/office/drawing/2014/main" id="{6948BD05-6988-47DA-8BC1-D15187DC3E37}"/>
+              </a:ext>
+            </a:extLst>
+          </p:cNvPr>
+          <p:cNvSpPr txBox="1"/>
+          <p:nvPr/>
+        </p:nvSpPr>
+        <p:spPr>
+          <a:xfrm>
+            <a:off x="5940135" y="3505169"/>
+            <a:ext cx="529312" cy="369332"/>
+          </a:xfrm>
+          <a:prstGeom prst="rect">
+            <a:avLst/>
+          </a:prstGeom>
+          <a:noFill/>
+          <a:ln w="19050">
+            <a:solidFill>
+              <a:schemeClr val="tx1"/>
+            </a:solidFill>
+            <a:prstDash val="solid"/>
+          </a:ln>
+        </p:spPr>
+        <p:txBody>
+          <a:bodyPr wrap="none" rtlCol="0">
+            <a:spAutoFit/>
+          </a:bodyPr>
+          <a:lstStyle/>
+          <a:p>
+            <a:r>
+              <a:rPr kumimoji="1" lang="en-US" altLang="ja-JP" dirty="0"/>
+              <a:t>the</a:t>
+            </a:r>
+            <a:endParaRPr kumimoji="1" lang="ja-JP" altLang="en-US" dirty="0"/>
+          </a:p>
+        </p:txBody>
+      </p:sp>
+      <p:sp>
+        <p:nvSpPr>
+          <p:cNvPr id="31" name="テキスト ボックス 30">
+            <a:extLst>
+              <a:ext uri="{FF2B5EF4-FFF2-40B4-BE49-F238E27FC236}">
+                <a16:creationId xmlns:a16="http://schemas.microsoft.com/office/drawing/2014/main" id="{F9B3F2A0-D2D6-CCAE-2AFA-7E023C6241B7}"/>
+              </a:ext>
+            </a:extLst>
+          </p:cNvPr>
+          <p:cNvSpPr txBox="1"/>
+          <p:nvPr/>
+        </p:nvSpPr>
+        <p:spPr>
+          <a:xfrm>
+            <a:off x="6533407" y="3505169"/>
+            <a:ext cx="941283" cy="369332"/>
+          </a:xfrm>
+          <a:prstGeom prst="rect">
+            <a:avLst/>
+          </a:prstGeom>
+          <a:noFill/>
+          <a:ln w="19050">
+            <a:solidFill>
+              <a:schemeClr val="tx1"/>
+            </a:solidFill>
+            <a:prstDash val="dash"/>
+          </a:ln>
+        </p:spPr>
+        <p:txBody>
+          <a:bodyPr wrap="none" rtlCol="0">
+            <a:spAutoFit/>
+          </a:bodyPr>
+          <a:lstStyle/>
+          <a:p>
+            <a:r>
+              <a:rPr kumimoji="1" lang="en-US" altLang="ja-JP" dirty="0"/>
+              <a:t>bottom</a:t>
+            </a:r>
+            <a:endParaRPr kumimoji="1" lang="ja-JP" altLang="en-US" dirty="0"/>
+          </a:p>
+        </p:txBody>
+      </p:sp>
+      <p:sp>
+        <p:nvSpPr>
+          <p:cNvPr id="32" name="テキスト ボックス 31">
+            <a:extLst>
+              <a:ext uri="{FF2B5EF4-FFF2-40B4-BE49-F238E27FC236}">
+                <a16:creationId xmlns:a16="http://schemas.microsoft.com/office/drawing/2014/main" id="{525035E9-6922-0C2A-C5AC-49846144368D}"/>
+              </a:ext>
+            </a:extLst>
+          </p:cNvPr>
+          <p:cNvSpPr txBox="1"/>
+          <p:nvPr/>
+        </p:nvSpPr>
+        <p:spPr>
+          <a:xfrm>
+            <a:off x="7538650" y="3505169"/>
+            <a:ext cx="497252" cy="369332"/>
+          </a:xfrm>
+          <a:prstGeom prst="rect">
+            <a:avLst/>
+          </a:prstGeom>
+          <a:noFill/>
+        </p:spPr>
+        <p:txBody>
+          <a:bodyPr wrap="none" rtlCol="0">
+            <a:spAutoFit/>
+          </a:bodyPr>
+          <a:lstStyle/>
+          <a:p>
+            <a:r>
+              <a:rPr kumimoji="1" lang="en-US" altLang="ja-JP" dirty="0"/>
+              <a:t>his</a:t>
+            </a:r>
+            <a:endParaRPr kumimoji="1" lang="ja-JP" altLang="en-US" dirty="0"/>
+          </a:p>
+        </p:txBody>
+      </p:sp>
+      <p:sp>
+        <p:nvSpPr>
+          <p:cNvPr id="33" name="テキスト ボックス 32">
+            <a:extLst>
+              <a:ext uri="{FF2B5EF4-FFF2-40B4-BE49-F238E27FC236}">
+                <a16:creationId xmlns:a16="http://schemas.microsoft.com/office/drawing/2014/main" id="{4FBDEE97-2EDD-4E3B-A628-1EF5A2629C75}"/>
+              </a:ext>
+            </a:extLst>
+          </p:cNvPr>
+          <p:cNvSpPr txBox="1"/>
+          <p:nvPr/>
+        </p:nvSpPr>
+        <p:spPr>
+          <a:xfrm>
+            <a:off x="8222141" y="3505169"/>
+            <a:ext cx="740908" cy="369332"/>
+          </a:xfrm>
+          <a:prstGeom prst="rect">
+            <a:avLst/>
+          </a:prstGeom>
+          <a:noFill/>
+        </p:spPr>
+        <p:txBody>
+          <a:bodyPr wrap="none" rtlCol="0">
+            <a:spAutoFit/>
+          </a:bodyPr>
+          <a:lstStyle/>
+          <a:p>
+            <a:r>
+              <a:rPr kumimoji="1" lang="en-US" altLang="ja-JP" dirty="0"/>
+              <a:t>heart</a:t>
+            </a:r>
+            <a:endParaRPr kumimoji="1" lang="ja-JP" altLang="en-US" dirty="0"/>
+          </a:p>
+        </p:txBody>
+      </p:sp>
+      <p:sp>
+        <p:nvSpPr>
+          <p:cNvPr id="34" name="テキスト ボックス 33">
+            <a:extLst>
+              <a:ext uri="{FF2B5EF4-FFF2-40B4-BE49-F238E27FC236}">
+                <a16:creationId xmlns:a16="http://schemas.microsoft.com/office/drawing/2014/main" id="{4D5E7E7C-6914-180D-70E8-E3E4153839D0}"/>
+              </a:ext>
+            </a:extLst>
+          </p:cNvPr>
+          <p:cNvSpPr txBox="1"/>
+          <p:nvPr/>
+        </p:nvSpPr>
+        <p:spPr>
+          <a:xfrm>
+            <a:off x="2207490" y="4153901"/>
+            <a:ext cx="845103" cy="369332"/>
+          </a:xfrm>
+          <a:prstGeom prst="rect">
+            <a:avLst/>
+          </a:prstGeom>
+          <a:noFill/>
+          <a:ln>
+            <a:noFill/>
+            <a:prstDash val="dash"/>
+          </a:ln>
+        </p:spPr>
+        <p:txBody>
+          <a:bodyPr wrap="none" rtlCol="0">
+            <a:spAutoFit/>
+          </a:bodyPr>
+          <a:lstStyle/>
+          <a:p>
+            <a:r>
+              <a:rPr kumimoji="1" lang="en-US" altLang="ja-JP" dirty="0"/>
+              <a:t>prince</a:t>
+            </a:r>
+            <a:endParaRPr kumimoji="1" lang="ja-JP" altLang="en-US" dirty="0"/>
+          </a:p>
+        </p:txBody>
+      </p:sp>
+      <p:sp>
+        <p:nvSpPr>
+          <p:cNvPr id="35" name="テキスト ボックス 34">
+            <a:extLst>
+              <a:ext uri="{FF2B5EF4-FFF2-40B4-BE49-F238E27FC236}">
+                <a16:creationId xmlns:a16="http://schemas.microsoft.com/office/drawing/2014/main" id="{845C49B9-C709-902D-946C-984D3C627984}"/>
+              </a:ext>
+            </a:extLst>
+          </p:cNvPr>
+          <p:cNvSpPr txBox="1"/>
+          <p:nvPr/>
+        </p:nvSpPr>
+        <p:spPr>
+          <a:xfrm>
+            <a:off x="3158836" y="4153901"/>
+            <a:ext cx="748923" cy="369332"/>
+          </a:xfrm>
+          <a:prstGeom prst="rect">
+            <a:avLst/>
+          </a:prstGeom>
+          <a:noFill/>
+          <a:ln w="19050">
+            <a:noFill/>
+            <a:prstDash val="dash"/>
+          </a:ln>
+        </p:spPr>
+        <p:txBody>
+          <a:bodyPr wrap="none" rtlCol="0">
+            <a:spAutoFit/>
+          </a:bodyPr>
+          <a:lstStyle/>
+          <a:p>
+            <a:r>
+              <a:rPr kumimoji="1" lang="en-US" altLang="ja-JP" dirty="0"/>
+              <a:t>loved</a:t>
+            </a:r>
+            <a:endParaRPr kumimoji="1" lang="ja-JP" altLang="en-US" dirty="0"/>
+          </a:p>
+        </p:txBody>
+      </p:sp>
+      <p:sp>
+        <p:nvSpPr>
+          <p:cNvPr id="36" name="テキスト ボックス 35">
+            <a:extLst>
+              <a:ext uri="{FF2B5EF4-FFF2-40B4-BE49-F238E27FC236}">
+                <a16:creationId xmlns:a16="http://schemas.microsoft.com/office/drawing/2014/main" id="{BC6F3E20-E1BB-B75D-B938-FF4E121A646E}"/>
+              </a:ext>
+            </a:extLst>
+          </p:cNvPr>
+          <p:cNvSpPr txBox="1"/>
+          <p:nvPr/>
+        </p:nvSpPr>
+        <p:spPr>
+          <a:xfrm>
+            <a:off x="4014002" y="4153901"/>
+            <a:ext cx="1079142" cy="369332"/>
+          </a:xfrm>
+          <a:prstGeom prst="rect">
+            <a:avLst/>
+          </a:prstGeom>
+          <a:noFill/>
+          <a:ln w="19050">
+            <a:noFill/>
+            <a:prstDash val="dash"/>
+          </a:ln>
+        </p:spPr>
+        <p:txBody>
+          <a:bodyPr wrap="none" rtlCol="0">
+            <a:spAutoFit/>
+          </a:bodyPr>
+          <a:lstStyle/>
+          <a:p>
+            <a:r>
+              <a:rPr kumimoji="1" lang="en-US" altLang="ja-JP" dirty="0"/>
+              <a:t>princess</a:t>
+            </a:r>
+            <a:endParaRPr kumimoji="1" lang="ja-JP" altLang="en-US" dirty="0"/>
+          </a:p>
+        </p:txBody>
+      </p:sp>
+      <p:sp>
+        <p:nvSpPr>
+          <p:cNvPr id="37" name="テキスト ボックス 36">
+            <a:extLst>
+              <a:ext uri="{FF2B5EF4-FFF2-40B4-BE49-F238E27FC236}">
+                <a16:creationId xmlns:a16="http://schemas.microsoft.com/office/drawing/2014/main" id="{EB5082AE-162B-2411-4775-9865E9FB134D}"/>
+              </a:ext>
+            </a:extLst>
+          </p:cNvPr>
+          <p:cNvSpPr txBox="1"/>
+          <p:nvPr/>
+        </p:nvSpPr>
+        <p:spPr>
+          <a:xfrm>
+            <a:off x="5199387" y="4153901"/>
+            <a:ext cx="676788" cy="369332"/>
+          </a:xfrm>
+          <a:prstGeom prst="rect">
+            <a:avLst/>
+          </a:prstGeom>
+          <a:noFill/>
+          <a:ln w="19050">
+            <a:noFill/>
+            <a:prstDash val="dash"/>
+          </a:ln>
+        </p:spPr>
+        <p:txBody>
+          <a:bodyPr wrap="none" rtlCol="0">
+            <a:spAutoFit/>
+          </a:bodyPr>
+          <a:lstStyle/>
+          <a:p>
+            <a:r>
+              <a:rPr kumimoji="1" lang="en-US" altLang="ja-JP" dirty="0"/>
+              <a:t>from</a:t>
+            </a:r>
+            <a:endParaRPr kumimoji="1" lang="ja-JP" altLang="en-US" dirty="0"/>
+          </a:p>
+        </p:txBody>
+      </p:sp>
+      <p:sp>
+        <p:nvSpPr>
+          <p:cNvPr id="38" name="テキスト ボックス 37">
+            <a:extLst>
+              <a:ext uri="{FF2B5EF4-FFF2-40B4-BE49-F238E27FC236}">
+                <a16:creationId xmlns:a16="http://schemas.microsoft.com/office/drawing/2014/main" id="{21AF5B06-2309-FF23-EE29-D9AA231C0D78}"/>
+              </a:ext>
+            </a:extLst>
+          </p:cNvPr>
+          <p:cNvSpPr txBox="1"/>
+          <p:nvPr/>
+        </p:nvSpPr>
+        <p:spPr>
+          <a:xfrm>
+            <a:off x="5940135" y="4153901"/>
+            <a:ext cx="529312" cy="369332"/>
+          </a:xfrm>
+          <a:prstGeom prst="rect">
+            <a:avLst/>
+          </a:prstGeom>
+          <a:noFill/>
+          <a:ln w="19050">
+            <a:solidFill>
+              <a:schemeClr val="tx1"/>
+            </a:solidFill>
+            <a:prstDash val="dash"/>
+          </a:ln>
+        </p:spPr>
+        <p:txBody>
+          <a:bodyPr wrap="none" rtlCol="0">
+            <a:spAutoFit/>
+          </a:bodyPr>
+          <a:lstStyle/>
+          <a:p>
+            <a:r>
+              <a:rPr kumimoji="1" lang="en-US" altLang="ja-JP" dirty="0"/>
+              <a:t>the</a:t>
+            </a:r>
+            <a:endParaRPr kumimoji="1" lang="ja-JP" altLang="en-US" dirty="0"/>
+          </a:p>
+        </p:txBody>
+      </p:sp>
+      <p:sp>
+        <p:nvSpPr>
+          <p:cNvPr id="39" name="テキスト ボックス 38">
+            <a:extLst>
+              <a:ext uri="{FF2B5EF4-FFF2-40B4-BE49-F238E27FC236}">
+                <a16:creationId xmlns:a16="http://schemas.microsoft.com/office/drawing/2014/main" id="{8067A5AB-F0FA-07BE-90FF-91499AD3FEB3}"/>
+              </a:ext>
+            </a:extLst>
+          </p:cNvPr>
+          <p:cNvSpPr txBox="1"/>
+          <p:nvPr/>
+        </p:nvSpPr>
+        <p:spPr>
+          <a:xfrm>
+            <a:off x="6533407" y="4153901"/>
+            <a:ext cx="941283" cy="369332"/>
+          </a:xfrm>
+          <a:prstGeom prst="rect">
+            <a:avLst/>
+          </a:prstGeom>
+          <a:noFill/>
+          <a:ln w="19050">
+            <a:solidFill>
+              <a:schemeClr val="tx1"/>
+            </a:solidFill>
+            <a:prstDash val="solid"/>
+          </a:ln>
+        </p:spPr>
+        <p:txBody>
+          <a:bodyPr wrap="none" rtlCol="0">
+            <a:spAutoFit/>
+          </a:bodyPr>
+          <a:lstStyle/>
+          <a:p>
+            <a:r>
+              <a:rPr kumimoji="1" lang="en-US" altLang="ja-JP" dirty="0"/>
+              <a:t>bottom</a:t>
+            </a:r>
+            <a:endParaRPr kumimoji="1" lang="ja-JP" altLang="en-US" dirty="0"/>
+          </a:p>
+        </p:txBody>
+      </p:sp>
+      <p:sp>
+        <p:nvSpPr>
+          <p:cNvPr id="40" name="テキスト ボックス 39">
+            <a:extLst>
+              <a:ext uri="{FF2B5EF4-FFF2-40B4-BE49-F238E27FC236}">
+                <a16:creationId xmlns:a16="http://schemas.microsoft.com/office/drawing/2014/main" id="{B40F994A-88DF-2B0C-39C3-B9665FE05F05}"/>
+              </a:ext>
+            </a:extLst>
+          </p:cNvPr>
+          <p:cNvSpPr txBox="1"/>
+          <p:nvPr/>
+        </p:nvSpPr>
+        <p:spPr>
+          <a:xfrm>
+            <a:off x="7538650" y="4153901"/>
+            <a:ext cx="497252" cy="369332"/>
+          </a:xfrm>
+          <a:prstGeom prst="rect">
+            <a:avLst/>
+          </a:prstGeom>
+          <a:noFill/>
+          <a:ln w="19050">
+            <a:solidFill>
+              <a:schemeClr val="tx1"/>
+            </a:solidFill>
+            <a:prstDash val="dash"/>
+          </a:ln>
+        </p:spPr>
+        <p:txBody>
+          <a:bodyPr wrap="none" rtlCol="0">
+            <a:spAutoFit/>
+          </a:bodyPr>
+          <a:lstStyle/>
+          <a:p>
+            <a:r>
+              <a:rPr kumimoji="1" lang="en-US" altLang="ja-JP" dirty="0"/>
+              <a:t>his</a:t>
+            </a:r>
+            <a:endParaRPr kumimoji="1" lang="ja-JP" altLang="en-US" dirty="0"/>
+          </a:p>
+        </p:txBody>
+      </p:sp>
+      <p:sp>
+        <p:nvSpPr>
+          <p:cNvPr id="41" name="テキスト ボックス 40">
+            <a:extLst>
+              <a:ext uri="{FF2B5EF4-FFF2-40B4-BE49-F238E27FC236}">
+                <a16:creationId xmlns:a16="http://schemas.microsoft.com/office/drawing/2014/main" id="{F331C252-276A-222F-56B6-79720B07F90F}"/>
+              </a:ext>
+            </a:extLst>
+          </p:cNvPr>
+          <p:cNvSpPr txBox="1"/>
+          <p:nvPr/>
+        </p:nvSpPr>
+        <p:spPr>
+          <a:xfrm>
+            <a:off x="8222141" y="4153901"/>
+            <a:ext cx="740908" cy="369332"/>
+          </a:xfrm>
+          <a:prstGeom prst="rect">
+            <a:avLst/>
+          </a:prstGeom>
+          <a:noFill/>
+        </p:spPr>
+        <p:txBody>
+          <a:bodyPr wrap="none" rtlCol="0">
+            <a:spAutoFit/>
+          </a:bodyPr>
+          <a:lstStyle/>
+          <a:p>
+            <a:r>
+              <a:rPr kumimoji="1" lang="en-US" altLang="ja-JP" dirty="0"/>
+              <a:t>heart</a:t>
+            </a:r>
+            <a:endParaRPr kumimoji="1" lang="ja-JP" altLang="en-US" dirty="0"/>
+          </a:p>
+        </p:txBody>
+      </p:sp>
+      <p:sp>
+        <p:nvSpPr>
+          <p:cNvPr id="42" name="テキスト ボックス 41">
+            <a:extLst>
+              <a:ext uri="{FF2B5EF4-FFF2-40B4-BE49-F238E27FC236}">
+                <a16:creationId xmlns:a16="http://schemas.microsoft.com/office/drawing/2014/main" id="{A148AD25-C325-0631-63DD-99E3AC8CFBD1}"/>
+              </a:ext>
+            </a:extLst>
+          </p:cNvPr>
+          <p:cNvSpPr txBox="1"/>
+          <p:nvPr/>
+        </p:nvSpPr>
+        <p:spPr>
+          <a:xfrm>
+            <a:off x="2207490" y="4758945"/>
+            <a:ext cx="845103" cy="369332"/>
+          </a:xfrm>
+          <a:prstGeom prst="rect">
+            <a:avLst/>
+          </a:prstGeom>
+          <a:noFill/>
+          <a:ln>
+            <a:noFill/>
+            <a:prstDash val="dash"/>
+          </a:ln>
+        </p:spPr>
+        <p:txBody>
+          <a:bodyPr wrap="none" rtlCol="0">
+            <a:spAutoFit/>
+          </a:bodyPr>
+          <a:lstStyle/>
+          <a:p>
+            <a:r>
+              <a:rPr kumimoji="1" lang="en-US" altLang="ja-JP" dirty="0"/>
+              <a:t>prince</a:t>
+            </a:r>
+            <a:endParaRPr kumimoji="1" lang="ja-JP" altLang="en-US" dirty="0"/>
+          </a:p>
+        </p:txBody>
+      </p:sp>
+      <p:sp>
+        <p:nvSpPr>
+          <p:cNvPr id="43" name="テキスト ボックス 42">
+            <a:extLst>
+              <a:ext uri="{FF2B5EF4-FFF2-40B4-BE49-F238E27FC236}">
+                <a16:creationId xmlns:a16="http://schemas.microsoft.com/office/drawing/2014/main" id="{634BE6D8-4150-D9F9-86B6-393E11ABEAC8}"/>
+              </a:ext>
+            </a:extLst>
+          </p:cNvPr>
+          <p:cNvSpPr txBox="1"/>
+          <p:nvPr/>
+        </p:nvSpPr>
+        <p:spPr>
+          <a:xfrm>
+            <a:off x="3158836" y="4758945"/>
+            <a:ext cx="748923" cy="369332"/>
+          </a:xfrm>
+          <a:prstGeom prst="rect">
+            <a:avLst/>
+          </a:prstGeom>
+          <a:noFill/>
+          <a:ln w="19050">
+            <a:noFill/>
+            <a:prstDash val="dash"/>
+          </a:ln>
+        </p:spPr>
+        <p:txBody>
+          <a:bodyPr wrap="none" rtlCol="0">
+            <a:spAutoFit/>
+          </a:bodyPr>
+          <a:lstStyle/>
+          <a:p>
+            <a:r>
+              <a:rPr kumimoji="1" lang="en-US" altLang="ja-JP" dirty="0"/>
+              <a:t>loved</a:t>
+            </a:r>
+            <a:endParaRPr kumimoji="1" lang="ja-JP" altLang="en-US" dirty="0"/>
+          </a:p>
+        </p:txBody>
+      </p:sp>
+      <p:sp>
+        <p:nvSpPr>
+          <p:cNvPr id="44" name="テキスト ボックス 43">
+            <a:extLst>
+              <a:ext uri="{FF2B5EF4-FFF2-40B4-BE49-F238E27FC236}">
+                <a16:creationId xmlns:a16="http://schemas.microsoft.com/office/drawing/2014/main" id="{02DF92E6-0FCC-EA33-91E6-1A342B512F62}"/>
+              </a:ext>
+            </a:extLst>
+          </p:cNvPr>
+          <p:cNvSpPr txBox="1"/>
+          <p:nvPr/>
+        </p:nvSpPr>
+        <p:spPr>
+          <a:xfrm>
+            <a:off x="4014002" y="4758945"/>
+            <a:ext cx="1079142" cy="369332"/>
+          </a:xfrm>
+          <a:prstGeom prst="rect">
+            <a:avLst/>
+          </a:prstGeom>
+          <a:noFill/>
+          <a:ln w="19050">
+            <a:noFill/>
+            <a:prstDash val="dash"/>
+          </a:ln>
+        </p:spPr>
+        <p:txBody>
+          <a:bodyPr wrap="none" rtlCol="0">
+            <a:spAutoFit/>
+          </a:bodyPr>
+          <a:lstStyle/>
+          <a:p>
+            <a:r>
+              <a:rPr kumimoji="1" lang="en-US" altLang="ja-JP" dirty="0"/>
+              <a:t>princess</a:t>
+            </a:r>
+            <a:endParaRPr kumimoji="1" lang="ja-JP" altLang="en-US" dirty="0"/>
+          </a:p>
+        </p:txBody>
+      </p:sp>
+      <p:sp>
+        <p:nvSpPr>
+          <p:cNvPr id="45" name="テキスト ボックス 44">
+            <a:extLst>
+              <a:ext uri="{FF2B5EF4-FFF2-40B4-BE49-F238E27FC236}">
+                <a16:creationId xmlns:a16="http://schemas.microsoft.com/office/drawing/2014/main" id="{CF141DE5-0FC9-6284-1DB1-441BD5D43628}"/>
+              </a:ext>
+            </a:extLst>
+          </p:cNvPr>
+          <p:cNvSpPr txBox="1"/>
+          <p:nvPr/>
+        </p:nvSpPr>
+        <p:spPr>
+          <a:xfrm>
+            <a:off x="5199387" y="4758945"/>
+            <a:ext cx="676788" cy="369332"/>
+          </a:xfrm>
+          <a:prstGeom prst="rect">
+            <a:avLst/>
+          </a:prstGeom>
+          <a:noFill/>
+          <a:ln w="19050">
+            <a:noFill/>
+            <a:prstDash val="dash"/>
+          </a:ln>
+        </p:spPr>
+        <p:txBody>
+          <a:bodyPr wrap="none" rtlCol="0">
+            <a:spAutoFit/>
+          </a:bodyPr>
+          <a:lstStyle/>
+          <a:p>
+            <a:r>
+              <a:rPr kumimoji="1" lang="en-US" altLang="ja-JP" dirty="0"/>
+              <a:t>from</a:t>
+            </a:r>
+            <a:endParaRPr kumimoji="1" lang="ja-JP" altLang="en-US" dirty="0"/>
+          </a:p>
+        </p:txBody>
+      </p:sp>
+      <p:sp>
+        <p:nvSpPr>
+          <p:cNvPr id="46" name="テキスト ボックス 45">
+            <a:extLst>
+              <a:ext uri="{FF2B5EF4-FFF2-40B4-BE49-F238E27FC236}">
+                <a16:creationId xmlns:a16="http://schemas.microsoft.com/office/drawing/2014/main" id="{6C0D8DC8-038A-33F6-862C-37B6D00D5A24}"/>
+              </a:ext>
+            </a:extLst>
+          </p:cNvPr>
+          <p:cNvSpPr txBox="1"/>
+          <p:nvPr/>
+        </p:nvSpPr>
+        <p:spPr>
+          <a:xfrm>
+            <a:off x="5940135" y="4758945"/>
+            <a:ext cx="529312" cy="369332"/>
+          </a:xfrm>
+          <a:prstGeom prst="rect">
+            <a:avLst/>
+          </a:prstGeom>
+          <a:noFill/>
+          <a:ln w="19050">
+            <a:noFill/>
+            <a:prstDash val="dash"/>
+          </a:ln>
+        </p:spPr>
+        <p:txBody>
+          <a:bodyPr wrap="none" rtlCol="0">
+            <a:spAutoFit/>
+          </a:bodyPr>
+          <a:lstStyle/>
+          <a:p>
+            <a:r>
+              <a:rPr kumimoji="1" lang="en-US" altLang="ja-JP" dirty="0"/>
+              <a:t>the</a:t>
+            </a:r>
+            <a:endParaRPr kumimoji="1" lang="ja-JP" altLang="en-US" dirty="0"/>
+          </a:p>
+        </p:txBody>
+      </p:sp>
+      <p:sp>
+        <p:nvSpPr>
+          <p:cNvPr id="47" name="テキスト ボックス 46">
+            <a:extLst>
+              <a:ext uri="{FF2B5EF4-FFF2-40B4-BE49-F238E27FC236}">
+                <a16:creationId xmlns:a16="http://schemas.microsoft.com/office/drawing/2014/main" id="{8719E7AC-DF0A-481E-99AF-83252B5DE84B}"/>
+              </a:ext>
+            </a:extLst>
+          </p:cNvPr>
+          <p:cNvSpPr txBox="1"/>
+          <p:nvPr/>
+        </p:nvSpPr>
+        <p:spPr>
+          <a:xfrm>
+            <a:off x="6533407" y="4758945"/>
+            <a:ext cx="941283" cy="369332"/>
+          </a:xfrm>
+          <a:prstGeom prst="rect">
+            <a:avLst/>
+          </a:prstGeom>
+          <a:noFill/>
+          <a:ln w="19050">
+            <a:solidFill>
+              <a:schemeClr val="tx1"/>
+            </a:solidFill>
+            <a:prstDash val="dash"/>
+          </a:ln>
+        </p:spPr>
+        <p:txBody>
+          <a:bodyPr wrap="none" rtlCol="0">
+            <a:spAutoFit/>
+          </a:bodyPr>
+          <a:lstStyle/>
+          <a:p>
+            <a:r>
+              <a:rPr kumimoji="1" lang="en-US" altLang="ja-JP" dirty="0"/>
+              <a:t>bottom</a:t>
+            </a:r>
+            <a:endParaRPr kumimoji="1" lang="ja-JP" altLang="en-US" dirty="0"/>
+          </a:p>
+        </p:txBody>
+      </p:sp>
+      <p:sp>
+        <p:nvSpPr>
+          <p:cNvPr id="48" name="テキスト ボックス 47">
+            <a:extLst>
+              <a:ext uri="{FF2B5EF4-FFF2-40B4-BE49-F238E27FC236}">
+                <a16:creationId xmlns:a16="http://schemas.microsoft.com/office/drawing/2014/main" id="{47148A41-0BB7-2CD8-ABB6-A6AD2E259A70}"/>
+              </a:ext>
+            </a:extLst>
+          </p:cNvPr>
+          <p:cNvSpPr txBox="1"/>
+          <p:nvPr/>
+        </p:nvSpPr>
+        <p:spPr>
+          <a:xfrm>
+            <a:off x="7538650" y="4758945"/>
+            <a:ext cx="497252" cy="369332"/>
+          </a:xfrm>
+          <a:prstGeom prst="rect">
+            <a:avLst/>
+          </a:prstGeom>
+          <a:noFill/>
+          <a:ln w="19050">
+            <a:solidFill>
+              <a:schemeClr val="tx1"/>
+            </a:solidFill>
+            <a:prstDash val="solid"/>
+          </a:ln>
+        </p:spPr>
+        <p:txBody>
+          <a:bodyPr wrap="none" rtlCol="0">
+            <a:spAutoFit/>
+          </a:bodyPr>
+          <a:lstStyle/>
+          <a:p>
+            <a:r>
+              <a:rPr kumimoji="1" lang="en-US" altLang="ja-JP" dirty="0"/>
+              <a:t>his</a:t>
+            </a:r>
+            <a:endParaRPr kumimoji="1" lang="ja-JP" altLang="en-US" dirty="0"/>
+          </a:p>
+        </p:txBody>
+      </p:sp>
+      <p:sp>
+        <p:nvSpPr>
+          <p:cNvPr id="49" name="テキスト ボックス 48">
+            <a:extLst>
+              <a:ext uri="{FF2B5EF4-FFF2-40B4-BE49-F238E27FC236}">
+                <a16:creationId xmlns:a16="http://schemas.microsoft.com/office/drawing/2014/main" id="{2B26120B-5E6D-4521-B7F4-EF6F0CD12281}"/>
+              </a:ext>
+            </a:extLst>
+          </p:cNvPr>
+          <p:cNvSpPr txBox="1"/>
+          <p:nvPr/>
+        </p:nvSpPr>
+        <p:spPr>
+          <a:xfrm>
+            <a:off x="8222141" y="4758945"/>
+            <a:ext cx="740908" cy="369332"/>
+          </a:xfrm>
+          <a:prstGeom prst="rect">
+            <a:avLst/>
+          </a:prstGeom>
+          <a:noFill/>
+          <a:ln w="19050">
+            <a:solidFill>
+              <a:schemeClr val="tx1"/>
+            </a:solidFill>
+            <a:prstDash val="dash"/>
+          </a:ln>
+        </p:spPr>
+        <p:txBody>
+          <a:bodyPr wrap="none" rtlCol="0">
+            <a:spAutoFit/>
+          </a:bodyPr>
+          <a:lstStyle/>
+          <a:p>
+            <a:r>
+              <a:rPr kumimoji="1" lang="en-US" altLang="ja-JP" dirty="0"/>
+              <a:t>heart</a:t>
+            </a:r>
+            <a:endParaRPr kumimoji="1" lang="ja-JP" altLang="en-US" dirty="0"/>
+          </a:p>
+        </p:txBody>
+      </p:sp>
+    </p:spTree>
+    <p:extLst>
+      <p:ext uri="{BB962C8B-B14F-4D97-AF65-F5344CB8AC3E}">
+        <p14:creationId xmlns:p14="http://schemas.microsoft.com/office/powerpoint/2010/main" val="2866603199"/>
+      </p:ext>
+    </p:extLst>
+  </p:cSld>
+  <p:clrMapOvr>
+    <a:masterClrMapping/>
+  </p:clrMapOvr>
+</p:sld>
+</file>
+
 <file path=ppt/theme/theme1.xml><?xml version="1.0" encoding="utf-8"?>
 <a:theme xmlns:a="http://schemas.openxmlformats.org/drawingml/2006/main" name="Office テーマ">
   <a:themeElements>
